--- a/cluster_course/powerpoint/Using_the_Cluster.pptx
+++ b/cluster_course/powerpoint/Using_the_Cluster.pptx
@@ -11,33 +11,32 @@
     <p:sldId id="290" r:id="rId5"/>
     <p:sldId id="309" r:id="rId6"/>
     <p:sldId id="257" r:id="rId7"/>
-    <p:sldId id="279" r:id="rId8"/>
-    <p:sldId id="280" r:id="rId9"/>
-    <p:sldId id="331" r:id="rId10"/>
-    <p:sldId id="323" r:id="rId11"/>
-    <p:sldId id="324" r:id="rId12"/>
-    <p:sldId id="274" r:id="rId13"/>
-    <p:sldId id="325" r:id="rId14"/>
-    <p:sldId id="322" r:id="rId15"/>
-    <p:sldId id="281" r:id="rId16"/>
-    <p:sldId id="302" r:id="rId17"/>
-    <p:sldId id="335" r:id="rId18"/>
-    <p:sldId id="289" r:id="rId19"/>
-    <p:sldId id="338" r:id="rId20"/>
-    <p:sldId id="339" r:id="rId21"/>
-    <p:sldId id="307" r:id="rId22"/>
-    <p:sldId id="308" r:id="rId23"/>
-    <p:sldId id="311" r:id="rId24"/>
-    <p:sldId id="313" r:id="rId25"/>
-    <p:sldId id="333" r:id="rId26"/>
-    <p:sldId id="337" r:id="rId27"/>
-    <p:sldId id="312" r:id="rId28"/>
-    <p:sldId id="334" r:id="rId29"/>
-    <p:sldId id="336" r:id="rId30"/>
-    <p:sldId id="318" r:id="rId31"/>
-    <p:sldId id="340" r:id="rId32"/>
-    <p:sldId id="269" r:id="rId33"/>
-    <p:sldId id="285" r:id="rId34"/>
+    <p:sldId id="341" r:id="rId8"/>
+    <p:sldId id="331" r:id="rId9"/>
+    <p:sldId id="323" r:id="rId10"/>
+    <p:sldId id="324" r:id="rId11"/>
+    <p:sldId id="274" r:id="rId12"/>
+    <p:sldId id="325" r:id="rId13"/>
+    <p:sldId id="322" r:id="rId14"/>
+    <p:sldId id="281" r:id="rId15"/>
+    <p:sldId id="302" r:id="rId16"/>
+    <p:sldId id="335" r:id="rId17"/>
+    <p:sldId id="289" r:id="rId18"/>
+    <p:sldId id="338" r:id="rId19"/>
+    <p:sldId id="339" r:id="rId20"/>
+    <p:sldId id="307" r:id="rId21"/>
+    <p:sldId id="308" r:id="rId22"/>
+    <p:sldId id="311" r:id="rId23"/>
+    <p:sldId id="313" r:id="rId24"/>
+    <p:sldId id="333" r:id="rId25"/>
+    <p:sldId id="337" r:id="rId26"/>
+    <p:sldId id="312" r:id="rId27"/>
+    <p:sldId id="334" r:id="rId28"/>
+    <p:sldId id="336" r:id="rId29"/>
+    <p:sldId id="318" r:id="rId30"/>
+    <p:sldId id="340" r:id="rId31"/>
+    <p:sldId id="269" r:id="rId32"/>
+    <p:sldId id="285" r:id="rId33"/>
   </p:sldIdLst>
   <p:sldSz cx="12192000" cy="6858000"/>
   <p:notesSz cx="6858000" cy="9144000"/>
@@ -293,7 +292,7 @@
           <a:p>
             <a:fld id="{DEABCE53-1D99-4BEE-AE28-D2367C4FBEC7}" type="datetimeFigureOut">
               <a:rPr lang="en-GB" smtClean="0"/>
-              <a:t>03/12/2018</a:t>
+              <a:t>28/10/2019</a:t>
             </a:fld>
             <a:endParaRPr lang="en-GB"/>
           </a:p>
@@ -493,7 +492,7 @@
           <a:p>
             <a:fld id="{DEABCE53-1D99-4BEE-AE28-D2367C4FBEC7}" type="datetimeFigureOut">
               <a:rPr lang="en-GB" smtClean="0"/>
-              <a:t>03/12/2018</a:t>
+              <a:t>28/10/2019</a:t>
             </a:fld>
             <a:endParaRPr lang="en-GB"/>
           </a:p>
@@ -703,7 +702,7 @@
           <a:p>
             <a:fld id="{DEABCE53-1D99-4BEE-AE28-D2367C4FBEC7}" type="datetimeFigureOut">
               <a:rPr lang="en-GB" smtClean="0"/>
-              <a:t>03/12/2018</a:t>
+              <a:t>28/10/2019</a:t>
             </a:fld>
             <a:endParaRPr lang="en-GB"/>
           </a:p>
@@ -767,6 +766,401 @@
     <p:extLst>
       <p:ext uri="{BB962C8B-B14F-4D97-AF65-F5344CB8AC3E}">
         <p14:creationId xmlns:p14="http://schemas.microsoft.com/office/powerpoint/2010/main" val="3791472290"/>
+      </p:ext>
+    </p:extLst>
+  </p:cSld>
+  <p:clrMapOvr>
+    <a:masterClrMapping/>
+  </p:clrMapOvr>
+</p:sldLayout>
+</file>
+
+<file path=ppt/slideLayouts/slideLayout12.xml><?xml version="1.0" encoding="utf-8"?>
+<p:sldLayout xmlns:a="http://schemas.openxmlformats.org/drawingml/2006/main" xmlns:r="http://schemas.openxmlformats.org/officeDocument/2006/relationships" xmlns:p="http://schemas.openxmlformats.org/presentationml/2006/main" userDrawn="1">
+  <p:cSld name="1_Title and Content">
+    <p:spTree>
+      <p:nvGrpSpPr>
+        <p:cNvPr id="1" name=""/>
+        <p:cNvGrpSpPr/>
+        <p:nvPr/>
+      </p:nvGrpSpPr>
+      <p:grpSpPr>
+        <a:xfrm>
+          <a:off x="0" y="0"/>
+          <a:ext cx="0" cy="0"/>
+          <a:chOff x="0" y="0"/>
+          <a:chExt cx="0" cy="0"/>
+        </a:xfrm>
+      </p:grpSpPr>
+      <p:sp>
+        <p:nvSpPr>
+          <p:cNvPr id="2" name="Title 1"/>
+          <p:cNvSpPr>
+            <a:spLocks noGrp="1"/>
+          </p:cNvSpPr>
+          <p:nvPr>
+            <p:ph type="title" hasCustomPrompt="1"/>
+          </p:nvPr>
+        </p:nvSpPr>
+        <p:spPr>
+          <a:xfrm>
+            <a:off x="1393344" y="275685"/>
+            <a:ext cx="9038843" cy="590931"/>
+          </a:xfrm>
+        </p:spPr>
+        <p:txBody>
+          <a:bodyPr anchor="t" anchorCtr="0">
+            <a:spAutoFit/>
+          </a:bodyPr>
+          <a:lstStyle>
+            <a:lvl1pPr algn="l">
+              <a:defRPr sz="3600" b="1">
+                <a:solidFill>
+                  <a:srgbClr val="872175"/>
+                </a:solidFill>
+              </a:defRPr>
+            </a:lvl1pPr>
+          </a:lstStyle>
+          <a:p>
+            <a:r>
+              <a:rPr lang="en-GB" dirty="0"/>
+              <a:t>Click to edit title</a:t>
+            </a:r>
+            <a:endParaRPr lang="en-US" dirty="0"/>
+          </a:p>
+        </p:txBody>
+      </p:sp>
+      <p:sp>
+        <p:nvSpPr>
+          <p:cNvPr id="7" name="Rounded Rectangle 6"/>
+          <p:cNvSpPr/>
+          <p:nvPr userDrawn="1"/>
+        </p:nvSpPr>
+        <p:spPr>
+          <a:xfrm>
+            <a:off x="837092" y="773902"/>
+            <a:ext cx="388553" cy="291415"/>
+          </a:xfrm>
+          <a:prstGeom prst="roundRect">
+            <a:avLst/>
+          </a:prstGeom>
+          <a:solidFill>
+            <a:srgbClr val="78A22F">
+              <a:alpha val="40000"/>
+            </a:srgbClr>
+          </a:solidFill>
+          <a:ln>
+            <a:solidFill>
+              <a:schemeClr val="accent1">
+                <a:shade val="95000"/>
+                <a:satMod val="105000"/>
+                <a:alpha val="0"/>
+              </a:schemeClr>
+            </a:solidFill>
+          </a:ln>
+          <a:effectLst/>
+        </p:spPr>
+        <p:style>
+          <a:lnRef idx="1">
+            <a:schemeClr val="accent1"/>
+          </a:lnRef>
+          <a:fillRef idx="3">
+            <a:schemeClr val="accent1"/>
+          </a:fillRef>
+          <a:effectRef idx="2">
+            <a:schemeClr val="accent1"/>
+          </a:effectRef>
+          <a:fontRef idx="minor">
+            <a:schemeClr val="lt1"/>
+          </a:fontRef>
+        </p:style>
+        <p:txBody>
+          <a:bodyPr rtlCol="0" anchor="ctr"/>
+          <a:lstStyle/>
+          <a:p>
+            <a:pPr algn="ctr"/>
+            <a:endParaRPr lang="en-US" sz="1800" baseline="-25000"/>
+          </a:p>
+        </p:txBody>
+      </p:sp>
+      <p:sp>
+        <p:nvSpPr>
+          <p:cNvPr id="8" name="Rounded Rectangle 7"/>
+          <p:cNvSpPr/>
+          <p:nvPr userDrawn="1"/>
+        </p:nvSpPr>
+        <p:spPr>
+          <a:xfrm>
+            <a:off x="837092" y="452073"/>
+            <a:ext cx="388553" cy="291415"/>
+          </a:xfrm>
+          <a:prstGeom prst="roundRect">
+            <a:avLst/>
+          </a:prstGeom>
+          <a:solidFill>
+            <a:srgbClr val="872175">
+              <a:alpha val="40000"/>
+            </a:srgbClr>
+          </a:solidFill>
+          <a:ln>
+            <a:solidFill>
+              <a:schemeClr val="accent1">
+                <a:shade val="95000"/>
+                <a:satMod val="105000"/>
+                <a:alpha val="0"/>
+              </a:schemeClr>
+            </a:solidFill>
+          </a:ln>
+          <a:effectLst/>
+        </p:spPr>
+        <p:style>
+          <a:lnRef idx="1">
+            <a:schemeClr val="accent1"/>
+          </a:lnRef>
+          <a:fillRef idx="3">
+            <a:schemeClr val="accent1"/>
+          </a:fillRef>
+          <a:effectRef idx="2">
+            <a:schemeClr val="accent1"/>
+          </a:effectRef>
+          <a:fontRef idx="minor">
+            <a:schemeClr val="lt1"/>
+          </a:fontRef>
+        </p:style>
+        <p:txBody>
+          <a:bodyPr rtlCol="0" anchor="ctr"/>
+          <a:lstStyle/>
+          <a:p>
+            <a:pPr algn="ctr"/>
+            <a:endParaRPr lang="en-US" sz="1800" baseline="-25000"/>
+          </a:p>
+        </p:txBody>
+      </p:sp>
+      <p:sp>
+        <p:nvSpPr>
+          <p:cNvPr id="9" name="Rounded Rectangle 8"/>
+          <p:cNvSpPr/>
+          <p:nvPr userDrawn="1"/>
+        </p:nvSpPr>
+        <p:spPr>
+          <a:xfrm>
+            <a:off x="404341" y="452073"/>
+            <a:ext cx="388553" cy="291415"/>
+          </a:xfrm>
+          <a:prstGeom prst="roundRect">
+            <a:avLst/>
+          </a:prstGeom>
+          <a:solidFill>
+            <a:srgbClr val="569BBE">
+              <a:alpha val="40000"/>
+            </a:srgbClr>
+          </a:solidFill>
+          <a:ln>
+            <a:solidFill>
+              <a:schemeClr val="accent1">
+                <a:shade val="95000"/>
+                <a:satMod val="105000"/>
+                <a:alpha val="0"/>
+              </a:schemeClr>
+            </a:solidFill>
+          </a:ln>
+          <a:effectLst/>
+        </p:spPr>
+        <p:style>
+          <a:lnRef idx="1">
+            <a:schemeClr val="accent1"/>
+          </a:lnRef>
+          <a:fillRef idx="3">
+            <a:schemeClr val="accent1"/>
+          </a:fillRef>
+          <a:effectRef idx="2">
+            <a:schemeClr val="accent1"/>
+          </a:effectRef>
+          <a:fontRef idx="minor">
+            <a:schemeClr val="lt1"/>
+          </a:fontRef>
+        </p:style>
+        <p:txBody>
+          <a:bodyPr rtlCol="0" anchor="ctr"/>
+          <a:lstStyle/>
+          <a:p>
+            <a:pPr algn="ctr"/>
+            <a:endParaRPr lang="en-US" sz="1800" baseline="-25000"/>
+          </a:p>
+        </p:txBody>
+      </p:sp>
+      <p:pic>
+        <p:nvPicPr>
+          <p:cNvPr id="10" name="Content Placeholder 3" descr="JHI_Vert_Web.png"/>
+          <p:cNvPicPr>
+            <a:picLocks noChangeAspect="1"/>
+          </p:cNvPicPr>
+          <p:nvPr userDrawn="1"/>
+        </p:nvPicPr>
+        <p:blipFill>
+          <a:blip r:embed="rId2">
+            <a:extLst>
+              <a:ext uri="{28A0092B-C50C-407E-A947-70E740481C1C}">
+                <a14:useLocalDpi xmlns:a14="http://schemas.microsoft.com/office/drawing/2010/main" val="0"/>
+              </a:ext>
+            </a:extLst>
+          </a:blip>
+          <a:srcRect l="-135523" r="-135523"/>
+          <a:stretch>
+            <a:fillRect/>
+          </a:stretch>
+        </p:blipFill>
+        <p:spPr>
+          <a:xfrm>
+            <a:off x="10097383" y="167543"/>
+            <a:ext cx="2815605" cy="1161356"/>
+          </a:xfrm>
+          <a:prstGeom prst="rect">
+            <a:avLst/>
+          </a:prstGeom>
+        </p:spPr>
+      </p:pic>
+      <p:sp>
+        <p:nvSpPr>
+          <p:cNvPr id="14" name="Text Placeholder 24"/>
+          <p:cNvSpPr>
+            <a:spLocks noGrp="1"/>
+          </p:cNvSpPr>
+          <p:nvPr>
+            <p:ph type="body" sz="quarter" idx="11" hasCustomPrompt="1"/>
+          </p:nvPr>
+        </p:nvSpPr>
+        <p:spPr>
+          <a:xfrm>
+            <a:off x="1780308" y="1732396"/>
+            <a:ext cx="9177979" cy="3742563"/>
+          </a:xfrm>
+        </p:spPr>
+        <p:txBody>
+          <a:bodyPr>
+            <a:spAutoFit/>
+          </a:bodyPr>
+          <a:lstStyle>
+            <a:lvl1pPr marL="360000" indent="-252000">
+              <a:lnSpc>
+                <a:spcPct val="110000"/>
+              </a:lnSpc>
+              <a:spcBef>
+                <a:spcPts val="0"/>
+              </a:spcBef>
+              <a:buClr>
+                <a:srgbClr val="872175"/>
+              </a:buClr>
+              <a:buFont typeface="Arial"/>
+              <a:buChar char="•"/>
+              <a:defRPr sz="2400" baseline="0"/>
+            </a:lvl1pPr>
+            <a:lvl2pPr marL="360000" indent="-252000">
+              <a:lnSpc>
+                <a:spcPct val="110000"/>
+              </a:lnSpc>
+              <a:spcBef>
+                <a:spcPts val="0"/>
+              </a:spcBef>
+              <a:buNone/>
+              <a:defRPr baseline="0"/>
+            </a:lvl2pPr>
+            <a:lvl6pPr>
+              <a:buNone/>
+              <a:defRPr/>
+            </a:lvl6pPr>
+          </a:lstStyle>
+          <a:p>
+            <a:pPr lvl="0"/>
+            <a:r>
+              <a:rPr lang="en-US"/>
+              <a:t>Use key words and phrases only </a:t>
+            </a:r>
+          </a:p>
+          <a:p>
+            <a:pPr lvl="0"/>
+            <a:endParaRPr lang="en-US"/>
+          </a:p>
+          <a:p>
+            <a:pPr lvl="0"/>
+            <a:r>
+              <a:rPr lang="en-US"/>
+              <a:t>Be concise	</a:t>
+            </a:r>
+          </a:p>
+          <a:p>
+            <a:pPr lvl="1"/>
+            <a:r>
+              <a:rPr lang="en-US"/>
+              <a:t>		</a:t>
+            </a:r>
+          </a:p>
+          <a:p>
+            <a:pPr lvl="1"/>
+            <a:endParaRPr lang="en-US"/>
+          </a:p>
+          <a:p>
+            <a:pPr lvl="1"/>
+            <a:endParaRPr lang="en-US"/>
+          </a:p>
+          <a:p>
+            <a:pPr lvl="1"/>
+            <a:br>
+              <a:rPr lang="en-US"/>
+            </a:br>
+            <a:endParaRPr lang="en-US"/>
+          </a:p>
+          <a:p>
+            <a:pPr lvl="0"/>
+            <a:endParaRPr lang="en-US"/>
+          </a:p>
+        </p:txBody>
+      </p:sp>
+      <p:sp>
+        <p:nvSpPr>
+          <p:cNvPr id="12" name="Slide Number Placeholder 3"/>
+          <p:cNvSpPr>
+            <a:spLocks noGrp="1"/>
+          </p:cNvSpPr>
+          <p:nvPr>
+            <p:ph type="sldNum" sz="quarter" idx="4"/>
+          </p:nvPr>
+        </p:nvSpPr>
+        <p:spPr>
+          <a:xfrm>
+            <a:off x="9160932" y="6356351"/>
+            <a:ext cx="2844800" cy="365125"/>
+          </a:xfrm>
+          <a:prstGeom prst="rect">
+            <a:avLst/>
+          </a:prstGeom>
+        </p:spPr>
+        <p:txBody>
+          <a:bodyPr vert="horz" lIns="91440" tIns="45720" rIns="91440" bIns="45720" rtlCol="0" anchor="ctr"/>
+          <a:lstStyle>
+            <a:lvl1pPr algn="r">
+              <a:defRPr sz="1200">
+                <a:solidFill>
+                  <a:schemeClr val="tx1">
+                    <a:tint val="75000"/>
+                  </a:schemeClr>
+                </a:solidFill>
+              </a:defRPr>
+            </a:lvl1pPr>
+          </a:lstStyle>
+          <a:p>
+            <a:fld id="{1064110F-1FE5-404C-94AB-477FA53119E4}" type="slidenum">
+              <a:rPr lang="en-US" smtClean="0"/>
+              <a:t>‹#›</a:t>
+            </a:fld>
+            <a:endParaRPr lang="en-US"/>
+          </a:p>
+        </p:txBody>
+      </p:sp>
+    </p:spTree>
+    <p:extLst>
+      <p:ext uri="{BB962C8B-B14F-4D97-AF65-F5344CB8AC3E}">
+        <p14:creationId xmlns:p14="http://schemas.microsoft.com/office/powerpoint/2010/main" val="1051570411"/>
       </p:ext>
     </p:extLst>
   </p:cSld>
@@ -903,7 +1297,7 @@
           <a:p>
             <a:fld id="{DEABCE53-1D99-4BEE-AE28-D2367C4FBEC7}" type="datetimeFigureOut">
               <a:rPr lang="en-GB" smtClean="0"/>
-              <a:t>03/12/2018</a:t>
+              <a:t>28/10/2019</a:t>
             </a:fld>
             <a:endParaRPr lang="en-GB"/>
           </a:p>
@@ -1179,7 +1573,7 @@
           <a:p>
             <a:fld id="{DEABCE53-1D99-4BEE-AE28-D2367C4FBEC7}" type="datetimeFigureOut">
               <a:rPr lang="en-GB" smtClean="0"/>
-              <a:t>03/12/2018</a:t>
+              <a:t>28/10/2019</a:t>
             </a:fld>
             <a:endParaRPr lang="en-GB"/>
           </a:p>
@@ -1447,7 +1841,7 @@
           <a:p>
             <a:fld id="{DEABCE53-1D99-4BEE-AE28-D2367C4FBEC7}" type="datetimeFigureOut">
               <a:rPr lang="en-GB" smtClean="0"/>
-              <a:t>03/12/2018</a:t>
+              <a:t>28/10/2019</a:t>
             </a:fld>
             <a:endParaRPr lang="en-GB"/>
           </a:p>
@@ -1862,7 +2256,7 @@
           <a:p>
             <a:fld id="{DEABCE53-1D99-4BEE-AE28-D2367C4FBEC7}" type="datetimeFigureOut">
               <a:rPr lang="en-GB" smtClean="0"/>
-              <a:t>03/12/2018</a:t>
+              <a:t>28/10/2019</a:t>
             </a:fld>
             <a:endParaRPr lang="en-GB"/>
           </a:p>
@@ -2004,7 +2398,7 @@
           <a:p>
             <a:fld id="{DEABCE53-1D99-4BEE-AE28-D2367C4FBEC7}" type="datetimeFigureOut">
               <a:rPr lang="en-GB" smtClean="0"/>
-              <a:t>03/12/2018</a:t>
+              <a:t>28/10/2019</a:t>
             </a:fld>
             <a:endParaRPr lang="en-GB"/>
           </a:p>
@@ -2117,7 +2511,7 @@
           <a:p>
             <a:fld id="{DEABCE53-1D99-4BEE-AE28-D2367C4FBEC7}" type="datetimeFigureOut">
               <a:rPr lang="en-GB" smtClean="0"/>
-              <a:t>03/12/2018</a:t>
+              <a:t>28/10/2019</a:t>
             </a:fld>
             <a:endParaRPr lang="en-GB"/>
           </a:p>
@@ -2430,7 +2824,7 @@
           <a:p>
             <a:fld id="{DEABCE53-1D99-4BEE-AE28-D2367C4FBEC7}" type="datetimeFigureOut">
               <a:rPr lang="en-GB" smtClean="0"/>
-              <a:t>03/12/2018</a:t>
+              <a:t>28/10/2019</a:t>
             </a:fld>
             <a:endParaRPr lang="en-GB"/>
           </a:p>
@@ -2719,7 +3113,7 @@
           <a:p>
             <a:fld id="{DEABCE53-1D99-4BEE-AE28-D2367C4FBEC7}" type="datetimeFigureOut">
               <a:rPr lang="en-GB" smtClean="0"/>
-              <a:t>03/12/2018</a:t>
+              <a:t>28/10/2019</a:t>
             </a:fld>
             <a:endParaRPr lang="en-GB"/>
           </a:p>
@@ -2962,7 +3356,7 @@
           <a:p>
             <a:fld id="{DEABCE53-1D99-4BEE-AE28-D2367C4FBEC7}" type="datetimeFigureOut">
               <a:rPr lang="en-GB" smtClean="0"/>
-              <a:t>03/12/2018</a:t>
+              <a:t>28/10/2019</a:t>
             </a:fld>
             <a:endParaRPr lang="en-GB"/>
           </a:p>
@@ -3078,6 +3472,7 @@
     <p:sldLayoutId id="2147483657" r:id="rId9"/>
     <p:sldLayoutId id="2147483658" r:id="rId10"/>
     <p:sldLayoutId id="2147483659" r:id="rId11"/>
+    <p:sldLayoutId id="2147483660" r:id="rId12"/>
   </p:sldLayoutIdLst>
   <p:txStyles>
     <p:titleStyle>
@@ -3550,7 +3945,7 @@
           <p:cNvPr id="2" name="Title 1">
             <a:extLst>
               <a:ext uri="{FF2B5EF4-FFF2-40B4-BE49-F238E27FC236}">
-                <a16:creationId xmlns:a16="http://schemas.microsoft.com/office/drawing/2014/main" id="{B38A0F29-CBF5-4F6F-8067-DDC8E390B91E}"/>
+                <a16:creationId xmlns:a16="http://schemas.microsoft.com/office/drawing/2014/main" id="{EA251008-F27C-4C1F-8F10-375807AB107C}"/>
               </a:ext>
             </a:extLst>
           </p:cNvPr>
@@ -3572,7 +3967,7 @@
                   <a:srgbClr val="7030A0"/>
                 </a:solidFill>
               </a:rPr>
-              <a:t>3) Basic UNIX: open the PowerPoint</a:t>
+              <a:t>4) Shell scripting: open the PowerPoint</a:t>
             </a:r>
           </a:p>
         </p:txBody>
@@ -3582,7 +3977,7 @@
           <p:cNvPr id="3" name="Content Placeholder 2">
             <a:extLst>
               <a:ext uri="{FF2B5EF4-FFF2-40B4-BE49-F238E27FC236}">
-                <a16:creationId xmlns:a16="http://schemas.microsoft.com/office/drawing/2014/main" id="{B7D7F1BD-ACA4-4C4D-B152-CF18FDF314D2}"/>
+                <a16:creationId xmlns:a16="http://schemas.microsoft.com/office/drawing/2014/main" id="{AF3CF147-5046-4E7A-BC9A-1D353C1C3AAE}"/>
               </a:ext>
             </a:extLst>
           </p:cNvPr>
@@ -3600,7 +3995,23 @@
           <a:p>
             <a:r>
               <a:rPr lang="en-GB" dirty="0"/>
-              <a:t>Short practical, basic UNIX commands (</a:t>
+              <a:t>Here we learn how </a:t>
+            </a:r>
+            <a:r>
+              <a:rPr lang="en-GB"/>
+              <a:t>to “talk </a:t>
+            </a:r>
+            <a:r>
+              <a:rPr lang="en-GB" dirty="0"/>
+              <a:t>to </a:t>
+            </a:r>
+            <a:r>
+              <a:rPr lang="en-GB"/>
+              <a:t>the computer” </a:t>
+            </a:r>
+            <a:r>
+              <a:rPr lang="en-GB" dirty="0"/>
+              <a:t>(</a:t>
             </a:r>
             <a:r>
               <a:rPr lang="en-GB" dirty="0">
@@ -3608,7 +4019,7 @@
                   <a:srgbClr val="FF0000"/>
                 </a:solidFill>
               </a:rPr>
-              <a:t>3_basic_UNIX.pptx</a:t>
+              <a:t>4_Shell_scripting.pptx</a:t>
             </a:r>
             <a:r>
               <a:rPr lang="en-GB" dirty="0"/>
@@ -3616,17 +4027,17 @@
             </a:r>
           </a:p>
           <a:p>
-            <a:r>
-              <a:rPr lang="en-GB" dirty="0"/>
-              <a:t>Joe has written an extended tutorial for you all, which you will download shortly called:  unixCourse_latest.zip. This is mainly for you to do in your own time, or here if you are fast.</a:t>
-            </a:r>
+            <a:pPr marL="0" indent="0">
+              <a:buNone/>
+            </a:pPr>
+            <a:endParaRPr lang="en-GB" dirty="0"/>
           </a:p>
         </p:txBody>
       </p:sp>
     </p:spTree>
     <p:extLst>
       <p:ext uri="{BB962C8B-B14F-4D97-AF65-F5344CB8AC3E}">
-        <p14:creationId xmlns:p14="http://schemas.microsoft.com/office/powerpoint/2010/main" val="1605566831"/>
+        <p14:creationId xmlns:p14="http://schemas.microsoft.com/office/powerpoint/2010/main" val="1709596038"/>
       </p:ext>
     </p:extLst>
   </p:cSld>
@@ -3658,7 +4069,7 @@
           <p:cNvPr id="2" name="Title 1">
             <a:extLst>
               <a:ext uri="{FF2B5EF4-FFF2-40B4-BE49-F238E27FC236}">
-                <a16:creationId xmlns:a16="http://schemas.microsoft.com/office/drawing/2014/main" id="{EA251008-F27C-4C1F-8F10-375807AB107C}"/>
+                <a16:creationId xmlns:a16="http://schemas.microsoft.com/office/drawing/2014/main" id="{F08C7102-A670-4959-9B22-1073D9E41E09}"/>
               </a:ext>
             </a:extLst>
           </p:cNvPr>
@@ -3669,18 +4080,40 @@
             <p:ph type="title"/>
           </p:nvPr>
         </p:nvSpPr>
-        <p:spPr/>
+        <p:spPr>
+          <a:xfrm>
+            <a:off x="838200" y="18255"/>
+            <a:ext cx="10515600" cy="1325563"/>
+          </a:xfrm>
+        </p:spPr>
         <p:txBody>
           <a:bodyPr/>
           <a:lstStyle/>
           <a:p>
+            <a:pPr algn="ctr"/>
             <a:r>
               <a:rPr lang="en-GB" dirty="0">
                 <a:solidFill>
                   <a:srgbClr val="7030A0"/>
                 </a:solidFill>
               </a:rPr>
-              <a:t>4) Shell scripting: open the PowerPoint</a:t>
+              <a:t>5) </a:t>
+            </a:r>
+            <a:r>
+              <a:rPr lang="en-GB" dirty="0" err="1">
+                <a:solidFill>
+                  <a:srgbClr val="7030A0"/>
+                </a:solidFill>
+              </a:rPr>
+              <a:t>qsub</a:t>
+            </a:r>
+            <a:r>
+              <a:rPr lang="en-GB" dirty="0">
+                <a:solidFill>
+                  <a:srgbClr val="7030A0"/>
+                </a:solidFill>
+              </a:rPr>
+              <a:t>: submitting jobs to the server. </a:t>
             </a:r>
           </a:p>
         </p:txBody>
@@ -3690,7 +4123,7 @@
           <p:cNvPr id="3" name="Content Placeholder 2">
             <a:extLst>
               <a:ext uri="{FF2B5EF4-FFF2-40B4-BE49-F238E27FC236}">
-                <a16:creationId xmlns:a16="http://schemas.microsoft.com/office/drawing/2014/main" id="{AF3CF147-5046-4E7A-BC9A-1D353C1C3AAE}"/>
+                <a16:creationId xmlns:a16="http://schemas.microsoft.com/office/drawing/2014/main" id="{2015C571-0C43-419D-858F-E0C92AACE419}"/>
               </a:ext>
             </a:extLst>
           </p:cNvPr>
@@ -3701,14 +4134,32 @@
             <p:ph idx="1"/>
           </p:nvPr>
         </p:nvSpPr>
-        <p:spPr/>
-        <p:txBody>
-          <a:bodyPr/>
+        <p:spPr>
+          <a:xfrm>
+            <a:off x="431800" y="1343818"/>
+            <a:ext cx="11315700" cy="5222082"/>
+          </a:xfrm>
+        </p:spPr>
+        <p:txBody>
+          <a:bodyPr>
+            <a:normAutofit/>
+          </a:bodyPr>
           <a:lstStyle/>
           <a:p>
             <a:r>
               <a:rPr lang="en-GB" dirty="0"/>
-              <a:t>Here we learn how to talk to the computer (</a:t>
+              <a:t>Now we have learnt how to write shell scripts, we can now submit jobs to the cluster via </a:t>
+            </a:r>
+            <a:r>
+              <a:rPr lang="en-GB" dirty="0" err="1"/>
+              <a:t>qsub</a:t>
+            </a:r>
+            <a:endParaRPr lang="en-GB" dirty="0"/>
+          </a:p>
+          <a:p>
+            <a:r>
+              <a:rPr lang="en-GB" dirty="0"/>
+              <a:t>Open </a:t>
             </a:r>
             <a:r>
               <a:rPr lang="en-GB" dirty="0">
@@ -3716,11 +4167,7 @@
                   <a:srgbClr val="FF0000"/>
                 </a:solidFill>
               </a:rPr>
-              <a:t>4_Shell_scripting.pptx</a:t>
-            </a:r>
-            <a:r>
-              <a:rPr lang="en-GB" dirty="0"/>
-              <a:t>)</a:t>
+              <a:t>5_qsub.pptx</a:t>
             </a:r>
           </a:p>
           <a:p>
@@ -3734,7 +4181,7 @@
     </p:spTree>
     <p:extLst>
       <p:ext uri="{BB962C8B-B14F-4D97-AF65-F5344CB8AC3E}">
-        <p14:creationId xmlns:p14="http://schemas.microsoft.com/office/powerpoint/2010/main" val="1709596038"/>
+        <p14:creationId xmlns:p14="http://schemas.microsoft.com/office/powerpoint/2010/main" val="1645784545"/>
       </p:ext>
     </p:extLst>
   </p:cSld>
@@ -3766,7 +4213,7 @@
           <p:cNvPr id="2" name="Title 1">
             <a:extLst>
               <a:ext uri="{FF2B5EF4-FFF2-40B4-BE49-F238E27FC236}">
-                <a16:creationId xmlns:a16="http://schemas.microsoft.com/office/drawing/2014/main" id="{F08C7102-A670-4959-9B22-1073D9E41E09}"/>
+                <a16:creationId xmlns:a16="http://schemas.microsoft.com/office/drawing/2014/main" id="{542777C1-7B95-421C-B8A4-C9E15C1294EA}"/>
               </a:ext>
             </a:extLst>
           </p:cNvPr>
@@ -3777,108 +4224,88 @@
             <p:ph type="title"/>
           </p:nvPr>
         </p:nvSpPr>
-        <p:spPr>
-          <a:xfrm>
-            <a:off x="838200" y="18255"/>
-            <a:ext cx="10515600" cy="1325563"/>
-          </a:xfrm>
-        </p:spPr>
+        <p:spPr/>
         <p:txBody>
           <a:bodyPr/>
           <a:lstStyle/>
           <a:p>
-            <a:pPr algn="ctr"/>
             <a:r>
               <a:rPr lang="en-GB" dirty="0">
                 <a:solidFill>
                   <a:srgbClr val="7030A0"/>
                 </a:solidFill>
               </a:rPr>
-              <a:t>5) </a:t>
-            </a:r>
-            <a:r>
-              <a:rPr lang="en-GB" dirty="0" err="1">
-                <a:solidFill>
-                  <a:srgbClr val="7030A0"/>
-                </a:solidFill>
-              </a:rPr>
-              <a:t>qsub</a:t>
+              <a:t>Moving on to an actual example</a:t>
+            </a:r>
+          </a:p>
+        </p:txBody>
+      </p:sp>
+      <p:sp>
+        <p:nvSpPr>
+          <p:cNvPr id="3" name="Content Placeholder 2">
+            <a:extLst>
+              <a:ext uri="{FF2B5EF4-FFF2-40B4-BE49-F238E27FC236}">
+                <a16:creationId xmlns:a16="http://schemas.microsoft.com/office/drawing/2014/main" id="{12BE9CEA-E3C0-4F60-B1CB-2D9D0E2B8A7A}"/>
+              </a:ext>
+            </a:extLst>
+          </p:cNvPr>
+          <p:cNvSpPr>
+            <a:spLocks noGrp="1"/>
+          </p:cNvSpPr>
+          <p:nvPr>
+            <p:ph idx="1"/>
+          </p:nvPr>
+        </p:nvSpPr>
+        <p:spPr/>
+        <p:txBody>
+          <a:bodyPr/>
+          <a:lstStyle/>
+          <a:p>
+            <a:r>
+              <a:rPr lang="en-GB" dirty="0"/>
+              <a:t>Now we know how to write shell script.</a:t>
+            </a:r>
+          </a:p>
+          <a:p>
+            <a:r>
+              <a:rPr lang="en-GB" dirty="0"/>
+              <a:t>Lets do a bacterial genomes assembly as an example</a:t>
+            </a:r>
+          </a:p>
+          <a:p>
+            <a:r>
+              <a:rPr lang="en-GB" dirty="0"/>
+              <a:t>We have already looked at </a:t>
+            </a:r>
+            <a:r>
+              <a:rPr lang="en-GB" dirty="0" err="1"/>
+              <a:t>fastqc</a:t>
+            </a:r>
+            <a:r>
+              <a:rPr lang="en-GB" dirty="0"/>
+              <a:t> to qc our read files.</a:t>
+            </a:r>
+          </a:p>
+          <a:p>
+            <a:r>
+              <a:rPr lang="en-GB" dirty="0"/>
+              <a:t>Open </a:t>
             </a:r>
             <a:r>
               <a:rPr lang="en-GB" dirty="0">
                 <a:solidFill>
-                  <a:srgbClr val="7030A0"/>
-                </a:solidFill>
-              </a:rPr>
-              <a:t>: submitting jobs to the server. </a:t>
-            </a:r>
-          </a:p>
-        </p:txBody>
-      </p:sp>
-      <p:sp>
-        <p:nvSpPr>
-          <p:cNvPr id="3" name="Content Placeholder 2">
-            <a:extLst>
-              <a:ext uri="{FF2B5EF4-FFF2-40B4-BE49-F238E27FC236}">
-                <a16:creationId xmlns:a16="http://schemas.microsoft.com/office/drawing/2014/main" id="{2015C571-0C43-419D-858F-E0C92AACE419}"/>
-              </a:ext>
-            </a:extLst>
-          </p:cNvPr>
-          <p:cNvSpPr>
-            <a:spLocks noGrp="1"/>
-          </p:cNvSpPr>
-          <p:nvPr>
-            <p:ph idx="1"/>
-          </p:nvPr>
-        </p:nvSpPr>
-        <p:spPr>
-          <a:xfrm>
-            <a:off x="431800" y="1343818"/>
-            <a:ext cx="11315700" cy="5222082"/>
-          </a:xfrm>
-        </p:spPr>
-        <p:txBody>
-          <a:bodyPr>
-            <a:normAutofit/>
-          </a:bodyPr>
-          <a:lstStyle/>
-          <a:p>
-            <a:r>
-              <a:rPr lang="en-GB" dirty="0"/>
-              <a:t>Now we have learnt how to write shell scripts, we can now submit jobs to the cluster via </a:t>
-            </a:r>
-            <a:r>
-              <a:rPr lang="en-GB" dirty="0" err="1"/>
-              <a:t>qsub</a:t>
-            </a:r>
-            <a:endParaRPr lang="en-GB" dirty="0"/>
-          </a:p>
-          <a:p>
-            <a:r>
-              <a:rPr lang="en-GB" dirty="0"/>
-              <a:t>Open </a:t>
-            </a:r>
-            <a:r>
-              <a:rPr lang="en-GB" dirty="0">
-                <a:solidFill>
                   <a:srgbClr val="FF0000"/>
                 </a:solidFill>
               </a:rPr>
-              <a:t>5_qsub.pptx</a:t>
-            </a:r>
-          </a:p>
-          <a:p>
-            <a:pPr marL="0" indent="0">
-              <a:buNone/>
-            </a:pPr>
-            <a:endParaRPr lang="en-GB" dirty="0"/>
+              <a:t>6_assembly.pptx</a:t>
+            </a:r>
           </a:p>
         </p:txBody>
       </p:sp>
     </p:spTree>
     <p:extLst>
       <p:ext uri="{BB962C8B-B14F-4D97-AF65-F5344CB8AC3E}">
-        <p14:creationId xmlns:p14="http://schemas.microsoft.com/office/powerpoint/2010/main" val="1645784545"/>
+        <p14:creationId xmlns:p14="http://schemas.microsoft.com/office/powerpoint/2010/main" val="789431044"/>
       </p:ext>
     </p:extLst>
   </p:cSld>
@@ -3910,7 +4337,7 @@
           <p:cNvPr id="2" name="Title 1">
             <a:extLst>
               <a:ext uri="{FF2B5EF4-FFF2-40B4-BE49-F238E27FC236}">
-                <a16:creationId xmlns:a16="http://schemas.microsoft.com/office/drawing/2014/main" id="{542777C1-7B95-421C-B8A4-C9E15C1294EA}"/>
+                <a16:creationId xmlns:a16="http://schemas.microsoft.com/office/drawing/2014/main" id="{D15D7644-D1F4-4489-90E1-0AB82985E627}"/>
               </a:ext>
             </a:extLst>
           </p:cNvPr>
@@ -3932,7 +4359,39 @@
                   <a:srgbClr val="7030A0"/>
                 </a:solidFill>
               </a:rPr>
-              <a:t>Moving on to an actual example</a:t>
+              <a:t>5) </a:t>
+            </a:r>
+            <a:r>
+              <a:rPr lang="en-GB" dirty="0" err="1">
+                <a:solidFill>
+                  <a:srgbClr val="7030A0"/>
+                </a:solidFill>
+              </a:rPr>
+              <a:t>qsub</a:t>
+            </a:r>
+            <a:r>
+              <a:rPr lang="en-GB" dirty="0">
+                <a:solidFill>
+                  <a:srgbClr val="7030A0"/>
+                </a:solidFill>
+              </a:rPr>
+              <a:t>: </a:t>
+            </a:r>
+            <a:r>
+              <a:rPr lang="en-GB" dirty="0" err="1">
+                <a:solidFill>
+                  <a:srgbClr val="7030A0"/>
+                </a:solidFill>
+              </a:rPr>
+              <a:t>qsub</a:t>
+            </a:r>
+            <a:r>
+              <a:rPr lang="en-GB" dirty="0">
+                <a:solidFill>
+                  <a:srgbClr val="7030A0"/>
+                </a:solidFill>
+              </a:rPr>
+              <a:t> output files .o and .e files</a:t>
             </a:r>
           </a:p>
         </p:txBody>
@@ -3942,7 +4401,7 @@
           <p:cNvPr id="3" name="Content Placeholder 2">
             <a:extLst>
               <a:ext uri="{FF2B5EF4-FFF2-40B4-BE49-F238E27FC236}">
-                <a16:creationId xmlns:a16="http://schemas.microsoft.com/office/drawing/2014/main" id="{12BE9CEA-E3C0-4F60-B1CB-2D9D0E2B8A7A}"/>
+                <a16:creationId xmlns:a16="http://schemas.microsoft.com/office/drawing/2014/main" id="{30FC31A4-5CFC-40C3-8650-DF53E562F052}"/>
               </a:ext>
             </a:extLst>
           </p:cNvPr>
@@ -3953,48 +4412,31 @@
             <p:ph idx="1"/>
           </p:nvPr>
         </p:nvSpPr>
-        <p:spPr/>
+        <p:spPr>
+          <a:xfrm>
+            <a:off x="556953" y="1825625"/>
+            <a:ext cx="11130742" cy="4351338"/>
+          </a:xfrm>
+        </p:spPr>
         <p:txBody>
           <a:bodyPr/>
           <a:lstStyle/>
           <a:p>
             <a:r>
               <a:rPr lang="en-GB" dirty="0"/>
-              <a:t>Now we know how to write shell script.</a:t>
-            </a:r>
-          </a:p>
-          <a:p>
-            <a:r>
-              <a:rPr lang="en-GB" dirty="0"/>
-              <a:t>Lets do a bacterial genomes assembly as an example</a:t>
-            </a:r>
-          </a:p>
-          <a:p>
-            <a:r>
-              <a:rPr lang="en-GB" dirty="0"/>
-              <a:t>We have already looked at </a:t>
-            </a:r>
-            <a:r>
-              <a:rPr lang="en-GB" dirty="0" err="1"/>
-              <a:t>fastqc</a:t>
-            </a:r>
-            <a:r>
-              <a:rPr lang="en-GB" dirty="0"/>
-              <a:t> to qc our read files.</a:t>
-            </a:r>
-          </a:p>
-          <a:p>
-            <a:r>
-              <a:rPr lang="en-GB" dirty="0"/>
-              <a:t>Open </a:t>
-            </a:r>
-            <a:r>
-              <a:rPr lang="en-GB" dirty="0">
-                <a:solidFill>
-                  <a:srgbClr val="FF0000"/>
-                </a:solidFill>
-              </a:rPr>
-              <a:t>6_assembly.pptx</a:t>
+              <a:t>Now we have run several job. Have a look at the .o and .e files. </a:t>
+            </a:r>
+          </a:p>
+          <a:p>
+            <a:r>
+              <a:rPr lang="en-GB" dirty="0"/>
+              <a:t>.o files have normal output from whatever tool is being used. </a:t>
+            </a:r>
+          </a:p>
+          <a:p>
+            <a:r>
+              <a:rPr lang="en-GB" dirty="0"/>
+              <a:t>.e are errors or warnings. This is useful to track errors and find out why your tool is not working. </a:t>
             </a:r>
           </a:p>
         </p:txBody>
@@ -4002,7 +4444,7 @@
     </p:spTree>
     <p:extLst>
       <p:ext uri="{BB962C8B-B14F-4D97-AF65-F5344CB8AC3E}">
-        <p14:creationId xmlns:p14="http://schemas.microsoft.com/office/powerpoint/2010/main" val="789431044"/>
+        <p14:creationId xmlns:p14="http://schemas.microsoft.com/office/powerpoint/2010/main" val="88670009"/>
       </p:ext>
     </p:extLst>
   </p:cSld>
@@ -4034,7 +4476,7 @@
           <p:cNvPr id="2" name="Title 1">
             <a:extLst>
               <a:ext uri="{FF2B5EF4-FFF2-40B4-BE49-F238E27FC236}">
-                <a16:creationId xmlns:a16="http://schemas.microsoft.com/office/drawing/2014/main" id="{D15D7644-D1F4-4489-90E1-0AB82985E627}"/>
+                <a16:creationId xmlns:a16="http://schemas.microsoft.com/office/drawing/2014/main" id="{A6E621F3-AEE9-4F57-87AC-D5B04A151CD3}"/>
               </a:ext>
             </a:extLst>
           </p:cNvPr>
@@ -4045,50 +4487,24 @@
             <p:ph type="title"/>
           </p:nvPr>
         </p:nvSpPr>
-        <p:spPr/>
+        <p:spPr>
+          <a:xfrm>
+            <a:off x="0" y="18255"/>
+            <a:ext cx="11855116" cy="1325563"/>
+          </a:xfrm>
+        </p:spPr>
         <p:txBody>
           <a:bodyPr/>
           <a:lstStyle/>
           <a:p>
+            <a:pPr algn="ctr"/>
             <a:r>
               <a:rPr lang="en-GB" dirty="0">
                 <a:solidFill>
                   <a:srgbClr val="7030A0"/>
                 </a:solidFill>
               </a:rPr>
-              <a:t>5) </a:t>
-            </a:r>
-            <a:r>
-              <a:rPr lang="en-GB" dirty="0" err="1">
-                <a:solidFill>
-                  <a:srgbClr val="7030A0"/>
-                </a:solidFill>
-              </a:rPr>
-              <a:t>qsub</a:t>
-            </a:r>
-            <a:r>
-              <a:rPr lang="en-GB" dirty="0">
-                <a:solidFill>
-                  <a:srgbClr val="7030A0"/>
-                </a:solidFill>
-              </a:rPr>
-              <a:t>: </a:t>
-            </a:r>
-            <a:r>
-              <a:rPr lang="en-GB" dirty="0" err="1">
-                <a:solidFill>
-                  <a:srgbClr val="7030A0"/>
-                </a:solidFill>
-              </a:rPr>
-              <a:t>qsub</a:t>
-            </a:r>
-            <a:r>
-              <a:rPr lang="en-GB" dirty="0">
-                <a:solidFill>
-                  <a:srgbClr val="7030A0"/>
-                </a:solidFill>
-              </a:rPr>
-              <a:t> output files .o and .e files</a:t>
+              <a:t>8) Downloading and decompressing</a:t>
             </a:r>
           </a:p>
         </p:txBody>
@@ -4098,7 +4514,7 @@
           <p:cNvPr id="3" name="Content Placeholder 2">
             <a:extLst>
               <a:ext uri="{FF2B5EF4-FFF2-40B4-BE49-F238E27FC236}">
-                <a16:creationId xmlns:a16="http://schemas.microsoft.com/office/drawing/2014/main" id="{30FC31A4-5CFC-40C3-8650-DF53E562F052}"/>
+                <a16:creationId xmlns:a16="http://schemas.microsoft.com/office/drawing/2014/main" id="{0BC79A64-E3A2-48DB-9CE3-872A1FC32BB4}"/>
               </a:ext>
             </a:extLst>
           </p:cNvPr>
@@ -4111,29 +4527,175 @@
         </p:nvSpPr>
         <p:spPr>
           <a:xfrm>
-            <a:off x="556953" y="1825625"/>
-            <a:ext cx="11130742" cy="4351338"/>
+            <a:off x="200526" y="1568951"/>
+            <a:ext cx="11177337" cy="4351338"/>
           </a:xfrm>
         </p:spPr>
         <p:txBody>
-          <a:bodyPr/>
+          <a:bodyPr>
+            <a:normAutofit/>
+          </a:bodyPr>
           <a:lstStyle/>
           <a:p>
-            <a:r>
-              <a:rPr lang="en-GB" dirty="0"/>
-              <a:t>Now we have run several job. Have a look at the .o and .e files. </a:t>
-            </a:r>
-          </a:p>
-          <a:p>
-            <a:r>
-              <a:rPr lang="en-GB" dirty="0"/>
-              <a:t>.o files have normal output from whatever tool is being used. </a:t>
-            </a:r>
-          </a:p>
-          <a:p>
-            <a:r>
-              <a:rPr lang="en-GB" dirty="0"/>
-              <a:t>.e are errors or warnings. This is useful to track errors and find out why your tool is not working. </a:t>
+            <a:pPr marL="0" indent="0">
+              <a:buNone/>
+            </a:pPr>
+            <a:r>
+              <a:rPr lang="en-GB" dirty="0">
+                <a:solidFill>
+                  <a:srgbClr val="0070C0"/>
+                </a:solidFill>
+              </a:rPr>
+              <a:t>        </a:t>
+            </a:r>
+            <a:r>
+              <a:rPr lang="en-GB" dirty="0" err="1">
+                <a:solidFill>
+                  <a:srgbClr val="0070C0"/>
+                </a:solidFill>
+              </a:rPr>
+              <a:t>wget</a:t>
+            </a:r>
+            <a:r>
+              <a:rPr lang="en-GB" dirty="0">
+                <a:solidFill>
+                  <a:srgbClr val="0070C0"/>
+                </a:solidFill>
+              </a:rPr>
+              <a:t> web-</a:t>
+            </a:r>
+            <a:r>
+              <a:rPr lang="en-GB" dirty="0" err="1">
+                <a:solidFill>
+                  <a:srgbClr val="0070C0"/>
+                </a:solidFill>
+              </a:rPr>
+              <a:t>link_to_data</a:t>
+            </a:r>
+            <a:endParaRPr lang="en-GB" dirty="0">
+              <a:solidFill>
+                <a:srgbClr val="0070C0"/>
+              </a:solidFill>
+            </a:endParaRPr>
+          </a:p>
+          <a:p>
+            <a:endParaRPr lang="en-GB" dirty="0">
+              <a:solidFill>
+                <a:srgbClr val="0070C0"/>
+              </a:solidFill>
+            </a:endParaRPr>
+          </a:p>
+          <a:p>
+            <a:r>
+              <a:rPr lang="en-GB" dirty="0"/>
+              <a:t>Decompress. Depends on the type of compression. Google is your friend. </a:t>
+            </a:r>
+          </a:p>
+          <a:p>
+            <a:endParaRPr lang="en-GB" dirty="0">
+              <a:solidFill>
+                <a:srgbClr val="0070C0"/>
+              </a:solidFill>
+            </a:endParaRPr>
+          </a:p>
+          <a:p>
+            <a:pPr marL="0" indent="0">
+              <a:buNone/>
+            </a:pPr>
+            <a:r>
+              <a:rPr lang="en-GB" dirty="0">
+                <a:solidFill>
+                  <a:srgbClr val="0070C0"/>
+                </a:solidFill>
+              </a:rPr>
+              <a:t>        unzip folder.zip</a:t>
+            </a:r>
+          </a:p>
+          <a:p>
+            <a:pPr marL="0" indent="0">
+              <a:buNone/>
+            </a:pPr>
+            <a:r>
+              <a:rPr lang="en-GB" dirty="0">
+                <a:solidFill>
+                  <a:srgbClr val="0070C0"/>
+                </a:solidFill>
+              </a:rPr>
+              <a:t>        tar -</a:t>
+            </a:r>
+            <a:r>
+              <a:rPr lang="en-GB" dirty="0" err="1">
+                <a:solidFill>
+                  <a:srgbClr val="0070C0"/>
+                </a:solidFill>
+              </a:rPr>
+              <a:t>zxvf</a:t>
+            </a:r>
+            <a:r>
+              <a:rPr lang="en-GB" dirty="0">
+                <a:solidFill>
+                  <a:srgbClr val="0070C0"/>
+                </a:solidFill>
+              </a:rPr>
+              <a:t> folder.tar.gz</a:t>
+            </a:r>
+          </a:p>
+          <a:p>
+            <a:pPr marL="0" indent="0">
+              <a:buNone/>
+            </a:pPr>
+            <a:r>
+              <a:rPr lang="en-GB" dirty="0">
+                <a:solidFill>
+                  <a:srgbClr val="0070C0"/>
+                </a:solidFill>
+              </a:rPr>
+              <a:t>        </a:t>
+            </a:r>
+            <a:r>
+              <a:rPr lang="en-GB" dirty="0" err="1">
+                <a:solidFill>
+                  <a:srgbClr val="0070C0"/>
+                </a:solidFill>
+              </a:rPr>
+              <a:t>gunzip</a:t>
+            </a:r>
+            <a:r>
+              <a:rPr lang="en-GB" dirty="0">
+                <a:solidFill>
+                  <a:srgbClr val="0070C0"/>
+                </a:solidFill>
+              </a:rPr>
+              <a:t> file.gz</a:t>
+            </a:r>
+          </a:p>
+          <a:p>
+            <a:pPr marL="0" indent="0">
+              <a:buNone/>
+            </a:pPr>
+            <a:r>
+              <a:rPr lang="en-GB" dirty="0">
+                <a:solidFill>
+                  <a:srgbClr val="0070C0"/>
+                </a:solidFill>
+              </a:rPr>
+              <a:t>        </a:t>
+            </a:r>
+            <a:r>
+              <a:rPr lang="en-GB" dirty="0" err="1">
+                <a:solidFill>
+                  <a:srgbClr val="0070C0"/>
+                </a:solidFill>
+              </a:rPr>
+              <a:t>pigz</a:t>
+            </a:r>
+            <a:r>
+              <a:rPr lang="en-GB" dirty="0">
+                <a:solidFill>
+                  <a:srgbClr val="0070C0"/>
+                </a:solidFill>
+              </a:rPr>
+              <a:t> -d file.gz</a:t>
             </a:r>
           </a:p>
         </p:txBody>
@@ -4141,7 +4703,7 @@
     </p:spTree>
     <p:extLst>
       <p:ext uri="{BB962C8B-B14F-4D97-AF65-F5344CB8AC3E}">
-        <p14:creationId xmlns:p14="http://schemas.microsoft.com/office/powerpoint/2010/main" val="88670009"/>
+        <p14:creationId xmlns:p14="http://schemas.microsoft.com/office/powerpoint/2010/main" val="3612983144"/>
       </p:ext>
     </p:extLst>
   </p:cSld>
@@ -4173,7 +4735,7 @@
           <p:cNvPr id="2" name="Title 1">
             <a:extLst>
               <a:ext uri="{FF2B5EF4-FFF2-40B4-BE49-F238E27FC236}">
-                <a16:creationId xmlns:a16="http://schemas.microsoft.com/office/drawing/2014/main" id="{A6E621F3-AEE9-4F57-87AC-D5B04A151CD3}"/>
+                <a16:creationId xmlns:a16="http://schemas.microsoft.com/office/drawing/2014/main" id="{37294200-D936-4B2B-95C7-0A8A6A9BFD95}"/>
               </a:ext>
             </a:extLst>
           </p:cNvPr>
@@ -4186,8 +4748,8 @@
         </p:nvSpPr>
         <p:spPr>
           <a:xfrm>
-            <a:off x="0" y="18255"/>
-            <a:ext cx="11855116" cy="1325563"/>
+            <a:off x="0" y="0"/>
+            <a:ext cx="12192000" cy="1325563"/>
           </a:xfrm>
         </p:spPr>
         <p:txBody>
@@ -4201,7 +4763,7 @@
                   <a:srgbClr val="7030A0"/>
                 </a:solidFill>
               </a:rPr>
-              <a:t>8) Downloading and decompressing</a:t>
+              <a:t>8) compressing: Storage is very limited</a:t>
             </a:r>
           </a:p>
         </p:txBody>
@@ -4211,7 +4773,7 @@
           <p:cNvPr id="3" name="Content Placeholder 2">
             <a:extLst>
               <a:ext uri="{FF2B5EF4-FFF2-40B4-BE49-F238E27FC236}">
-                <a16:creationId xmlns:a16="http://schemas.microsoft.com/office/drawing/2014/main" id="{0BC79A64-E3A2-48DB-9CE3-872A1FC32BB4}"/>
+                <a16:creationId xmlns:a16="http://schemas.microsoft.com/office/drawing/2014/main" id="{637F41E6-AACC-4A9E-9C00-FA00CBB99DE4}"/>
               </a:ext>
             </a:extLst>
           </p:cNvPr>
@@ -4224,16 +4786,31 @@
         </p:nvSpPr>
         <p:spPr>
           <a:xfrm>
-            <a:off x="200526" y="1568951"/>
-            <a:ext cx="11177337" cy="4351338"/>
+            <a:off x="467810" y="1050121"/>
+            <a:ext cx="10515600" cy="4957140"/>
           </a:xfrm>
         </p:spPr>
         <p:txBody>
           <a:bodyPr>
-            <a:normAutofit/>
+            <a:normAutofit fontScale="92500" lnSpcReduction="10000"/>
           </a:bodyPr>
           <a:lstStyle/>
           <a:p>
+            <a:r>
+              <a:rPr lang="en-GB" dirty="0"/>
+              <a:t>We regularly come to a near disaster of the storage being FULL!!!</a:t>
+            </a:r>
+          </a:p>
+          <a:p>
+            <a:endParaRPr lang="en-GB" dirty="0"/>
+          </a:p>
+          <a:p>
+            <a:r>
+              <a:rPr lang="en-GB" dirty="0"/>
+              <a:t>You must compress your files</a:t>
+            </a:r>
+          </a:p>
+          <a:p>
             <a:pPr marL="0" indent="0">
               <a:buNone/>
             </a:pPr>
@@ -4251,7 +4828,7 @@
                   <a:srgbClr val="0070C0"/>
                 </a:solidFill>
               </a:rPr>
-              <a:t>wget</a:t>
+              <a:t>pigz</a:t>
             </a:r>
             <a:r>
               <a:rPr lang="en-GB" dirty="0">
@@ -4259,7 +4836,19 @@
                   <a:srgbClr val="0070C0"/>
                 </a:solidFill>
               </a:rPr>
-              <a:t> web-</a:t>
+              <a:t> filename       </a:t>
+            </a:r>
+            <a:r>
+              <a:rPr lang="en-GB" dirty="0"/>
+              <a:t>or</a:t>
+            </a:r>
+            <a:r>
+              <a:rPr lang="en-GB" dirty="0">
+                <a:solidFill>
+                  <a:srgbClr val="0070C0"/>
+                </a:solidFill>
+              </a:rPr>
+              <a:t>    </a:t>
             </a:r>
             <a:r>
               <a:rPr lang="en-GB" dirty="0" err="1">
@@ -4267,8 +4856,99 @@
                   <a:srgbClr val="0070C0"/>
                 </a:solidFill>
               </a:rPr>
-              <a:t>link_to_data</a:t>
-            </a:r>
+              <a:t>gzip</a:t>
+            </a:r>
+            <a:r>
+              <a:rPr lang="en-GB" dirty="0">
+                <a:solidFill>
+                  <a:srgbClr val="0070C0"/>
+                </a:solidFill>
+              </a:rPr>
+              <a:t> filename</a:t>
+            </a:r>
+          </a:p>
+          <a:p>
+            <a:pPr marL="0" indent="0">
+              <a:buNone/>
+            </a:pPr>
+            <a:endParaRPr lang="en-GB" dirty="0"/>
+          </a:p>
+          <a:p>
+            <a:pPr marL="0" indent="0">
+              <a:buNone/>
+            </a:pPr>
+            <a:r>
+              <a:rPr lang="en-GB" dirty="0"/>
+              <a:t>Or a * wildcard for all </a:t>
+            </a:r>
+            <a:r>
+              <a:rPr lang="en-GB" dirty="0" err="1"/>
+              <a:t>fastq</a:t>
+            </a:r>
+            <a:r>
+              <a:rPr lang="en-GB" dirty="0"/>
+              <a:t> files</a:t>
+            </a:r>
+          </a:p>
+          <a:p>
+            <a:pPr marL="0" indent="0">
+              <a:buNone/>
+            </a:pPr>
+            <a:endParaRPr lang="en-GB" dirty="0"/>
+          </a:p>
+          <a:p>
+            <a:pPr marL="0" indent="0">
+              <a:buNone/>
+            </a:pPr>
+            <a:r>
+              <a:rPr lang="en-GB" dirty="0">
+                <a:solidFill>
+                  <a:srgbClr val="0070C0"/>
+                </a:solidFill>
+              </a:rPr>
+              <a:t>        </a:t>
+            </a:r>
+            <a:r>
+              <a:rPr lang="en-GB" dirty="0" err="1">
+                <a:solidFill>
+                  <a:srgbClr val="0070C0"/>
+                </a:solidFill>
+              </a:rPr>
+              <a:t>pigz</a:t>
+            </a:r>
+            <a:r>
+              <a:rPr lang="en-GB" dirty="0">
+                <a:solidFill>
+                  <a:srgbClr val="0070C0"/>
+                </a:solidFill>
+              </a:rPr>
+              <a:t> -p 4 *.</a:t>
+            </a:r>
+            <a:r>
+              <a:rPr lang="en-GB" dirty="0" err="1">
+                <a:solidFill>
+                  <a:srgbClr val="0070C0"/>
+                </a:solidFill>
+              </a:rPr>
+              <a:t>fastq</a:t>
+            </a:r>
+            <a:r>
+              <a:rPr lang="en-GB" dirty="0">
+                <a:solidFill>
+                  <a:srgbClr val="0070C0"/>
+                </a:solidFill>
+              </a:rPr>
+              <a:t>       </a:t>
+            </a:r>
+            <a:r>
+              <a:rPr lang="en-GB" dirty="0"/>
+              <a:t>(use 4 cores)</a:t>
+            </a:r>
+          </a:p>
+          <a:p>
+            <a:pPr marL="0" indent="0">
+              <a:buNone/>
+            </a:pPr>
             <a:endParaRPr lang="en-GB" dirty="0">
               <a:solidFill>
                 <a:srgbClr val="0070C0"/>
@@ -4276,123 +4956,20 @@
             </a:endParaRPr>
           </a:p>
           <a:p>
-            <a:endParaRPr lang="en-GB" dirty="0">
-              <a:solidFill>
-                <a:srgbClr val="0070C0"/>
-              </a:solidFill>
-            </a:endParaRPr>
-          </a:p>
-          <a:p>
-            <a:r>
-              <a:rPr lang="en-GB" dirty="0"/>
-              <a:t>Decompress. Depends on the type of compression. Google is your friend. </a:t>
-            </a:r>
-          </a:p>
-          <a:p>
-            <a:endParaRPr lang="en-GB" dirty="0">
-              <a:solidFill>
-                <a:srgbClr val="0070C0"/>
-              </a:solidFill>
-            </a:endParaRPr>
-          </a:p>
-          <a:p>
             <a:pPr marL="0" indent="0">
               <a:buNone/>
             </a:pPr>
             <a:r>
-              <a:rPr lang="en-GB" dirty="0">
-                <a:solidFill>
-                  <a:srgbClr val="0070C0"/>
-                </a:solidFill>
-              </a:rPr>
-              <a:t>        unzip folder.zip</a:t>
-            </a:r>
-          </a:p>
-          <a:p>
-            <a:pPr marL="0" indent="0">
-              <a:buNone/>
-            </a:pPr>
-            <a:r>
-              <a:rPr lang="en-GB" dirty="0">
-                <a:solidFill>
-                  <a:srgbClr val="0070C0"/>
-                </a:solidFill>
-              </a:rPr>
-              <a:t>        tar -</a:t>
-            </a:r>
-            <a:r>
-              <a:rPr lang="en-GB" dirty="0" err="1">
-                <a:solidFill>
-                  <a:srgbClr val="0070C0"/>
-                </a:solidFill>
-              </a:rPr>
-              <a:t>zxvf</a:t>
-            </a:r>
-            <a:r>
-              <a:rPr lang="en-GB" dirty="0">
-                <a:solidFill>
-                  <a:srgbClr val="0070C0"/>
-                </a:solidFill>
-              </a:rPr>
-              <a:t> folder.tar.gz</a:t>
-            </a:r>
-          </a:p>
-          <a:p>
-            <a:pPr marL="0" indent="0">
-              <a:buNone/>
-            </a:pPr>
-            <a:r>
-              <a:rPr lang="en-GB" dirty="0">
-                <a:solidFill>
-                  <a:srgbClr val="0070C0"/>
-                </a:solidFill>
-              </a:rPr>
-              <a:t>        </a:t>
-            </a:r>
-            <a:r>
-              <a:rPr lang="en-GB" dirty="0" err="1">
-                <a:solidFill>
-                  <a:srgbClr val="0070C0"/>
-                </a:solidFill>
-              </a:rPr>
-              <a:t>gunzip</a:t>
-            </a:r>
-            <a:r>
-              <a:rPr lang="en-GB" dirty="0">
-                <a:solidFill>
-                  <a:srgbClr val="0070C0"/>
-                </a:solidFill>
-              </a:rPr>
-              <a:t> file.gz</a:t>
-            </a:r>
-          </a:p>
-          <a:p>
-            <a:pPr marL="0" indent="0">
-              <a:buNone/>
-            </a:pPr>
-            <a:r>
-              <a:rPr lang="en-GB" dirty="0">
-                <a:solidFill>
-                  <a:srgbClr val="0070C0"/>
-                </a:solidFill>
-              </a:rPr>
-              <a:t>        </a:t>
-            </a:r>
-            <a:r>
-              <a:rPr lang="en-GB" dirty="0" err="1">
-                <a:solidFill>
-                  <a:srgbClr val="0070C0"/>
-                </a:solidFill>
-              </a:rPr>
-              <a:t>pigz</a:t>
-            </a:r>
-            <a:r>
-              <a:rPr lang="en-GB" dirty="0">
-                <a:solidFill>
-                  <a:srgbClr val="0070C0"/>
-                </a:solidFill>
-              </a:rPr>
-              <a:t> -d file.gz</a:t>
+              <a:rPr lang="en-GB" dirty="0"/>
+              <a:t>Please do not keep .</a:t>
+            </a:r>
+            <a:r>
+              <a:rPr lang="en-GB" dirty="0" err="1"/>
+              <a:t>sam</a:t>
+            </a:r>
+            <a:r>
+              <a:rPr lang="en-GB" dirty="0"/>
+              <a:t> files. Convert these to bam files. They are easily regenerated!</a:t>
             </a:r>
           </a:p>
         </p:txBody>
@@ -4400,7 +4977,7 @@
     </p:spTree>
     <p:extLst>
       <p:ext uri="{BB962C8B-B14F-4D97-AF65-F5344CB8AC3E}">
-        <p14:creationId xmlns:p14="http://schemas.microsoft.com/office/powerpoint/2010/main" val="3612983144"/>
+        <p14:creationId xmlns:p14="http://schemas.microsoft.com/office/powerpoint/2010/main" val="1225520381"/>
       </p:ext>
     </p:extLst>
   </p:cSld>
@@ -4460,7 +5037,7 @@
                   <a:srgbClr val="7030A0"/>
                 </a:solidFill>
               </a:rPr>
-              <a:t>8) compressing: Storage is very limited</a:t>
+              <a:t>8) decompressing</a:t>
             </a:r>
           </a:p>
         </p:txBody>
@@ -4483,28 +5060,25 @@
         </p:nvSpPr>
         <p:spPr>
           <a:xfrm>
-            <a:off x="467810" y="1050121"/>
-            <a:ext cx="10515600" cy="4957140"/>
+            <a:off x="467810" y="1050120"/>
+            <a:ext cx="10515600" cy="5426879"/>
           </a:xfrm>
         </p:spPr>
         <p:txBody>
           <a:bodyPr>
-            <a:normAutofit fontScale="92500" lnSpcReduction="10000"/>
+            <a:normAutofit lnSpcReduction="10000"/>
           </a:bodyPr>
           <a:lstStyle/>
           <a:p>
             <a:r>
               <a:rPr lang="en-GB" dirty="0"/>
-              <a:t>We regularly come to a near disaster of the storage being FULL!!!</a:t>
-            </a:r>
-          </a:p>
-          <a:p>
-            <a:endParaRPr lang="en-GB" dirty="0"/>
-          </a:p>
-          <a:p>
-            <a:r>
-              <a:rPr lang="en-GB" dirty="0"/>
-              <a:t>You must compress your files</a:t>
+              <a:t>Some tool cannot work with compressed files. Usually mapping tools</a:t>
+            </a:r>
+          </a:p>
+          <a:p>
+            <a:r>
+              <a:rPr lang="en-GB" dirty="0"/>
+              <a:t>To decompress file:</a:t>
             </a:r>
           </a:p>
           <a:p>
@@ -4512,12 +5086,28 @@
               <a:buNone/>
             </a:pPr>
             <a:r>
+              <a:rPr lang="en-GB" dirty="0"/>
+              <a:t>        </a:t>
+            </a:r>
+            <a:r>
+              <a:rPr lang="en-GB" dirty="0" err="1">
+                <a:solidFill>
+                  <a:srgbClr val="0070C0"/>
+                </a:solidFill>
+              </a:rPr>
+              <a:t>pigz</a:t>
+            </a:r>
+            <a:r>
               <a:rPr lang="en-GB" dirty="0">
                 <a:solidFill>
                   <a:srgbClr val="0070C0"/>
                 </a:solidFill>
               </a:rPr>
-              <a:t>        </a:t>
+              <a:t> -d filename    </a:t>
+            </a:r>
+            <a:r>
+              <a:rPr lang="en-GB" dirty="0"/>
+              <a:t>or   </a:t>
             </a:r>
             <a:r>
               <a:rPr lang="en-GB" dirty="0" err="1">
@@ -4525,7 +5115,7 @@
                   <a:srgbClr val="0070C0"/>
                 </a:solidFill>
               </a:rPr>
-              <a:t>pigz</a:t>
+              <a:t>gunzip</a:t>
             </a:r>
             <a:r>
               <a:rPr lang="en-GB" dirty="0">
@@ -4533,113 +5123,7 @@
                   <a:srgbClr val="0070C0"/>
                 </a:solidFill>
               </a:rPr>
-              <a:t> filename       </a:t>
-            </a:r>
-            <a:r>
-              <a:rPr lang="en-GB" dirty="0"/>
-              <a:t>or</a:t>
-            </a:r>
-            <a:r>
-              <a:rPr lang="en-GB" dirty="0">
-                <a:solidFill>
-                  <a:srgbClr val="0070C0"/>
-                </a:solidFill>
-              </a:rPr>
-              <a:t>    </a:t>
-            </a:r>
-            <a:r>
-              <a:rPr lang="en-GB" dirty="0" err="1">
-                <a:solidFill>
-                  <a:srgbClr val="0070C0"/>
-                </a:solidFill>
-              </a:rPr>
-              <a:t>gzip</a:t>
-            </a:r>
-            <a:r>
-              <a:rPr lang="en-GB" dirty="0">
-                <a:solidFill>
-                  <a:srgbClr val="0070C0"/>
-                </a:solidFill>
-              </a:rPr>
               <a:t> filename</a:t>
-            </a:r>
-          </a:p>
-          <a:p>
-            <a:pPr marL="0" indent="0">
-              <a:buNone/>
-            </a:pPr>
-            <a:endParaRPr lang="en-GB" dirty="0"/>
-          </a:p>
-          <a:p>
-            <a:pPr marL="0" indent="0">
-              <a:buNone/>
-            </a:pPr>
-            <a:r>
-              <a:rPr lang="en-GB" dirty="0"/>
-              <a:t>Or a * wildcard for all </a:t>
-            </a:r>
-            <a:r>
-              <a:rPr lang="en-GB" dirty="0" err="1"/>
-              <a:t>fastq</a:t>
-            </a:r>
-            <a:r>
-              <a:rPr lang="en-GB" dirty="0"/>
-              <a:t> files</a:t>
-            </a:r>
-          </a:p>
-          <a:p>
-            <a:pPr marL="0" indent="0">
-              <a:buNone/>
-            </a:pPr>
-            <a:endParaRPr lang="en-GB" dirty="0"/>
-          </a:p>
-          <a:p>
-            <a:pPr marL="0" indent="0">
-              <a:buNone/>
-            </a:pPr>
-            <a:r>
-              <a:rPr lang="en-GB" dirty="0">
-                <a:solidFill>
-                  <a:srgbClr val="0070C0"/>
-                </a:solidFill>
-              </a:rPr>
-              <a:t>        </a:t>
-            </a:r>
-            <a:r>
-              <a:rPr lang="en-GB" dirty="0" err="1">
-                <a:solidFill>
-                  <a:srgbClr val="0070C0"/>
-                </a:solidFill>
-              </a:rPr>
-              <a:t>pigz</a:t>
-            </a:r>
-            <a:r>
-              <a:rPr lang="en-GB" dirty="0">
-                <a:solidFill>
-                  <a:srgbClr val="0070C0"/>
-                </a:solidFill>
-              </a:rPr>
-              <a:t> -p 4 *.</a:t>
-            </a:r>
-            <a:r>
-              <a:rPr lang="en-GB" dirty="0" err="1">
-                <a:solidFill>
-                  <a:srgbClr val="0070C0"/>
-                </a:solidFill>
-              </a:rPr>
-              <a:t>fastq</a:t>
-            </a:r>
-            <a:r>
-              <a:rPr lang="en-GB" dirty="0">
-                <a:solidFill>
-                  <a:srgbClr val="0070C0"/>
-                </a:solidFill>
-              </a:rPr>
-              <a:t>       </a:t>
-            </a:r>
-            <a:r>
-              <a:rPr lang="en-GB" dirty="0"/>
-              <a:t>(use 4 cores)</a:t>
             </a:r>
           </a:p>
           <a:p>
@@ -4653,28 +5137,113 @@
             </a:endParaRPr>
           </a:p>
           <a:p>
+            <a:r>
+              <a:rPr lang="en-GB" dirty="0"/>
+              <a:t>To unzip a zipped folder:</a:t>
+            </a:r>
+          </a:p>
+          <a:p>
             <a:pPr marL="0" indent="0">
               <a:buNone/>
             </a:pPr>
             <a:r>
-              <a:rPr lang="en-GB" dirty="0"/>
-              <a:t>Please do not keep .</a:t>
+              <a:rPr lang="en-GB" dirty="0">
+                <a:solidFill>
+                  <a:srgbClr val="0070C0"/>
+                </a:solidFill>
+              </a:rPr>
+              <a:t>       unzip folder_name.zip</a:t>
+            </a:r>
+          </a:p>
+          <a:p>
+            <a:pPr marL="0" indent="0">
+              <a:buNone/>
+            </a:pPr>
+            <a:endParaRPr lang="en-GB" dirty="0">
+              <a:solidFill>
+                <a:srgbClr val="0070C0"/>
+              </a:solidFill>
+            </a:endParaRPr>
+          </a:p>
+          <a:p>
+            <a:r>
+              <a:rPr lang="en-GB" dirty="0"/>
+              <a:t>To unzip a </a:t>
             </a:r>
             <a:r>
               <a:rPr lang="en-GB" dirty="0" err="1"/>
-              <a:t>sam</a:t>
-            </a:r>
-            <a:r>
-              <a:rPr lang="en-GB" dirty="0"/>
-              <a:t> files. Convert these to bam files. They are easily regenerated!</a:t>
-            </a:r>
+              <a:t>tarball</a:t>
+            </a:r>
+            <a:r>
+              <a:rPr lang="en-GB" dirty="0"/>
+              <a:t>:</a:t>
+            </a:r>
+          </a:p>
+          <a:p>
+            <a:pPr marL="0" indent="0">
+              <a:buNone/>
+            </a:pPr>
+            <a:r>
+              <a:rPr lang="en-GB" dirty="0"/>
+              <a:t>       </a:t>
+            </a:r>
+            <a:r>
+              <a:rPr lang="en-GB" dirty="0">
+                <a:solidFill>
+                  <a:srgbClr val="0070C0"/>
+                </a:solidFill>
+              </a:rPr>
+              <a:t>tar -</a:t>
+            </a:r>
+            <a:r>
+              <a:rPr lang="en-GB" dirty="0" err="1">
+                <a:solidFill>
+                  <a:srgbClr val="0070C0"/>
+                </a:solidFill>
+              </a:rPr>
+              <a:t>zxvf</a:t>
+            </a:r>
+            <a:endParaRPr lang="en-GB" dirty="0">
+              <a:solidFill>
+                <a:srgbClr val="0070C0"/>
+              </a:solidFill>
+            </a:endParaRPr>
+          </a:p>
+          <a:p>
+            <a:pPr marL="0" indent="0">
+              <a:buNone/>
+            </a:pPr>
+            <a:endParaRPr lang="en-GB" dirty="0">
+              <a:solidFill>
+                <a:srgbClr val="0070C0"/>
+              </a:solidFill>
+            </a:endParaRPr>
+          </a:p>
+          <a:p>
+            <a:pPr marL="0" indent="0">
+              <a:buNone/>
+            </a:pPr>
+            <a:r>
+              <a:rPr lang="en-GB" dirty="0"/>
+              <a:t>Google the rest ……</a:t>
+            </a:r>
+          </a:p>
+          <a:p>
+            <a:pPr marL="0" indent="0">
+              <a:buNone/>
+            </a:pPr>
+            <a:endParaRPr lang="en-GB" dirty="0">
+              <a:solidFill>
+                <a:srgbClr val="0070C0"/>
+              </a:solidFill>
+            </a:endParaRPr>
           </a:p>
         </p:txBody>
       </p:sp>
     </p:spTree>
     <p:extLst>
       <p:ext uri="{BB962C8B-B14F-4D97-AF65-F5344CB8AC3E}">
-        <p14:creationId xmlns:p14="http://schemas.microsoft.com/office/powerpoint/2010/main" val="1225520381"/>
+        <p14:creationId xmlns:p14="http://schemas.microsoft.com/office/powerpoint/2010/main" val="400980632"/>
       </p:ext>
     </p:extLst>
   </p:cSld>
@@ -4706,272 +5275,6 @@
           <p:cNvPr id="2" name="Title 1">
             <a:extLst>
               <a:ext uri="{FF2B5EF4-FFF2-40B4-BE49-F238E27FC236}">
-                <a16:creationId xmlns:a16="http://schemas.microsoft.com/office/drawing/2014/main" id="{37294200-D936-4B2B-95C7-0A8A6A9BFD95}"/>
-              </a:ext>
-            </a:extLst>
-          </p:cNvPr>
-          <p:cNvSpPr>
-            <a:spLocks noGrp="1"/>
-          </p:cNvSpPr>
-          <p:nvPr>
-            <p:ph type="title"/>
-          </p:nvPr>
-        </p:nvSpPr>
-        <p:spPr>
-          <a:xfrm>
-            <a:off x="0" y="0"/>
-            <a:ext cx="12192000" cy="1325563"/>
-          </a:xfrm>
-        </p:spPr>
-        <p:txBody>
-          <a:bodyPr/>
-          <a:lstStyle/>
-          <a:p>
-            <a:pPr algn="ctr"/>
-            <a:r>
-              <a:rPr lang="en-GB" dirty="0">
-                <a:solidFill>
-                  <a:srgbClr val="7030A0"/>
-                </a:solidFill>
-              </a:rPr>
-              <a:t>8) decompressing</a:t>
-            </a:r>
-          </a:p>
-        </p:txBody>
-      </p:sp>
-      <p:sp>
-        <p:nvSpPr>
-          <p:cNvPr id="3" name="Content Placeholder 2">
-            <a:extLst>
-              <a:ext uri="{FF2B5EF4-FFF2-40B4-BE49-F238E27FC236}">
-                <a16:creationId xmlns:a16="http://schemas.microsoft.com/office/drawing/2014/main" id="{637F41E6-AACC-4A9E-9C00-FA00CBB99DE4}"/>
-              </a:ext>
-            </a:extLst>
-          </p:cNvPr>
-          <p:cNvSpPr>
-            <a:spLocks noGrp="1"/>
-          </p:cNvSpPr>
-          <p:nvPr>
-            <p:ph idx="1"/>
-          </p:nvPr>
-        </p:nvSpPr>
-        <p:spPr>
-          <a:xfrm>
-            <a:off x="467810" y="1050120"/>
-            <a:ext cx="10515600" cy="5426879"/>
-          </a:xfrm>
-        </p:spPr>
-        <p:txBody>
-          <a:bodyPr>
-            <a:normAutofit lnSpcReduction="10000"/>
-          </a:bodyPr>
-          <a:lstStyle/>
-          <a:p>
-            <a:r>
-              <a:rPr lang="en-GB" dirty="0"/>
-              <a:t>Some tool cannot work with compressed files. Usually mapping tools</a:t>
-            </a:r>
-          </a:p>
-          <a:p>
-            <a:r>
-              <a:rPr lang="en-GB" dirty="0"/>
-              <a:t>To decompress file:</a:t>
-            </a:r>
-          </a:p>
-          <a:p>
-            <a:pPr marL="0" indent="0">
-              <a:buNone/>
-            </a:pPr>
-            <a:r>
-              <a:rPr lang="en-GB" dirty="0"/>
-              <a:t>        </a:t>
-            </a:r>
-            <a:r>
-              <a:rPr lang="en-GB" dirty="0" err="1">
-                <a:solidFill>
-                  <a:srgbClr val="0070C0"/>
-                </a:solidFill>
-              </a:rPr>
-              <a:t>pigz</a:t>
-            </a:r>
-            <a:r>
-              <a:rPr lang="en-GB" dirty="0">
-                <a:solidFill>
-                  <a:srgbClr val="0070C0"/>
-                </a:solidFill>
-              </a:rPr>
-              <a:t> -d filename    </a:t>
-            </a:r>
-            <a:r>
-              <a:rPr lang="en-GB" dirty="0"/>
-              <a:t>or   </a:t>
-            </a:r>
-            <a:r>
-              <a:rPr lang="en-GB" dirty="0" err="1">
-                <a:solidFill>
-                  <a:srgbClr val="0070C0"/>
-                </a:solidFill>
-              </a:rPr>
-              <a:t>gunzip</a:t>
-            </a:r>
-            <a:r>
-              <a:rPr lang="en-GB" dirty="0">
-                <a:solidFill>
-                  <a:srgbClr val="0070C0"/>
-                </a:solidFill>
-              </a:rPr>
-              <a:t> filename</a:t>
-            </a:r>
-          </a:p>
-          <a:p>
-            <a:pPr marL="0" indent="0">
-              <a:buNone/>
-            </a:pPr>
-            <a:endParaRPr lang="en-GB" dirty="0">
-              <a:solidFill>
-                <a:srgbClr val="0070C0"/>
-              </a:solidFill>
-            </a:endParaRPr>
-          </a:p>
-          <a:p>
-            <a:r>
-              <a:rPr lang="en-GB" dirty="0"/>
-              <a:t>To unzip a zipped folder:</a:t>
-            </a:r>
-          </a:p>
-          <a:p>
-            <a:pPr marL="0" indent="0">
-              <a:buNone/>
-            </a:pPr>
-            <a:r>
-              <a:rPr lang="en-GB" dirty="0">
-                <a:solidFill>
-                  <a:srgbClr val="0070C0"/>
-                </a:solidFill>
-              </a:rPr>
-              <a:t>       unzip folder_name.zip</a:t>
-            </a:r>
-          </a:p>
-          <a:p>
-            <a:pPr marL="0" indent="0">
-              <a:buNone/>
-            </a:pPr>
-            <a:endParaRPr lang="en-GB" dirty="0">
-              <a:solidFill>
-                <a:srgbClr val="0070C0"/>
-              </a:solidFill>
-            </a:endParaRPr>
-          </a:p>
-          <a:p>
-            <a:r>
-              <a:rPr lang="en-GB" dirty="0"/>
-              <a:t>To unzip a </a:t>
-            </a:r>
-            <a:r>
-              <a:rPr lang="en-GB" dirty="0" err="1"/>
-              <a:t>tarball</a:t>
-            </a:r>
-            <a:r>
-              <a:rPr lang="en-GB" dirty="0"/>
-              <a:t>:</a:t>
-            </a:r>
-          </a:p>
-          <a:p>
-            <a:pPr marL="0" indent="0">
-              <a:buNone/>
-            </a:pPr>
-            <a:r>
-              <a:rPr lang="en-GB" dirty="0"/>
-              <a:t>       </a:t>
-            </a:r>
-            <a:r>
-              <a:rPr lang="en-GB" dirty="0">
-                <a:solidFill>
-                  <a:srgbClr val="0070C0"/>
-                </a:solidFill>
-              </a:rPr>
-              <a:t>tar -</a:t>
-            </a:r>
-            <a:r>
-              <a:rPr lang="en-GB" dirty="0" err="1">
-                <a:solidFill>
-                  <a:srgbClr val="0070C0"/>
-                </a:solidFill>
-              </a:rPr>
-              <a:t>zxvf</a:t>
-            </a:r>
-            <a:endParaRPr lang="en-GB" dirty="0">
-              <a:solidFill>
-                <a:srgbClr val="0070C0"/>
-              </a:solidFill>
-            </a:endParaRPr>
-          </a:p>
-          <a:p>
-            <a:pPr marL="0" indent="0">
-              <a:buNone/>
-            </a:pPr>
-            <a:endParaRPr lang="en-GB" dirty="0">
-              <a:solidFill>
-                <a:srgbClr val="0070C0"/>
-              </a:solidFill>
-            </a:endParaRPr>
-          </a:p>
-          <a:p>
-            <a:pPr marL="0" indent="0">
-              <a:buNone/>
-            </a:pPr>
-            <a:r>
-              <a:rPr lang="en-GB" dirty="0"/>
-              <a:t>Google the rest ……</a:t>
-            </a:r>
-          </a:p>
-          <a:p>
-            <a:pPr marL="0" indent="0">
-              <a:buNone/>
-            </a:pPr>
-            <a:endParaRPr lang="en-GB" dirty="0">
-              <a:solidFill>
-                <a:srgbClr val="0070C0"/>
-              </a:solidFill>
-            </a:endParaRPr>
-          </a:p>
-        </p:txBody>
-      </p:sp>
-    </p:spTree>
-    <p:extLst>
-      <p:ext uri="{BB962C8B-B14F-4D97-AF65-F5344CB8AC3E}">
-        <p14:creationId xmlns:p14="http://schemas.microsoft.com/office/powerpoint/2010/main" val="400980632"/>
-      </p:ext>
-    </p:extLst>
-  </p:cSld>
-  <p:clrMapOvr>
-    <a:masterClrMapping/>
-  </p:clrMapOvr>
-</p:sld>
-</file>
-
-<file path=ppt/slides/slide18.xml><?xml version="1.0" encoding="utf-8"?>
-<p:sld xmlns:a="http://schemas.openxmlformats.org/drawingml/2006/main" xmlns:r="http://schemas.openxmlformats.org/officeDocument/2006/relationships" xmlns:p="http://schemas.openxmlformats.org/presentationml/2006/main">
-  <p:cSld>
-    <p:spTree>
-      <p:nvGrpSpPr>
-        <p:cNvPr id="1" name=""/>
-        <p:cNvGrpSpPr/>
-        <p:nvPr/>
-      </p:nvGrpSpPr>
-      <p:grpSpPr>
-        <a:xfrm>
-          <a:off x="0" y="0"/>
-          <a:ext cx="0" cy="0"/>
-          <a:chOff x="0" y="0"/>
-          <a:chExt cx="0" cy="0"/>
-        </a:xfrm>
-      </p:grpSpPr>
-      <p:sp>
-        <p:nvSpPr>
-          <p:cNvPr id="2" name="Title 1">
-            <a:extLst>
-              <a:ext uri="{FF2B5EF4-FFF2-40B4-BE49-F238E27FC236}">
                 <a16:creationId xmlns:a16="http://schemas.microsoft.com/office/drawing/2014/main" id="{4CF6A127-5823-48BA-A536-7CC0BA1662E1}"/>
               </a:ext>
             </a:extLst>
@@ -5242,7 +5545,7 @@
 </p:sld>
 </file>
 
-<file path=ppt/slides/slide19.xml><?xml version="1.0" encoding="utf-8"?>
+<file path=ppt/slides/slide18.xml><?xml version="1.0" encoding="utf-8"?>
 <p:sld xmlns:a="http://schemas.openxmlformats.org/drawingml/2006/main" xmlns:r="http://schemas.openxmlformats.org/officeDocument/2006/relationships" xmlns:p="http://schemas.openxmlformats.org/presentationml/2006/main">
   <p:cSld>
     <p:spTree>
@@ -5488,6 +5791,287 @@
     <p:extLst>
       <p:ext uri="{BB962C8B-B14F-4D97-AF65-F5344CB8AC3E}">
         <p14:creationId xmlns:p14="http://schemas.microsoft.com/office/powerpoint/2010/main" val="2121122867"/>
+      </p:ext>
+    </p:extLst>
+  </p:cSld>
+  <p:clrMapOvr>
+    <a:masterClrMapping/>
+  </p:clrMapOvr>
+</p:sld>
+</file>
+
+<file path=ppt/slides/slide19.xml><?xml version="1.0" encoding="utf-8"?>
+<p:sld xmlns:a="http://schemas.openxmlformats.org/drawingml/2006/main" xmlns:r="http://schemas.openxmlformats.org/officeDocument/2006/relationships" xmlns:p="http://schemas.openxmlformats.org/presentationml/2006/main">
+  <p:cSld>
+    <p:spTree>
+      <p:nvGrpSpPr>
+        <p:cNvPr id="1" name=""/>
+        <p:cNvGrpSpPr/>
+        <p:nvPr/>
+      </p:nvGrpSpPr>
+      <p:grpSpPr>
+        <a:xfrm>
+          <a:off x="0" y="0"/>
+          <a:ext cx="0" cy="0"/>
+          <a:chOff x="0" y="0"/>
+          <a:chExt cx="0" cy="0"/>
+        </a:xfrm>
+      </p:grpSpPr>
+      <p:pic>
+        <p:nvPicPr>
+          <p:cNvPr id="2050" name="Picture 3" descr="image003">
+            <a:extLst>
+              <a:ext uri="{FF2B5EF4-FFF2-40B4-BE49-F238E27FC236}">
+                <a16:creationId xmlns:a16="http://schemas.microsoft.com/office/drawing/2014/main" id="{CAE54DAD-D358-48AE-8D2E-622B496E7E75}"/>
+              </a:ext>
+            </a:extLst>
+          </p:cNvPr>
+          <p:cNvPicPr>
+            <a:picLocks noChangeAspect="1" noChangeArrowheads="1"/>
+          </p:cNvPicPr>
+          <p:nvPr/>
+        </p:nvPicPr>
+        <p:blipFill>
+          <a:blip r:embed="rId2">
+            <a:extLst>
+              <a:ext uri="{28A0092B-C50C-407E-A947-70E740481C1C}">
+                <a14:useLocalDpi xmlns:a14="http://schemas.microsoft.com/office/drawing/2010/main" val="0"/>
+              </a:ext>
+            </a:extLst>
+          </a:blip>
+          <a:srcRect/>
+          <a:stretch>
+            <a:fillRect/>
+          </a:stretch>
+        </p:blipFill>
+        <p:spPr bwMode="auto">
+          <a:xfrm>
+            <a:off x="660400" y="2761672"/>
+            <a:ext cx="4521257" cy="4096327"/>
+          </a:xfrm>
+          <a:prstGeom prst="rect">
+            <a:avLst/>
+          </a:prstGeom>
+          <a:noFill/>
+          <a:ln>
+            <a:noFill/>
+          </a:ln>
+          <a:extLst>
+            <a:ext uri="{909E8E84-426E-40DD-AFC4-6F175D3DCCD1}">
+              <a14:hiddenFill xmlns:a14="http://schemas.microsoft.com/office/drawing/2010/main">
+                <a:solidFill>
+                  <a:srgbClr val="FFFFFF"/>
+                </a:solidFill>
+              </a14:hiddenFill>
+            </a:ext>
+            <a:ext uri="{91240B29-F687-4F45-9708-019B960494DF}">
+              <a14:hiddenLine xmlns:a14="http://schemas.microsoft.com/office/drawing/2010/main" w="9525">
+                <a:solidFill>
+                  <a:srgbClr val="000000"/>
+                </a:solidFill>
+                <a:miter lim="800000"/>
+                <a:headEnd/>
+                <a:tailEnd/>
+              </a14:hiddenLine>
+            </a:ext>
+          </a:extLst>
+        </p:spPr>
+      </p:pic>
+      <p:sp>
+        <p:nvSpPr>
+          <p:cNvPr id="2" name="Title 1">
+            <a:extLst>
+              <a:ext uri="{FF2B5EF4-FFF2-40B4-BE49-F238E27FC236}">
+                <a16:creationId xmlns:a16="http://schemas.microsoft.com/office/drawing/2014/main" id="{4CF6A127-5823-48BA-A536-7CC0BA1662E1}"/>
+              </a:ext>
+            </a:extLst>
+          </p:cNvPr>
+          <p:cNvSpPr>
+            <a:spLocks noGrp="1"/>
+          </p:cNvSpPr>
+          <p:nvPr>
+            <p:ph type="title"/>
+          </p:nvPr>
+        </p:nvSpPr>
+        <p:spPr>
+          <a:xfrm>
+            <a:off x="469900" y="-130175"/>
+            <a:ext cx="10515600" cy="1325563"/>
+          </a:xfrm>
+        </p:spPr>
+        <p:txBody>
+          <a:bodyPr/>
+          <a:lstStyle/>
+          <a:p>
+            <a:pPr algn="ctr"/>
+            <a:r>
+              <a:rPr lang="en-GB" dirty="0">
+                <a:solidFill>
+                  <a:srgbClr val="7030A0"/>
+                </a:solidFill>
+              </a:rPr>
+              <a:t>8) Downloading:  </a:t>
+            </a:r>
+            <a:r>
+              <a:rPr lang="en-GB" b="1" dirty="0">
+                <a:solidFill>
+                  <a:srgbClr val="7030A0"/>
+                </a:solidFill>
+              </a:rPr>
+              <a:t>transfer files </a:t>
+            </a:r>
+            <a:r>
+              <a:rPr lang="en-GB" b="1" dirty="0" err="1">
+                <a:solidFill>
+                  <a:srgbClr val="7030A0"/>
+                </a:solidFill>
+              </a:rPr>
+              <a:t>Filezilla</a:t>
+            </a:r>
+            <a:endParaRPr lang="en-GB" b="1" dirty="0">
+              <a:solidFill>
+                <a:srgbClr val="7030A0"/>
+              </a:solidFill>
+            </a:endParaRPr>
+          </a:p>
+        </p:txBody>
+      </p:sp>
+      <p:sp>
+        <p:nvSpPr>
+          <p:cNvPr id="3" name="Content Placeholder 2">
+            <a:extLst>
+              <a:ext uri="{FF2B5EF4-FFF2-40B4-BE49-F238E27FC236}">
+                <a16:creationId xmlns:a16="http://schemas.microsoft.com/office/drawing/2014/main" id="{8A109800-2B21-462F-B38A-D835F2CD475C}"/>
+              </a:ext>
+            </a:extLst>
+          </p:cNvPr>
+          <p:cNvSpPr>
+            <a:spLocks noGrp="1"/>
+          </p:cNvSpPr>
+          <p:nvPr>
+            <p:ph idx="1"/>
+          </p:nvPr>
+        </p:nvSpPr>
+        <p:spPr>
+          <a:xfrm>
+            <a:off x="171449" y="1195388"/>
+            <a:ext cx="11801475" cy="4351338"/>
+          </a:xfrm>
+        </p:spPr>
+        <p:txBody>
+          <a:bodyPr>
+            <a:normAutofit/>
+          </a:bodyPr>
+          <a:lstStyle/>
+          <a:p>
+            <a:r>
+              <a:rPr lang="en-GB" sz="2400" dirty="0"/>
+              <a:t>2) When the next dialogue page comes up, click on “new site” (button , not the folder). Change the Protocol to SFTP. This is essential. Fill out the rest, use this host and port: 22. </a:t>
+            </a:r>
+          </a:p>
+          <a:p>
+            <a:r>
+              <a:rPr lang="en-GB" sz="2400" dirty="0"/>
+              <a:t>Once connected, you can drag and drop files from one window to the next. </a:t>
+            </a:r>
+          </a:p>
+          <a:p>
+            <a:endParaRPr lang="en-GB" dirty="0"/>
+          </a:p>
+          <a:p>
+            <a:pPr marL="0" indent="0">
+              <a:buNone/>
+            </a:pPr>
+            <a:endParaRPr lang="en-GB" dirty="0">
+              <a:solidFill>
+                <a:srgbClr val="0070C0"/>
+              </a:solidFill>
+            </a:endParaRPr>
+          </a:p>
+        </p:txBody>
+      </p:sp>
+      <p:cxnSp>
+        <p:nvCxnSpPr>
+          <p:cNvPr id="5" name="Straight Arrow Connector 4">
+            <a:extLst>
+              <a:ext uri="{FF2B5EF4-FFF2-40B4-BE49-F238E27FC236}">
+                <a16:creationId xmlns:a16="http://schemas.microsoft.com/office/drawing/2014/main" id="{DF00B003-8DCF-47CF-9003-E90F9E629879}"/>
+              </a:ext>
+            </a:extLst>
+          </p:cNvPr>
+          <p:cNvCxnSpPr/>
+          <p:nvPr/>
+        </p:nvCxnSpPr>
+        <p:spPr>
+          <a:xfrm flipH="1" flipV="1">
+            <a:off x="1186696" y="5810874"/>
+            <a:ext cx="4200041" cy="627681"/>
+          </a:xfrm>
+          <a:prstGeom prst="straightConnector1">
+            <a:avLst/>
+          </a:prstGeom>
+          <a:ln>
+            <a:tailEnd type="triangle"/>
+          </a:ln>
+        </p:spPr>
+        <p:style>
+          <a:lnRef idx="3">
+            <a:schemeClr val="dk1"/>
+          </a:lnRef>
+          <a:fillRef idx="0">
+            <a:schemeClr val="dk1"/>
+          </a:fillRef>
+          <a:effectRef idx="2">
+            <a:schemeClr val="dk1"/>
+          </a:effectRef>
+          <a:fontRef idx="minor">
+            <a:schemeClr val="tx1"/>
+          </a:fontRef>
+        </p:style>
+      </p:cxnSp>
+      <p:cxnSp>
+        <p:nvCxnSpPr>
+          <p:cNvPr id="7" name="Straight Arrow Connector 6">
+            <a:extLst>
+              <a:ext uri="{FF2B5EF4-FFF2-40B4-BE49-F238E27FC236}">
+                <a16:creationId xmlns:a16="http://schemas.microsoft.com/office/drawing/2014/main" id="{BBCE6C30-76F0-4685-8D03-8427CD6DC575}"/>
+              </a:ext>
+            </a:extLst>
+          </p:cNvPr>
+          <p:cNvCxnSpPr/>
+          <p:nvPr/>
+        </p:nvCxnSpPr>
+        <p:spPr>
+          <a:xfrm flipH="1" flipV="1">
+            <a:off x="4377249" y="3661776"/>
+            <a:ext cx="4200041" cy="627681"/>
+          </a:xfrm>
+          <a:prstGeom prst="straightConnector1">
+            <a:avLst/>
+          </a:prstGeom>
+          <a:ln>
+            <a:tailEnd type="triangle"/>
+          </a:ln>
+        </p:spPr>
+        <p:style>
+          <a:lnRef idx="3">
+            <a:schemeClr val="dk1"/>
+          </a:lnRef>
+          <a:fillRef idx="0">
+            <a:schemeClr val="dk1"/>
+          </a:fillRef>
+          <a:effectRef idx="2">
+            <a:schemeClr val="dk1"/>
+          </a:effectRef>
+          <a:fontRef idx="minor">
+            <a:schemeClr val="tx1"/>
+          </a:fontRef>
+        </p:style>
+      </p:cxnSp>
+    </p:spTree>
+    <p:extLst>
+      <p:ext uri="{BB962C8B-B14F-4D97-AF65-F5344CB8AC3E}">
+        <p14:creationId xmlns:p14="http://schemas.microsoft.com/office/powerpoint/2010/main" val="2781623428"/>
       </p:ext>
     </p:extLst>
   </p:cSld>
@@ -5671,287 +6255,6 @@
           <a:chExt cx="0" cy="0"/>
         </a:xfrm>
       </p:grpSpPr>
-      <p:pic>
-        <p:nvPicPr>
-          <p:cNvPr id="2050" name="Picture 3" descr="image003">
-            <a:extLst>
-              <a:ext uri="{FF2B5EF4-FFF2-40B4-BE49-F238E27FC236}">
-                <a16:creationId xmlns:a16="http://schemas.microsoft.com/office/drawing/2014/main" id="{CAE54DAD-D358-48AE-8D2E-622B496E7E75}"/>
-              </a:ext>
-            </a:extLst>
-          </p:cNvPr>
-          <p:cNvPicPr>
-            <a:picLocks noChangeAspect="1" noChangeArrowheads="1"/>
-          </p:cNvPicPr>
-          <p:nvPr/>
-        </p:nvPicPr>
-        <p:blipFill>
-          <a:blip r:embed="rId2">
-            <a:extLst>
-              <a:ext uri="{28A0092B-C50C-407E-A947-70E740481C1C}">
-                <a14:useLocalDpi xmlns:a14="http://schemas.microsoft.com/office/drawing/2010/main" val="0"/>
-              </a:ext>
-            </a:extLst>
-          </a:blip>
-          <a:srcRect/>
-          <a:stretch>
-            <a:fillRect/>
-          </a:stretch>
-        </p:blipFill>
-        <p:spPr bwMode="auto">
-          <a:xfrm>
-            <a:off x="660400" y="2761672"/>
-            <a:ext cx="4521257" cy="4096327"/>
-          </a:xfrm>
-          <a:prstGeom prst="rect">
-            <a:avLst/>
-          </a:prstGeom>
-          <a:noFill/>
-          <a:ln>
-            <a:noFill/>
-          </a:ln>
-          <a:extLst>
-            <a:ext uri="{909E8E84-426E-40DD-AFC4-6F175D3DCCD1}">
-              <a14:hiddenFill xmlns:a14="http://schemas.microsoft.com/office/drawing/2010/main">
-                <a:solidFill>
-                  <a:srgbClr val="FFFFFF"/>
-                </a:solidFill>
-              </a14:hiddenFill>
-            </a:ext>
-            <a:ext uri="{91240B29-F687-4F45-9708-019B960494DF}">
-              <a14:hiddenLine xmlns:a14="http://schemas.microsoft.com/office/drawing/2010/main" w="9525">
-                <a:solidFill>
-                  <a:srgbClr val="000000"/>
-                </a:solidFill>
-                <a:miter lim="800000"/>
-                <a:headEnd/>
-                <a:tailEnd/>
-              </a14:hiddenLine>
-            </a:ext>
-          </a:extLst>
-        </p:spPr>
-      </p:pic>
-      <p:sp>
-        <p:nvSpPr>
-          <p:cNvPr id="2" name="Title 1">
-            <a:extLst>
-              <a:ext uri="{FF2B5EF4-FFF2-40B4-BE49-F238E27FC236}">
-                <a16:creationId xmlns:a16="http://schemas.microsoft.com/office/drawing/2014/main" id="{4CF6A127-5823-48BA-A536-7CC0BA1662E1}"/>
-              </a:ext>
-            </a:extLst>
-          </p:cNvPr>
-          <p:cNvSpPr>
-            <a:spLocks noGrp="1"/>
-          </p:cNvSpPr>
-          <p:nvPr>
-            <p:ph type="title"/>
-          </p:nvPr>
-        </p:nvSpPr>
-        <p:spPr>
-          <a:xfrm>
-            <a:off x="469900" y="-130175"/>
-            <a:ext cx="10515600" cy="1325563"/>
-          </a:xfrm>
-        </p:spPr>
-        <p:txBody>
-          <a:bodyPr/>
-          <a:lstStyle/>
-          <a:p>
-            <a:pPr algn="ctr"/>
-            <a:r>
-              <a:rPr lang="en-GB" dirty="0">
-                <a:solidFill>
-                  <a:srgbClr val="7030A0"/>
-                </a:solidFill>
-              </a:rPr>
-              <a:t>8) Downloading:  </a:t>
-            </a:r>
-            <a:r>
-              <a:rPr lang="en-GB" b="1" dirty="0">
-                <a:solidFill>
-                  <a:srgbClr val="7030A0"/>
-                </a:solidFill>
-              </a:rPr>
-              <a:t>transfer files </a:t>
-            </a:r>
-            <a:r>
-              <a:rPr lang="en-GB" b="1" dirty="0" err="1">
-                <a:solidFill>
-                  <a:srgbClr val="7030A0"/>
-                </a:solidFill>
-              </a:rPr>
-              <a:t>Filezilla</a:t>
-            </a:r>
-            <a:endParaRPr lang="en-GB" b="1" dirty="0">
-              <a:solidFill>
-                <a:srgbClr val="7030A0"/>
-              </a:solidFill>
-            </a:endParaRPr>
-          </a:p>
-        </p:txBody>
-      </p:sp>
-      <p:sp>
-        <p:nvSpPr>
-          <p:cNvPr id="3" name="Content Placeholder 2">
-            <a:extLst>
-              <a:ext uri="{FF2B5EF4-FFF2-40B4-BE49-F238E27FC236}">
-                <a16:creationId xmlns:a16="http://schemas.microsoft.com/office/drawing/2014/main" id="{8A109800-2B21-462F-B38A-D835F2CD475C}"/>
-              </a:ext>
-            </a:extLst>
-          </p:cNvPr>
-          <p:cNvSpPr>
-            <a:spLocks noGrp="1"/>
-          </p:cNvSpPr>
-          <p:nvPr>
-            <p:ph idx="1"/>
-          </p:nvPr>
-        </p:nvSpPr>
-        <p:spPr>
-          <a:xfrm>
-            <a:off x="171449" y="1195388"/>
-            <a:ext cx="11801475" cy="4351338"/>
-          </a:xfrm>
-        </p:spPr>
-        <p:txBody>
-          <a:bodyPr>
-            <a:normAutofit/>
-          </a:bodyPr>
-          <a:lstStyle/>
-          <a:p>
-            <a:r>
-              <a:rPr lang="en-GB" sz="2400" dirty="0"/>
-              <a:t>2) When the next dialogue page comes up, click on “new site” (button , not the folder). Change the Protocol to SFTP. This is essential. Fill out the rest, use this host and port: 22. </a:t>
-            </a:r>
-          </a:p>
-          <a:p>
-            <a:r>
-              <a:rPr lang="en-GB" sz="2400" dirty="0"/>
-              <a:t>Once connected, you can drag and drop files from one window to the next. </a:t>
-            </a:r>
-          </a:p>
-          <a:p>
-            <a:endParaRPr lang="en-GB" dirty="0"/>
-          </a:p>
-          <a:p>
-            <a:pPr marL="0" indent="0">
-              <a:buNone/>
-            </a:pPr>
-            <a:endParaRPr lang="en-GB" dirty="0">
-              <a:solidFill>
-                <a:srgbClr val="0070C0"/>
-              </a:solidFill>
-            </a:endParaRPr>
-          </a:p>
-        </p:txBody>
-      </p:sp>
-      <p:cxnSp>
-        <p:nvCxnSpPr>
-          <p:cNvPr id="5" name="Straight Arrow Connector 4">
-            <a:extLst>
-              <a:ext uri="{FF2B5EF4-FFF2-40B4-BE49-F238E27FC236}">
-                <a16:creationId xmlns:a16="http://schemas.microsoft.com/office/drawing/2014/main" id="{DF00B003-8DCF-47CF-9003-E90F9E629879}"/>
-              </a:ext>
-            </a:extLst>
-          </p:cNvPr>
-          <p:cNvCxnSpPr/>
-          <p:nvPr/>
-        </p:nvCxnSpPr>
-        <p:spPr>
-          <a:xfrm flipH="1" flipV="1">
-            <a:off x="1186696" y="5810874"/>
-            <a:ext cx="4200041" cy="627681"/>
-          </a:xfrm>
-          <a:prstGeom prst="straightConnector1">
-            <a:avLst/>
-          </a:prstGeom>
-          <a:ln>
-            <a:tailEnd type="triangle"/>
-          </a:ln>
-        </p:spPr>
-        <p:style>
-          <a:lnRef idx="3">
-            <a:schemeClr val="dk1"/>
-          </a:lnRef>
-          <a:fillRef idx="0">
-            <a:schemeClr val="dk1"/>
-          </a:fillRef>
-          <a:effectRef idx="2">
-            <a:schemeClr val="dk1"/>
-          </a:effectRef>
-          <a:fontRef idx="minor">
-            <a:schemeClr val="tx1"/>
-          </a:fontRef>
-        </p:style>
-      </p:cxnSp>
-      <p:cxnSp>
-        <p:nvCxnSpPr>
-          <p:cNvPr id="7" name="Straight Arrow Connector 6">
-            <a:extLst>
-              <a:ext uri="{FF2B5EF4-FFF2-40B4-BE49-F238E27FC236}">
-                <a16:creationId xmlns:a16="http://schemas.microsoft.com/office/drawing/2014/main" id="{BBCE6C30-76F0-4685-8D03-8427CD6DC575}"/>
-              </a:ext>
-            </a:extLst>
-          </p:cNvPr>
-          <p:cNvCxnSpPr/>
-          <p:nvPr/>
-        </p:nvCxnSpPr>
-        <p:spPr>
-          <a:xfrm flipH="1" flipV="1">
-            <a:off x="4377249" y="3661776"/>
-            <a:ext cx="4200041" cy="627681"/>
-          </a:xfrm>
-          <a:prstGeom prst="straightConnector1">
-            <a:avLst/>
-          </a:prstGeom>
-          <a:ln>
-            <a:tailEnd type="triangle"/>
-          </a:ln>
-        </p:spPr>
-        <p:style>
-          <a:lnRef idx="3">
-            <a:schemeClr val="dk1"/>
-          </a:lnRef>
-          <a:fillRef idx="0">
-            <a:schemeClr val="dk1"/>
-          </a:fillRef>
-          <a:effectRef idx="2">
-            <a:schemeClr val="dk1"/>
-          </a:effectRef>
-          <a:fontRef idx="minor">
-            <a:schemeClr val="tx1"/>
-          </a:fontRef>
-        </p:style>
-      </p:cxnSp>
-    </p:spTree>
-    <p:extLst>
-      <p:ext uri="{BB962C8B-B14F-4D97-AF65-F5344CB8AC3E}">
-        <p14:creationId xmlns:p14="http://schemas.microsoft.com/office/powerpoint/2010/main" val="2781623428"/>
-      </p:ext>
-    </p:extLst>
-  </p:cSld>
-  <p:clrMapOvr>
-    <a:masterClrMapping/>
-  </p:clrMapOvr>
-</p:sld>
-</file>
-
-<file path=ppt/slides/slide21.xml><?xml version="1.0" encoding="utf-8"?>
-<p:sld xmlns:a="http://schemas.openxmlformats.org/drawingml/2006/main" xmlns:r="http://schemas.openxmlformats.org/officeDocument/2006/relationships" xmlns:p="http://schemas.openxmlformats.org/presentationml/2006/main">
-  <p:cSld>
-    <p:spTree>
-      <p:nvGrpSpPr>
-        <p:cNvPr id="1" name=""/>
-        <p:cNvGrpSpPr/>
-        <p:nvPr/>
-      </p:nvGrpSpPr>
-      <p:grpSpPr>
-        <a:xfrm>
-          <a:off x="0" y="0"/>
-          <a:ext cx="0" cy="0"/>
-          <a:chOff x="0" y="0"/>
-          <a:chExt cx="0" cy="0"/>
-        </a:xfrm>
-      </p:grpSpPr>
       <p:sp>
         <p:nvSpPr>
           <p:cNvPr id="2" name="Title 1">
@@ -6254,7 +6557,7 @@
 </p:sld>
 </file>
 
-<file path=ppt/slides/slide22.xml><?xml version="1.0" encoding="utf-8"?>
+<file path=ppt/slides/slide21.xml><?xml version="1.0" encoding="utf-8"?>
 <p:sld xmlns:a="http://schemas.openxmlformats.org/drawingml/2006/main" xmlns:r="http://schemas.openxmlformats.org/officeDocument/2006/relationships" xmlns:p="http://schemas.openxmlformats.org/presentationml/2006/main">
   <p:cSld>
     <p:spTree>
@@ -6511,7 +6814,7 @@
 </p:sld>
 </file>
 
-<file path=ppt/slides/slide23.xml><?xml version="1.0" encoding="utf-8"?>
+<file path=ppt/slides/slide22.xml><?xml version="1.0" encoding="utf-8"?>
 <p:sld xmlns:a="http://schemas.openxmlformats.org/drawingml/2006/main" xmlns:r="http://schemas.openxmlformats.org/officeDocument/2006/relationships" xmlns:p="http://schemas.openxmlformats.org/presentationml/2006/main">
   <p:cSld>
     <p:spTree>
@@ -6782,6 +7085,361 @@
 </p:sld>
 </file>
 
+<file path=ppt/slides/slide23.xml><?xml version="1.0" encoding="utf-8"?>
+<p:sld xmlns:a="http://schemas.openxmlformats.org/drawingml/2006/main" xmlns:r="http://schemas.openxmlformats.org/officeDocument/2006/relationships" xmlns:p="http://schemas.openxmlformats.org/presentationml/2006/main">
+  <p:cSld>
+    <p:spTree>
+      <p:nvGrpSpPr>
+        <p:cNvPr id="1" name=""/>
+        <p:cNvGrpSpPr/>
+        <p:nvPr/>
+      </p:nvGrpSpPr>
+      <p:grpSpPr>
+        <a:xfrm>
+          <a:off x="0" y="0"/>
+          <a:ext cx="0" cy="0"/>
+          <a:chOff x="0" y="0"/>
+          <a:chExt cx="0" cy="0"/>
+        </a:xfrm>
+      </p:grpSpPr>
+      <p:sp>
+        <p:nvSpPr>
+          <p:cNvPr id="2" name="Title 1">
+            <a:extLst>
+              <a:ext uri="{FF2B5EF4-FFF2-40B4-BE49-F238E27FC236}">
+                <a16:creationId xmlns:a16="http://schemas.microsoft.com/office/drawing/2014/main" id="{238F34ED-D75E-49A0-BC63-38C071AA49D3}"/>
+              </a:ext>
+            </a:extLst>
+          </p:cNvPr>
+          <p:cNvSpPr>
+            <a:spLocks noGrp="1"/>
+          </p:cNvSpPr>
+          <p:nvPr>
+            <p:ph type="title"/>
+          </p:nvPr>
+        </p:nvSpPr>
+        <p:spPr>
+          <a:xfrm>
+            <a:off x="0" y="18255"/>
+            <a:ext cx="11353800" cy="1325563"/>
+          </a:xfrm>
+        </p:spPr>
+        <p:txBody>
+          <a:bodyPr/>
+          <a:lstStyle/>
+          <a:p>
+            <a:pPr algn="ctr"/>
+            <a:r>
+              <a:rPr lang="en-GB" dirty="0">
+                <a:solidFill>
+                  <a:srgbClr val="7030A0"/>
+                </a:solidFill>
+              </a:rPr>
+              <a:t>9) Advanced: Installing software: </a:t>
+            </a:r>
+          </a:p>
+        </p:txBody>
+      </p:sp>
+      <p:sp>
+        <p:nvSpPr>
+          <p:cNvPr id="3" name="Content Placeholder 2">
+            <a:extLst>
+              <a:ext uri="{FF2B5EF4-FFF2-40B4-BE49-F238E27FC236}">
+                <a16:creationId xmlns:a16="http://schemas.microsoft.com/office/drawing/2014/main" id="{18431EE4-9E41-4E32-A234-2EA9829FBD13}"/>
+              </a:ext>
+            </a:extLst>
+          </p:cNvPr>
+          <p:cNvSpPr>
+            <a:spLocks noGrp="1"/>
+          </p:cNvSpPr>
+          <p:nvPr>
+            <p:ph idx="1"/>
+          </p:nvPr>
+        </p:nvSpPr>
+        <p:spPr>
+          <a:xfrm>
+            <a:off x="232475" y="1162373"/>
+            <a:ext cx="11121325" cy="5014590"/>
+          </a:xfrm>
+        </p:spPr>
+        <p:txBody>
+          <a:bodyPr>
+            <a:normAutofit fontScale="77500" lnSpcReduction="20000"/>
+          </a:bodyPr>
+          <a:lstStyle/>
+          <a:p>
+            <a:r>
+              <a:rPr lang="en-GB" dirty="0"/>
+              <a:t>Manual method; this is different from tool to tool. But as an example:</a:t>
+            </a:r>
+          </a:p>
+          <a:p>
+            <a:r>
+              <a:rPr lang="en-GB" dirty="0"/>
+              <a:t>Download:  </a:t>
+            </a:r>
+          </a:p>
+          <a:p>
+            <a:pPr marL="0" indent="0">
+              <a:buNone/>
+            </a:pPr>
+            <a:r>
+              <a:rPr lang="en-GB" dirty="0">
+                <a:solidFill>
+                  <a:srgbClr val="0070C0"/>
+                </a:solidFill>
+              </a:rPr>
+              <a:t>        </a:t>
+            </a:r>
+            <a:r>
+              <a:rPr lang="en-GB" dirty="0" err="1">
+                <a:solidFill>
+                  <a:srgbClr val="0070C0"/>
+                </a:solidFill>
+              </a:rPr>
+              <a:t>wget</a:t>
+            </a:r>
+            <a:r>
+              <a:rPr lang="en-GB" dirty="0">
+                <a:solidFill>
+                  <a:srgbClr val="0070C0"/>
+                </a:solidFill>
+              </a:rPr>
+              <a:t> weblink</a:t>
+            </a:r>
+          </a:p>
+          <a:p>
+            <a:r>
+              <a:rPr lang="en-GB" dirty="0"/>
+              <a:t>Decompress:</a:t>
+            </a:r>
+            <a:r>
+              <a:rPr lang="en-GB" dirty="0">
+                <a:solidFill>
+                  <a:srgbClr val="0070C0"/>
+                </a:solidFill>
+              </a:rPr>
+              <a:t> </a:t>
+            </a:r>
+          </a:p>
+          <a:p>
+            <a:pPr marL="0" indent="0">
+              <a:buNone/>
+            </a:pPr>
+            <a:r>
+              <a:rPr lang="en-GB" dirty="0">
+                <a:solidFill>
+                  <a:srgbClr val="0070C0"/>
+                </a:solidFill>
+              </a:rPr>
+              <a:t>        tar -</a:t>
+            </a:r>
+            <a:r>
+              <a:rPr lang="en-GB" dirty="0" err="1">
+                <a:solidFill>
+                  <a:srgbClr val="0070C0"/>
+                </a:solidFill>
+              </a:rPr>
+              <a:t>zxvf</a:t>
+            </a:r>
+            <a:r>
+              <a:rPr lang="en-GB" dirty="0">
+                <a:solidFill>
+                  <a:srgbClr val="0070C0"/>
+                </a:solidFill>
+              </a:rPr>
+              <a:t> tool.tar.gz</a:t>
+            </a:r>
+          </a:p>
+          <a:p>
+            <a:r>
+              <a:rPr lang="en-GB" dirty="0">
+                <a:solidFill>
+                  <a:srgbClr val="0070C0"/>
+                </a:solidFill>
+              </a:rPr>
+              <a:t>cd </a:t>
+            </a:r>
+            <a:r>
+              <a:rPr lang="en-GB" dirty="0"/>
+              <a:t>into the folder (read the readme)</a:t>
+            </a:r>
+          </a:p>
+          <a:p>
+            <a:r>
+              <a:rPr lang="en-GB" dirty="0"/>
+              <a:t>Configure: </a:t>
+            </a:r>
+          </a:p>
+          <a:p>
+            <a:pPr marL="0" indent="0">
+              <a:buNone/>
+            </a:pPr>
+            <a:r>
+              <a:rPr lang="en-GB" dirty="0">
+                <a:solidFill>
+                  <a:srgbClr val="0070C0"/>
+                </a:solidFill>
+              </a:rPr>
+              <a:t>        ./configure CXX=/</a:t>
+            </a:r>
+            <a:r>
+              <a:rPr lang="en-GB" dirty="0" err="1">
+                <a:solidFill>
+                  <a:srgbClr val="0070C0"/>
+                </a:solidFill>
+              </a:rPr>
+              <a:t>usr</a:t>
+            </a:r>
+            <a:r>
+              <a:rPr lang="en-GB" dirty="0">
+                <a:solidFill>
+                  <a:srgbClr val="0070C0"/>
+                </a:solidFill>
+              </a:rPr>
+              <a:t>/local/Modules/</a:t>
+            </a:r>
+            <a:r>
+              <a:rPr lang="en-GB" dirty="0" err="1">
+                <a:solidFill>
+                  <a:srgbClr val="0070C0"/>
+                </a:solidFill>
+              </a:rPr>
+              <a:t>modulefiles</a:t>
+            </a:r>
+            <a:r>
+              <a:rPr lang="en-GB" dirty="0">
+                <a:solidFill>
+                  <a:srgbClr val="0070C0"/>
+                </a:solidFill>
+              </a:rPr>
+              <a:t>/tools/</a:t>
+            </a:r>
+            <a:r>
+              <a:rPr lang="en-GB" dirty="0" err="1">
+                <a:solidFill>
+                  <a:srgbClr val="0070C0"/>
+                </a:solidFill>
+              </a:rPr>
+              <a:t>gcc</a:t>
+            </a:r>
+            <a:r>
+              <a:rPr lang="en-GB" dirty="0">
+                <a:solidFill>
+                  <a:srgbClr val="0070C0"/>
+                </a:solidFill>
+              </a:rPr>
+              <a:t>/4.9.3/bin/g++   CPP='/</a:t>
+            </a:r>
+            <a:r>
+              <a:rPr lang="en-GB" dirty="0" err="1">
+                <a:solidFill>
+                  <a:srgbClr val="0070C0"/>
+                </a:solidFill>
+              </a:rPr>
+              <a:t>usr</a:t>
+            </a:r>
+            <a:r>
+              <a:rPr lang="en-GB" dirty="0">
+                <a:solidFill>
+                  <a:srgbClr val="0070C0"/>
+                </a:solidFill>
+              </a:rPr>
+              <a:t>/local/Modules/</a:t>
+            </a:r>
+            <a:r>
+              <a:rPr lang="en-GB" dirty="0" err="1">
+                <a:solidFill>
+                  <a:srgbClr val="0070C0"/>
+                </a:solidFill>
+              </a:rPr>
+              <a:t>modulefiles</a:t>
+            </a:r>
+            <a:r>
+              <a:rPr lang="en-GB" dirty="0">
+                <a:solidFill>
+                  <a:srgbClr val="0070C0"/>
+                </a:solidFill>
+              </a:rPr>
+              <a:t>/tools/</a:t>
+            </a:r>
+            <a:r>
+              <a:rPr lang="en-GB" dirty="0" err="1">
+                <a:solidFill>
+                  <a:srgbClr val="0070C0"/>
+                </a:solidFill>
+              </a:rPr>
+              <a:t>gcc</a:t>
+            </a:r>
+            <a:r>
+              <a:rPr lang="en-GB" dirty="0">
+                <a:solidFill>
+                  <a:srgbClr val="0070C0"/>
+                </a:solidFill>
+              </a:rPr>
+              <a:t>/4.9.3/bin/g++ -E' --prefix=/somewhere/</a:t>
+            </a:r>
+          </a:p>
+          <a:p>
+            <a:pPr marL="0" indent="0">
+              <a:buNone/>
+            </a:pPr>
+            <a:r>
+              <a:rPr lang="en-GB" dirty="0">
+                <a:solidFill>
+                  <a:srgbClr val="0070C0"/>
+                </a:solidFill>
+              </a:rPr>
+              <a:t>       make</a:t>
+            </a:r>
+          </a:p>
+          <a:p>
+            <a:pPr marL="0" indent="0">
+              <a:buNone/>
+            </a:pPr>
+            <a:r>
+              <a:rPr lang="en-GB" dirty="0">
+                <a:solidFill>
+                  <a:srgbClr val="0070C0"/>
+                </a:solidFill>
+              </a:rPr>
+              <a:t>       make install</a:t>
+            </a:r>
+          </a:p>
+          <a:p>
+            <a:pPr marL="0" indent="0">
+              <a:buNone/>
+            </a:pPr>
+            <a:endParaRPr lang="en-GB" dirty="0">
+              <a:solidFill>
+                <a:srgbClr val="0070C0"/>
+              </a:solidFill>
+            </a:endParaRPr>
+          </a:p>
+          <a:p>
+            <a:pPr marL="0" indent="0">
+              <a:buNone/>
+            </a:pPr>
+            <a:r>
+              <a:rPr lang="en-GB" dirty="0"/>
+              <a:t>The above (g++) is a historical way the server was set up - sorry. This cannot be changed, unless we get the new server. </a:t>
+            </a:r>
+          </a:p>
+        </p:txBody>
+      </p:sp>
+    </p:spTree>
+    <p:extLst>
+      <p:ext uri="{BB962C8B-B14F-4D97-AF65-F5344CB8AC3E}">
+        <p14:creationId xmlns:p14="http://schemas.microsoft.com/office/powerpoint/2010/main" val="219497090"/>
+      </p:ext>
+    </p:extLst>
+  </p:cSld>
+  <p:clrMapOvr>
+    <a:masterClrMapping/>
+  </p:clrMapOvr>
+</p:sld>
+</file>
+
 <file path=ppt/slides/slide24.xml><?xml version="1.0" encoding="utf-8"?>
 <p:sld xmlns:a="http://schemas.openxmlformats.org/drawingml/2006/main" xmlns:r="http://schemas.openxmlformats.org/officeDocument/2006/relationships" xmlns:p="http://schemas.openxmlformats.org/presentationml/2006/main">
   <p:cSld>
@@ -6832,361 +7490,6 @@
                   <a:srgbClr val="7030A0"/>
                 </a:solidFill>
               </a:rPr>
-              <a:t>9) Advanced: Installing software: </a:t>
-            </a:r>
-          </a:p>
-        </p:txBody>
-      </p:sp>
-      <p:sp>
-        <p:nvSpPr>
-          <p:cNvPr id="3" name="Content Placeholder 2">
-            <a:extLst>
-              <a:ext uri="{FF2B5EF4-FFF2-40B4-BE49-F238E27FC236}">
-                <a16:creationId xmlns:a16="http://schemas.microsoft.com/office/drawing/2014/main" id="{18431EE4-9E41-4E32-A234-2EA9829FBD13}"/>
-              </a:ext>
-            </a:extLst>
-          </p:cNvPr>
-          <p:cNvSpPr>
-            <a:spLocks noGrp="1"/>
-          </p:cNvSpPr>
-          <p:nvPr>
-            <p:ph idx="1"/>
-          </p:nvPr>
-        </p:nvSpPr>
-        <p:spPr>
-          <a:xfrm>
-            <a:off x="232475" y="1162373"/>
-            <a:ext cx="11121325" cy="5014590"/>
-          </a:xfrm>
-        </p:spPr>
-        <p:txBody>
-          <a:bodyPr>
-            <a:normAutofit fontScale="77500" lnSpcReduction="20000"/>
-          </a:bodyPr>
-          <a:lstStyle/>
-          <a:p>
-            <a:r>
-              <a:rPr lang="en-GB" dirty="0"/>
-              <a:t>Manual method; this is different from tool to tool. But as an example:</a:t>
-            </a:r>
-          </a:p>
-          <a:p>
-            <a:r>
-              <a:rPr lang="en-GB" dirty="0"/>
-              <a:t>Download:  </a:t>
-            </a:r>
-          </a:p>
-          <a:p>
-            <a:pPr marL="0" indent="0">
-              <a:buNone/>
-            </a:pPr>
-            <a:r>
-              <a:rPr lang="en-GB" dirty="0">
-                <a:solidFill>
-                  <a:srgbClr val="0070C0"/>
-                </a:solidFill>
-              </a:rPr>
-              <a:t>        </a:t>
-            </a:r>
-            <a:r>
-              <a:rPr lang="en-GB" dirty="0" err="1">
-                <a:solidFill>
-                  <a:srgbClr val="0070C0"/>
-                </a:solidFill>
-              </a:rPr>
-              <a:t>wget</a:t>
-            </a:r>
-            <a:r>
-              <a:rPr lang="en-GB" dirty="0">
-                <a:solidFill>
-                  <a:srgbClr val="0070C0"/>
-                </a:solidFill>
-              </a:rPr>
-              <a:t> weblink</a:t>
-            </a:r>
-          </a:p>
-          <a:p>
-            <a:r>
-              <a:rPr lang="en-GB" dirty="0"/>
-              <a:t>Decompress:</a:t>
-            </a:r>
-            <a:r>
-              <a:rPr lang="en-GB" dirty="0">
-                <a:solidFill>
-                  <a:srgbClr val="0070C0"/>
-                </a:solidFill>
-              </a:rPr>
-              <a:t> </a:t>
-            </a:r>
-          </a:p>
-          <a:p>
-            <a:pPr marL="0" indent="0">
-              <a:buNone/>
-            </a:pPr>
-            <a:r>
-              <a:rPr lang="en-GB" dirty="0">
-                <a:solidFill>
-                  <a:srgbClr val="0070C0"/>
-                </a:solidFill>
-              </a:rPr>
-              <a:t>        tar -</a:t>
-            </a:r>
-            <a:r>
-              <a:rPr lang="en-GB" dirty="0" err="1">
-                <a:solidFill>
-                  <a:srgbClr val="0070C0"/>
-                </a:solidFill>
-              </a:rPr>
-              <a:t>zxvf</a:t>
-            </a:r>
-            <a:r>
-              <a:rPr lang="en-GB" dirty="0">
-                <a:solidFill>
-                  <a:srgbClr val="0070C0"/>
-                </a:solidFill>
-              </a:rPr>
-              <a:t> tool.tar.gz</a:t>
-            </a:r>
-          </a:p>
-          <a:p>
-            <a:r>
-              <a:rPr lang="en-GB" dirty="0">
-                <a:solidFill>
-                  <a:srgbClr val="0070C0"/>
-                </a:solidFill>
-              </a:rPr>
-              <a:t>cd </a:t>
-            </a:r>
-            <a:r>
-              <a:rPr lang="en-GB" dirty="0"/>
-              <a:t>into the folder (read the readme)</a:t>
-            </a:r>
-          </a:p>
-          <a:p>
-            <a:r>
-              <a:rPr lang="en-GB" dirty="0"/>
-              <a:t>Configure: </a:t>
-            </a:r>
-          </a:p>
-          <a:p>
-            <a:pPr marL="0" indent="0">
-              <a:buNone/>
-            </a:pPr>
-            <a:r>
-              <a:rPr lang="en-GB" dirty="0">
-                <a:solidFill>
-                  <a:srgbClr val="0070C0"/>
-                </a:solidFill>
-              </a:rPr>
-              <a:t>        ./configure CXX=/</a:t>
-            </a:r>
-            <a:r>
-              <a:rPr lang="en-GB" dirty="0" err="1">
-                <a:solidFill>
-                  <a:srgbClr val="0070C0"/>
-                </a:solidFill>
-              </a:rPr>
-              <a:t>usr</a:t>
-            </a:r>
-            <a:r>
-              <a:rPr lang="en-GB" dirty="0">
-                <a:solidFill>
-                  <a:srgbClr val="0070C0"/>
-                </a:solidFill>
-              </a:rPr>
-              <a:t>/local/Modules/</a:t>
-            </a:r>
-            <a:r>
-              <a:rPr lang="en-GB" dirty="0" err="1">
-                <a:solidFill>
-                  <a:srgbClr val="0070C0"/>
-                </a:solidFill>
-              </a:rPr>
-              <a:t>modulefiles</a:t>
-            </a:r>
-            <a:r>
-              <a:rPr lang="en-GB" dirty="0">
-                <a:solidFill>
-                  <a:srgbClr val="0070C0"/>
-                </a:solidFill>
-              </a:rPr>
-              <a:t>/tools/</a:t>
-            </a:r>
-            <a:r>
-              <a:rPr lang="en-GB" dirty="0" err="1">
-                <a:solidFill>
-                  <a:srgbClr val="0070C0"/>
-                </a:solidFill>
-              </a:rPr>
-              <a:t>gcc</a:t>
-            </a:r>
-            <a:r>
-              <a:rPr lang="en-GB" dirty="0">
-                <a:solidFill>
-                  <a:srgbClr val="0070C0"/>
-                </a:solidFill>
-              </a:rPr>
-              <a:t>/4.9.3/bin/g++   CPP='/</a:t>
-            </a:r>
-            <a:r>
-              <a:rPr lang="en-GB" dirty="0" err="1">
-                <a:solidFill>
-                  <a:srgbClr val="0070C0"/>
-                </a:solidFill>
-              </a:rPr>
-              <a:t>usr</a:t>
-            </a:r>
-            <a:r>
-              <a:rPr lang="en-GB" dirty="0">
-                <a:solidFill>
-                  <a:srgbClr val="0070C0"/>
-                </a:solidFill>
-              </a:rPr>
-              <a:t>/local/Modules/</a:t>
-            </a:r>
-            <a:r>
-              <a:rPr lang="en-GB" dirty="0" err="1">
-                <a:solidFill>
-                  <a:srgbClr val="0070C0"/>
-                </a:solidFill>
-              </a:rPr>
-              <a:t>modulefiles</a:t>
-            </a:r>
-            <a:r>
-              <a:rPr lang="en-GB" dirty="0">
-                <a:solidFill>
-                  <a:srgbClr val="0070C0"/>
-                </a:solidFill>
-              </a:rPr>
-              <a:t>/tools/</a:t>
-            </a:r>
-            <a:r>
-              <a:rPr lang="en-GB" dirty="0" err="1">
-                <a:solidFill>
-                  <a:srgbClr val="0070C0"/>
-                </a:solidFill>
-              </a:rPr>
-              <a:t>gcc</a:t>
-            </a:r>
-            <a:r>
-              <a:rPr lang="en-GB" dirty="0">
-                <a:solidFill>
-                  <a:srgbClr val="0070C0"/>
-                </a:solidFill>
-              </a:rPr>
-              <a:t>/4.9.3/bin/g++ -E' --prefix=/somewhere/</a:t>
-            </a:r>
-          </a:p>
-          <a:p>
-            <a:pPr marL="0" indent="0">
-              <a:buNone/>
-            </a:pPr>
-            <a:r>
-              <a:rPr lang="en-GB" dirty="0">
-                <a:solidFill>
-                  <a:srgbClr val="0070C0"/>
-                </a:solidFill>
-              </a:rPr>
-              <a:t>       make</a:t>
-            </a:r>
-          </a:p>
-          <a:p>
-            <a:pPr marL="0" indent="0">
-              <a:buNone/>
-            </a:pPr>
-            <a:r>
-              <a:rPr lang="en-GB" dirty="0">
-                <a:solidFill>
-                  <a:srgbClr val="0070C0"/>
-                </a:solidFill>
-              </a:rPr>
-              <a:t>       make install</a:t>
-            </a:r>
-          </a:p>
-          <a:p>
-            <a:pPr marL="0" indent="0">
-              <a:buNone/>
-            </a:pPr>
-            <a:endParaRPr lang="en-GB" dirty="0">
-              <a:solidFill>
-                <a:srgbClr val="0070C0"/>
-              </a:solidFill>
-            </a:endParaRPr>
-          </a:p>
-          <a:p>
-            <a:pPr marL="0" indent="0">
-              <a:buNone/>
-            </a:pPr>
-            <a:r>
-              <a:rPr lang="en-GB" dirty="0"/>
-              <a:t>The above (g++) is a historical way the server was set up - sorry. This cannot be changed, unless we get the new server. </a:t>
-            </a:r>
-          </a:p>
-        </p:txBody>
-      </p:sp>
-    </p:spTree>
-    <p:extLst>
-      <p:ext uri="{BB962C8B-B14F-4D97-AF65-F5344CB8AC3E}">
-        <p14:creationId xmlns:p14="http://schemas.microsoft.com/office/powerpoint/2010/main" val="219497090"/>
-      </p:ext>
-    </p:extLst>
-  </p:cSld>
-  <p:clrMapOvr>
-    <a:masterClrMapping/>
-  </p:clrMapOvr>
-</p:sld>
-</file>
-
-<file path=ppt/slides/slide25.xml><?xml version="1.0" encoding="utf-8"?>
-<p:sld xmlns:a="http://schemas.openxmlformats.org/drawingml/2006/main" xmlns:r="http://schemas.openxmlformats.org/officeDocument/2006/relationships" xmlns:p="http://schemas.openxmlformats.org/presentationml/2006/main">
-  <p:cSld>
-    <p:spTree>
-      <p:nvGrpSpPr>
-        <p:cNvPr id="1" name=""/>
-        <p:cNvGrpSpPr/>
-        <p:nvPr/>
-      </p:nvGrpSpPr>
-      <p:grpSpPr>
-        <a:xfrm>
-          <a:off x="0" y="0"/>
-          <a:ext cx="0" cy="0"/>
-          <a:chOff x="0" y="0"/>
-          <a:chExt cx="0" cy="0"/>
-        </a:xfrm>
-      </p:grpSpPr>
-      <p:sp>
-        <p:nvSpPr>
-          <p:cNvPr id="2" name="Title 1">
-            <a:extLst>
-              <a:ext uri="{FF2B5EF4-FFF2-40B4-BE49-F238E27FC236}">
-                <a16:creationId xmlns:a16="http://schemas.microsoft.com/office/drawing/2014/main" id="{238F34ED-D75E-49A0-BC63-38C071AA49D3}"/>
-              </a:ext>
-            </a:extLst>
-          </p:cNvPr>
-          <p:cNvSpPr>
-            <a:spLocks noGrp="1"/>
-          </p:cNvSpPr>
-          <p:nvPr>
-            <p:ph type="title"/>
-          </p:nvPr>
-        </p:nvSpPr>
-        <p:spPr>
-          <a:xfrm>
-            <a:off x="0" y="18255"/>
-            <a:ext cx="11353800" cy="1325563"/>
-          </a:xfrm>
-        </p:spPr>
-        <p:txBody>
-          <a:bodyPr/>
-          <a:lstStyle/>
-          <a:p>
-            <a:pPr algn="ctr"/>
-            <a:r>
-              <a:rPr lang="en-GB" dirty="0">
-                <a:solidFill>
-                  <a:srgbClr val="7030A0"/>
-                </a:solidFill>
-              </a:rPr>
               <a:t>9) Advanced: Installing software</a:t>
             </a:r>
           </a:p>
@@ -7282,7 +7585,7 @@
 </p:sld>
 </file>
 
-<file path=ppt/slides/slide26.xml><?xml version="1.0" encoding="utf-8"?>
+<file path=ppt/slides/slide25.xml><?xml version="1.0" encoding="utf-8"?>
 <p:sld xmlns:a="http://schemas.openxmlformats.org/drawingml/2006/main" xmlns:r="http://schemas.openxmlformats.org/officeDocument/2006/relationships" xmlns:p="http://schemas.openxmlformats.org/presentationml/2006/main">
   <p:cSld>
     <p:spTree>
@@ -7431,6 +7734,138 @@
 </p:sld>
 </file>
 
+<file path=ppt/slides/slide26.xml><?xml version="1.0" encoding="utf-8"?>
+<p:sld xmlns:a="http://schemas.openxmlformats.org/drawingml/2006/main" xmlns:r="http://schemas.openxmlformats.org/officeDocument/2006/relationships" xmlns:p="http://schemas.openxmlformats.org/presentationml/2006/main">
+  <p:cSld>
+    <p:spTree>
+      <p:nvGrpSpPr>
+        <p:cNvPr id="1" name=""/>
+        <p:cNvGrpSpPr/>
+        <p:nvPr/>
+      </p:nvGrpSpPr>
+      <p:grpSpPr>
+        <a:xfrm>
+          <a:off x="0" y="0"/>
+          <a:ext cx="0" cy="0"/>
+          <a:chOff x="0" y="0"/>
+          <a:chExt cx="0" cy="0"/>
+        </a:xfrm>
+      </p:grpSpPr>
+      <p:sp>
+        <p:nvSpPr>
+          <p:cNvPr id="2" name="Title 1">
+            <a:extLst>
+              <a:ext uri="{FF2B5EF4-FFF2-40B4-BE49-F238E27FC236}">
+                <a16:creationId xmlns:a16="http://schemas.microsoft.com/office/drawing/2014/main" id="{67E8D7B0-DA13-493B-8269-7D200DED3022}"/>
+              </a:ext>
+            </a:extLst>
+          </p:cNvPr>
+          <p:cNvSpPr>
+            <a:spLocks noGrp="1"/>
+          </p:cNvSpPr>
+          <p:nvPr>
+            <p:ph type="title"/>
+          </p:nvPr>
+        </p:nvSpPr>
+        <p:spPr>
+          <a:xfrm>
+            <a:off x="783956" y="-185065"/>
+            <a:ext cx="10515600" cy="1325563"/>
+          </a:xfrm>
+        </p:spPr>
+        <p:txBody>
+          <a:bodyPr/>
+          <a:lstStyle/>
+          <a:p>
+            <a:pPr algn="ctr"/>
+            <a:r>
+              <a:rPr lang="en-GB" dirty="0">
+                <a:solidFill>
+                  <a:srgbClr val="7030A0"/>
+                </a:solidFill>
+              </a:rPr>
+              <a:t>Wrap up: Data management</a:t>
+            </a:r>
+          </a:p>
+        </p:txBody>
+      </p:sp>
+      <p:sp>
+        <p:nvSpPr>
+          <p:cNvPr id="3" name="Content Placeholder 2">
+            <a:extLst>
+              <a:ext uri="{FF2B5EF4-FFF2-40B4-BE49-F238E27FC236}">
+                <a16:creationId xmlns:a16="http://schemas.microsoft.com/office/drawing/2014/main" id="{BD6F7538-B245-4BEE-B036-661EB49D7337}"/>
+              </a:ext>
+            </a:extLst>
+          </p:cNvPr>
+          <p:cNvSpPr>
+            <a:spLocks noGrp="1"/>
+          </p:cNvSpPr>
+          <p:nvPr>
+            <p:ph idx="1"/>
+          </p:nvPr>
+        </p:nvSpPr>
+        <p:spPr>
+          <a:xfrm>
+            <a:off x="249264" y="1321930"/>
+            <a:ext cx="11420959" cy="4351338"/>
+          </a:xfrm>
+        </p:spPr>
+        <p:txBody>
+          <a:bodyPr/>
+          <a:lstStyle/>
+          <a:p>
+            <a:r>
+              <a:rPr lang="en-GB" dirty="0"/>
+              <a:t>Storage is always an issue - everywhere you go! - Except here it is worse! </a:t>
+            </a:r>
+            <a:r>
+              <a:rPr lang="en-GB" dirty="0">
+                <a:sym typeface="Wingdings" panose="05000000000000000000" pitchFamily="2" charset="2"/>
+              </a:rPr>
+              <a:t></a:t>
+            </a:r>
+            <a:endParaRPr lang="en-GB" dirty="0"/>
+          </a:p>
+          <a:p>
+            <a:r>
+              <a:rPr lang="en-GB" dirty="0"/>
+              <a:t>You will get a lot of data - I understand this. I may pester you to reduce your usage … How, you ask?</a:t>
+            </a:r>
+          </a:p>
+          <a:p>
+            <a:r>
+              <a:rPr lang="en-GB" dirty="0"/>
+              <a:t>Compress files, Always keep your raw data and your scripts!!! </a:t>
+            </a:r>
+          </a:p>
+          <a:p>
+            <a:r>
+              <a:rPr lang="en-GB" dirty="0"/>
+              <a:t>keep your shell scripts in logical places, well labelled and documented on what they do. (you will thank me when writing up the papers)</a:t>
+            </a:r>
+          </a:p>
+          <a:p>
+            <a:r>
+              <a:rPr lang="en-GB" dirty="0"/>
+              <a:t>you don’t always (rarely!!) need to keep intermediate files, especially if they can be easily regenerated. </a:t>
+            </a:r>
+          </a:p>
+        </p:txBody>
+      </p:sp>
+    </p:spTree>
+    <p:extLst>
+      <p:ext uri="{BB962C8B-B14F-4D97-AF65-F5344CB8AC3E}">
+        <p14:creationId xmlns:p14="http://schemas.microsoft.com/office/powerpoint/2010/main" val="175578491"/>
+      </p:ext>
+    </p:extLst>
+  </p:cSld>
+  <p:clrMapOvr>
+    <a:masterClrMapping/>
+  </p:clrMapOvr>
+</p:sld>
+</file>
+
 <file path=ppt/slides/slide27.xml><?xml version="1.0" encoding="utf-8"?>
 <p:sld xmlns:a="http://schemas.openxmlformats.org/drawingml/2006/main" xmlns:r="http://schemas.openxmlformats.org/officeDocument/2006/relationships" xmlns:p="http://schemas.openxmlformats.org/presentationml/2006/main">
   <p:cSld>
@@ -7514,38 +7949,48 @@
           <a:p>
             <a:r>
               <a:rPr lang="en-GB" dirty="0"/>
-              <a:t>Storage is always an issue - everywhere you go! - Except here it is worse! </a:t>
-            </a:r>
+              <a:t>Keep your raw data in a folder called (example):</a:t>
+            </a:r>
+          </a:p>
+          <a:p>
+            <a:pPr marL="0" indent="0">
+              <a:buNone/>
+            </a:pPr>
             <a:r>
               <a:rPr lang="en-GB" dirty="0">
-                <a:sym typeface="Wingdings" panose="05000000000000000000" pitchFamily="2" charset="2"/>
-              </a:rPr>
-              <a:t></a:t>
-            </a:r>
-            <a:endParaRPr lang="en-GB" dirty="0"/>
-          </a:p>
-          <a:p>
-            <a:r>
-              <a:rPr lang="en-GB" dirty="0"/>
-              <a:t>You will get a lot of data - I understand this. I may pester you to reduce your usage … How, you ask?</a:t>
-            </a:r>
-          </a:p>
-          <a:p>
-            <a:r>
-              <a:rPr lang="en-GB" dirty="0"/>
-              <a:t>Compress files, Always keep your raw data and your scripts!!! </a:t>
-            </a:r>
-          </a:p>
-          <a:p>
-            <a:r>
-              <a:rPr lang="en-GB" dirty="0"/>
-              <a:t>keep your shell scripts in logical places, well labelled and documented on what they do. (you will thank me when writing up the papers)</a:t>
-            </a:r>
-          </a:p>
-          <a:p>
-            <a:r>
-              <a:rPr lang="en-GB" dirty="0"/>
-              <a:t>you don’t always (rarely!!) need to keep intermediate files, especially if they can be easily regenerated. </a:t>
+                <a:solidFill>
+                  <a:srgbClr val="FF0000"/>
+                </a:solidFill>
+              </a:rPr>
+              <a:t>20181113_RNAseq_species_experiment</a:t>
+            </a:r>
+          </a:p>
+          <a:p>
+            <a:pPr marL="0" indent="0">
+              <a:buNone/>
+            </a:pPr>
+            <a:r>
+              <a:rPr lang="en-GB" dirty="0">
+                <a:solidFill>
+                  <a:srgbClr val="FF0000"/>
+                </a:solidFill>
+              </a:rPr>
+              <a:t>20181113_RNAseq_aphids_host_nonhost</a:t>
+            </a:r>
+          </a:p>
+          <a:p>
+            <a:r>
+              <a:rPr lang="en-GB" dirty="0"/>
+              <a:t>That is year/month/day, what the data is, species, experiment. </a:t>
+            </a:r>
+          </a:p>
+          <a:p>
+            <a:pPr marL="0" indent="0">
+              <a:buNone/>
+            </a:pPr>
+            <a:r>
+              <a:rPr lang="en-GB" dirty="0"/>
+              <a:t>Keep your scripts in this master raw folder (in a new folder), so it can be reproduced, or taken over by anyone who continues the project after you. </a:t>
             </a:r>
           </a:p>
         </p:txBody>
@@ -7553,7 +7998,7 @@
     </p:spTree>
     <p:extLst>
       <p:ext uri="{BB962C8B-B14F-4D97-AF65-F5344CB8AC3E}">
-        <p14:creationId xmlns:p14="http://schemas.microsoft.com/office/powerpoint/2010/main" val="175578491"/>
+        <p14:creationId xmlns:p14="http://schemas.microsoft.com/office/powerpoint/2010/main" val="1621681248"/>
       </p:ext>
     </p:extLst>
   </p:cSld>
@@ -7613,7 +8058,7 @@
                   <a:srgbClr val="7030A0"/>
                 </a:solidFill>
               </a:rPr>
-              <a:t>Wrap up: Data management</a:t>
+              <a:t>Wrap up: cluster etiquette</a:t>
             </a:r>
           </a:p>
         </p:txBody>
@@ -7645,49 +8090,32 @@
           <a:lstStyle/>
           <a:p>
             <a:r>
-              <a:rPr lang="en-GB" dirty="0"/>
-              <a:t>Keep your raw data in a folder called (example):</a:t>
-            </a:r>
-          </a:p>
-          <a:p>
-            <a:pPr marL="0" indent="0">
-              <a:buNone/>
-            </a:pPr>
-            <a:r>
-              <a:rPr lang="en-GB" dirty="0">
-                <a:solidFill>
-                  <a:srgbClr val="FF0000"/>
-                </a:solidFill>
-              </a:rPr>
-              <a:t>20181113_RNAseq_species_experiment</a:t>
-            </a:r>
-          </a:p>
-          <a:p>
-            <a:pPr marL="0" indent="0">
-              <a:buNone/>
-            </a:pPr>
-            <a:r>
-              <a:rPr lang="en-GB" dirty="0">
-                <a:solidFill>
-                  <a:srgbClr val="FF0000"/>
-                </a:solidFill>
-              </a:rPr>
-              <a:t>20181113_RNAseq_aphids_host_nonhost</a:t>
-            </a:r>
-          </a:p>
-          <a:p>
-            <a:r>
-              <a:rPr lang="en-GB" dirty="0"/>
-              <a:t>That is year/month/day, what the data is, species, experiment. </a:t>
-            </a:r>
-          </a:p>
-          <a:p>
-            <a:pPr marL="0" indent="0">
-              <a:buNone/>
-            </a:pPr>
-            <a:r>
-              <a:rPr lang="en-GB" dirty="0"/>
-              <a:t>Keep your scripts in this master raw folder (in a new folder), so it can be reproduced, or taken over by anyone who continues the project after you. </a:t>
+              <a:rPr lang="en-GB" dirty="0" err="1"/>
+              <a:t>shh</a:t>
+            </a:r>
+            <a:r>
+              <a:rPr lang="en-GB" dirty="0"/>
+              <a:t> directly into nodes will not be tolerated .. No punishment specified yet. Lets not get to that point.</a:t>
+            </a:r>
+          </a:p>
+          <a:p>
+            <a:r>
+              <a:rPr lang="en-GB" dirty="0"/>
+              <a:t>Please do not run multi-core jobs directly on the Marvin command line. Single core jobs which take less than 20 mins is ok. </a:t>
+            </a:r>
+          </a:p>
+          <a:p>
+            <a:r>
+              <a:rPr lang="en-GB" dirty="0"/>
+              <a:t>Jobs running on Marvin via the </a:t>
+            </a:r>
+            <a:r>
+              <a:rPr lang="en-GB" dirty="0" err="1"/>
+              <a:t>qsub</a:t>
+            </a:r>
+            <a:r>
+              <a:rPr lang="en-GB" dirty="0"/>
+              <a:t> system in ok. </a:t>
             </a:r>
           </a:p>
         </p:txBody>
@@ -7695,7 +8123,7 @@
     </p:spTree>
     <p:extLst>
       <p:ext uri="{BB962C8B-B14F-4D97-AF65-F5344CB8AC3E}">
-        <p14:creationId xmlns:p14="http://schemas.microsoft.com/office/powerpoint/2010/main" val="1621681248"/>
+        <p14:creationId xmlns:p14="http://schemas.microsoft.com/office/powerpoint/2010/main" val="884793455"/>
       </p:ext>
     </p:extLst>
   </p:cSld>
@@ -7727,7 +8155,7 @@
           <p:cNvPr id="2" name="Title 1">
             <a:extLst>
               <a:ext uri="{FF2B5EF4-FFF2-40B4-BE49-F238E27FC236}">
-                <a16:creationId xmlns:a16="http://schemas.microsoft.com/office/drawing/2014/main" id="{67E8D7B0-DA13-493B-8269-7D200DED3022}"/>
+                <a16:creationId xmlns:a16="http://schemas.microsoft.com/office/drawing/2014/main" id="{0E5CBACD-7B60-411D-87DE-F21A7140DE1D}"/>
               </a:ext>
             </a:extLst>
           </p:cNvPr>
@@ -7740,7 +8168,7 @@
         </p:nvSpPr>
         <p:spPr>
           <a:xfrm>
-            <a:off x="783956" y="-185065"/>
+            <a:off x="771525" y="-19837"/>
             <a:ext cx="10515600" cy="1325563"/>
           </a:xfrm>
         </p:spPr>
@@ -7750,12 +8178,8 @@
           <a:p>
             <a:pPr algn="ctr"/>
             <a:r>
-              <a:rPr lang="en-GB" dirty="0">
-                <a:solidFill>
-                  <a:srgbClr val="7030A0"/>
-                </a:solidFill>
-              </a:rPr>
-              <a:t>Wrap up: cluster etiquette</a:t>
+              <a:rPr lang="en-GB" dirty="0"/>
+              <a:t>The end</a:t>
             </a:r>
           </a:p>
         </p:txBody>
@@ -7765,7 +8189,7 @@
           <p:cNvPr id="3" name="Content Placeholder 2">
             <a:extLst>
               <a:ext uri="{FF2B5EF4-FFF2-40B4-BE49-F238E27FC236}">
-                <a16:creationId xmlns:a16="http://schemas.microsoft.com/office/drawing/2014/main" id="{BD6F7538-B245-4BEE-B036-661EB49D7337}"/>
+                <a16:creationId xmlns:a16="http://schemas.microsoft.com/office/drawing/2014/main" id="{1AED1575-3EDC-464E-B43B-E1245C9CF1C8}"/>
               </a:ext>
             </a:extLst>
           </p:cNvPr>
@@ -7776,51 +8200,58 @@
             <p:ph idx="1"/>
           </p:nvPr>
         </p:nvSpPr>
+        <p:spPr/>
+        <p:txBody>
+          <a:bodyPr/>
+          <a:lstStyle/>
+          <a:p>
+            <a:r>
+              <a:rPr lang="en-GB" dirty="0"/>
+              <a:t>Remember all bioinformatics is, it repeatedly pressing the red button and everything just happens</a:t>
+            </a:r>
+          </a:p>
+        </p:txBody>
+      </p:sp>
+      <p:pic>
+        <p:nvPicPr>
+          <p:cNvPr id="6" name="Picture 5" descr="A picture containing indoor, sitting, red, cup&#10;&#10;Description generated with very high confidence">
+            <a:extLst>
+              <a:ext uri="{FF2B5EF4-FFF2-40B4-BE49-F238E27FC236}">
+                <a16:creationId xmlns:a16="http://schemas.microsoft.com/office/drawing/2014/main" id="{7D4EE4B1-31A6-46D6-BDCF-675D4317859E}"/>
+              </a:ext>
+            </a:extLst>
+          </p:cNvPr>
+          <p:cNvPicPr>
+            <a:picLocks noChangeAspect="1"/>
+          </p:cNvPicPr>
+          <p:nvPr/>
+        </p:nvPicPr>
+        <p:blipFill>
+          <a:blip r:embed="rId2">
+            <a:extLst>
+              <a:ext uri="{28A0092B-C50C-407E-A947-70E740481C1C}">
+                <a14:useLocalDpi xmlns:a14="http://schemas.microsoft.com/office/drawing/2010/main" val="0"/>
+              </a:ext>
+            </a:extLst>
+          </a:blip>
+          <a:stretch>
+            <a:fillRect/>
+          </a:stretch>
+        </p:blipFill>
         <p:spPr>
           <a:xfrm>
-            <a:off x="249264" y="1321930"/>
-            <a:ext cx="11420959" cy="4351338"/>
+            <a:off x="3586571" y="3276710"/>
+            <a:ext cx="3761558" cy="3420152"/>
           </a:xfrm>
+          <a:prstGeom prst="rect">
+            <a:avLst/>
+          </a:prstGeom>
         </p:spPr>
-        <p:txBody>
-          <a:bodyPr/>
-          <a:lstStyle/>
-          <a:p>
-            <a:r>
-              <a:rPr lang="en-GB" dirty="0" err="1"/>
-              <a:t>shh</a:t>
-            </a:r>
-            <a:r>
-              <a:rPr lang="en-GB" dirty="0"/>
-              <a:t> directly into nodes will not be tolerated .. No punishment specified yet. Lets not get to that point.</a:t>
-            </a:r>
-          </a:p>
-          <a:p>
-            <a:r>
-              <a:rPr lang="en-GB" dirty="0"/>
-              <a:t>Please do not run multi-core jobs directly on the Marvin command line. Single core jobs which take less than 20 mins is ok. </a:t>
-            </a:r>
-          </a:p>
-          <a:p>
-            <a:r>
-              <a:rPr lang="en-GB" dirty="0"/>
-              <a:t>Jobs running on Marvin via the </a:t>
-            </a:r>
-            <a:r>
-              <a:rPr lang="en-GB" dirty="0" err="1"/>
-              <a:t>qsub</a:t>
-            </a:r>
-            <a:r>
-              <a:rPr lang="en-GB" dirty="0"/>
-              <a:t> system in ok. </a:t>
-            </a:r>
-          </a:p>
-        </p:txBody>
-      </p:sp>
+      </p:pic>
     </p:spTree>
     <p:extLst>
       <p:ext uri="{BB962C8B-B14F-4D97-AF65-F5344CB8AC3E}">
-        <p14:creationId xmlns:p14="http://schemas.microsoft.com/office/powerpoint/2010/main" val="884793455"/>
+        <p14:creationId xmlns:p14="http://schemas.microsoft.com/office/powerpoint/2010/main" val="1874206286"/>
       </p:ext>
     </p:extLst>
   </p:cSld>
@@ -8112,7 +8543,7 @@
           <p:cNvPr id="2" name="Title 1">
             <a:extLst>
               <a:ext uri="{FF2B5EF4-FFF2-40B4-BE49-F238E27FC236}">
-                <a16:creationId xmlns:a16="http://schemas.microsoft.com/office/drawing/2014/main" id="{0E5CBACD-7B60-411D-87DE-F21A7140DE1D}"/>
+                <a16:creationId xmlns:a16="http://schemas.microsoft.com/office/drawing/2014/main" id="{67E8D7B0-DA13-493B-8269-7D200DED3022}"/>
               </a:ext>
             </a:extLst>
           </p:cNvPr>
@@ -8125,7 +8556,7 @@
         </p:nvSpPr>
         <p:spPr>
           <a:xfrm>
-            <a:off x="771525" y="-19837"/>
+            <a:off x="783956" y="-185065"/>
             <a:ext cx="10515600" cy="1325563"/>
           </a:xfrm>
         </p:spPr>
@@ -8135,8 +8566,12 @@
           <a:p>
             <a:pPr algn="ctr"/>
             <a:r>
-              <a:rPr lang="en-GB" dirty="0"/>
-              <a:t>The end</a:t>
+              <a:rPr lang="en-GB" dirty="0">
+                <a:solidFill>
+                  <a:srgbClr val="7030A0"/>
+                </a:solidFill>
+              </a:rPr>
+              <a:t>SNP calling example</a:t>
             </a:r>
           </a:p>
         </p:txBody>
@@ -8146,7 +8581,7 @@
           <p:cNvPr id="3" name="Content Placeholder 2">
             <a:extLst>
               <a:ext uri="{FF2B5EF4-FFF2-40B4-BE49-F238E27FC236}">
-                <a16:creationId xmlns:a16="http://schemas.microsoft.com/office/drawing/2014/main" id="{1AED1575-3EDC-464E-B43B-E1245C9CF1C8}"/>
+                <a16:creationId xmlns:a16="http://schemas.microsoft.com/office/drawing/2014/main" id="{BD6F7538-B245-4BEE-B036-661EB49D7337}"/>
               </a:ext>
             </a:extLst>
           </p:cNvPr>
@@ -8157,58 +8592,72 @@
             <p:ph idx="1"/>
           </p:nvPr>
         </p:nvSpPr>
-        <p:spPr/>
+        <p:spPr>
+          <a:xfrm>
+            <a:off x="249264" y="1321930"/>
+            <a:ext cx="11420959" cy="4351338"/>
+          </a:xfrm>
+        </p:spPr>
         <p:txBody>
           <a:bodyPr/>
           <a:lstStyle/>
           <a:p>
             <a:r>
               <a:rPr lang="en-GB" dirty="0"/>
-              <a:t>Remember all bioinformatics is, it repeatedly pressing the red button and everything just happens</a:t>
-            </a:r>
-          </a:p>
-        </p:txBody>
-      </p:sp>
-      <p:pic>
-        <p:nvPicPr>
-          <p:cNvPr id="6" name="Picture 5" descr="A picture containing indoor, sitting, red, cup&#10;&#10;Description generated with very high confidence">
-            <a:extLst>
-              <a:ext uri="{FF2B5EF4-FFF2-40B4-BE49-F238E27FC236}">
-                <a16:creationId xmlns:a16="http://schemas.microsoft.com/office/drawing/2014/main" id="{7D4EE4B1-31A6-46D6-BDCF-675D4317859E}"/>
-              </a:ext>
-            </a:extLst>
-          </p:cNvPr>
-          <p:cNvPicPr>
-            <a:picLocks noChangeAspect="1"/>
-          </p:cNvPicPr>
-          <p:nvPr/>
-        </p:nvPicPr>
-        <p:blipFill>
-          <a:blip r:embed="rId2">
-            <a:extLst>
-              <a:ext uri="{28A0092B-C50C-407E-A947-70E740481C1C}">
-                <a14:useLocalDpi xmlns:a14="http://schemas.microsoft.com/office/drawing/2010/main" val="0"/>
-              </a:ext>
-            </a:extLst>
-          </a:blip>
-          <a:stretch>
-            <a:fillRect/>
-          </a:stretch>
-        </p:blipFill>
-        <p:spPr>
-          <a:xfrm>
-            <a:off x="3586571" y="3276710"/>
-            <a:ext cx="3761558" cy="3420152"/>
-          </a:xfrm>
-          <a:prstGeom prst="rect">
-            <a:avLst/>
-          </a:prstGeom>
-        </p:spPr>
-      </p:pic>
+              <a:t>If we get to this bit. Well done. You were fast!</a:t>
+            </a:r>
+          </a:p>
+          <a:p>
+            <a:r>
+              <a:rPr lang="en-GB" dirty="0"/>
+              <a:t>Ok, so open </a:t>
+            </a:r>
+            <a:r>
+              <a:rPr lang="en-GB" dirty="0">
+                <a:solidFill>
+                  <a:srgbClr val="0070C0"/>
+                </a:solidFill>
+              </a:rPr>
+              <a:t>./shell_scripts/basic_SNP_calling.sh</a:t>
+            </a:r>
+          </a:p>
+          <a:p>
+            <a:r>
+              <a:rPr lang="en-GB" dirty="0"/>
+              <a:t>This has the basic workflow to call and characterise the effects of SNPs. </a:t>
+            </a:r>
+          </a:p>
+          <a:p>
+            <a:r>
+              <a:rPr lang="en-GB" dirty="0"/>
+              <a:t>Be careful, this will not work directly on your data… (ploidy, </a:t>
+            </a:r>
+            <a:r>
+              <a:rPr lang="en-GB" dirty="0" err="1"/>
+              <a:t>SNPeff</a:t>
+            </a:r>
+            <a:r>
+              <a:rPr lang="en-GB" dirty="0"/>
+              <a:t> database…)</a:t>
+            </a:r>
+          </a:p>
+          <a:p>
+            <a:r>
+              <a:rPr lang="en-GB" dirty="0"/>
+              <a:t>Read up on the tools and adjust </a:t>
+            </a:r>
+            <a:r>
+              <a:rPr lang="en-GB"/>
+              <a:t>as required. </a:t>
+            </a:r>
+            <a:endParaRPr lang="en-GB" dirty="0"/>
+          </a:p>
+        </p:txBody>
+      </p:sp>
     </p:spTree>
     <p:extLst>
       <p:ext uri="{BB962C8B-B14F-4D97-AF65-F5344CB8AC3E}">
-        <p14:creationId xmlns:p14="http://schemas.microsoft.com/office/powerpoint/2010/main" val="1874206286"/>
+        <p14:creationId xmlns:p14="http://schemas.microsoft.com/office/powerpoint/2010/main" val="3490692401"/>
       </p:ext>
     </p:extLst>
   </p:cSld>
@@ -8240,152 +8689,6 @@
           <p:cNvPr id="2" name="Title 1">
             <a:extLst>
               <a:ext uri="{FF2B5EF4-FFF2-40B4-BE49-F238E27FC236}">
-                <a16:creationId xmlns:a16="http://schemas.microsoft.com/office/drawing/2014/main" id="{67E8D7B0-DA13-493B-8269-7D200DED3022}"/>
-              </a:ext>
-            </a:extLst>
-          </p:cNvPr>
-          <p:cNvSpPr>
-            <a:spLocks noGrp="1"/>
-          </p:cNvSpPr>
-          <p:nvPr>
-            <p:ph type="title"/>
-          </p:nvPr>
-        </p:nvSpPr>
-        <p:spPr>
-          <a:xfrm>
-            <a:off x="783956" y="-185065"/>
-            <a:ext cx="10515600" cy="1325563"/>
-          </a:xfrm>
-        </p:spPr>
-        <p:txBody>
-          <a:bodyPr/>
-          <a:lstStyle/>
-          <a:p>
-            <a:pPr algn="ctr"/>
-            <a:r>
-              <a:rPr lang="en-GB" dirty="0">
-                <a:solidFill>
-                  <a:srgbClr val="7030A0"/>
-                </a:solidFill>
-              </a:rPr>
-              <a:t>SNP calling example</a:t>
-            </a:r>
-          </a:p>
-        </p:txBody>
-      </p:sp>
-      <p:sp>
-        <p:nvSpPr>
-          <p:cNvPr id="3" name="Content Placeholder 2">
-            <a:extLst>
-              <a:ext uri="{FF2B5EF4-FFF2-40B4-BE49-F238E27FC236}">
-                <a16:creationId xmlns:a16="http://schemas.microsoft.com/office/drawing/2014/main" id="{BD6F7538-B245-4BEE-B036-661EB49D7337}"/>
-              </a:ext>
-            </a:extLst>
-          </p:cNvPr>
-          <p:cNvSpPr>
-            <a:spLocks noGrp="1"/>
-          </p:cNvSpPr>
-          <p:nvPr>
-            <p:ph idx="1"/>
-          </p:nvPr>
-        </p:nvSpPr>
-        <p:spPr>
-          <a:xfrm>
-            <a:off x="249264" y="1321930"/>
-            <a:ext cx="11420959" cy="4351338"/>
-          </a:xfrm>
-        </p:spPr>
-        <p:txBody>
-          <a:bodyPr/>
-          <a:lstStyle/>
-          <a:p>
-            <a:r>
-              <a:rPr lang="en-GB" dirty="0"/>
-              <a:t>If we get to this bit. Well done. You were fast!</a:t>
-            </a:r>
-          </a:p>
-          <a:p>
-            <a:r>
-              <a:rPr lang="en-GB" dirty="0"/>
-              <a:t>Ok, so open </a:t>
-            </a:r>
-            <a:r>
-              <a:rPr lang="en-GB" dirty="0">
-                <a:solidFill>
-                  <a:srgbClr val="0070C0"/>
-                </a:solidFill>
-              </a:rPr>
-              <a:t>./shell_scripts/basic_SNP_calling.sh</a:t>
-            </a:r>
-          </a:p>
-          <a:p>
-            <a:r>
-              <a:rPr lang="en-GB" dirty="0"/>
-              <a:t>This has the basic workflow to call and characterise the effects of SNPs. </a:t>
-            </a:r>
-          </a:p>
-          <a:p>
-            <a:r>
-              <a:rPr lang="en-GB" dirty="0"/>
-              <a:t>Be careful, this will not work directly on your data… (ploidy, </a:t>
-            </a:r>
-            <a:r>
-              <a:rPr lang="en-GB" dirty="0" err="1"/>
-              <a:t>SNPeff</a:t>
-            </a:r>
-            <a:r>
-              <a:rPr lang="en-GB" dirty="0"/>
-              <a:t> database…)</a:t>
-            </a:r>
-          </a:p>
-          <a:p>
-            <a:r>
-              <a:rPr lang="en-GB" dirty="0"/>
-              <a:t>Read up on the tools and adjust </a:t>
-            </a:r>
-            <a:r>
-              <a:rPr lang="en-GB"/>
-              <a:t>as required. </a:t>
-            </a:r>
-            <a:endParaRPr lang="en-GB" dirty="0"/>
-          </a:p>
-        </p:txBody>
-      </p:sp>
-    </p:spTree>
-    <p:extLst>
-      <p:ext uri="{BB962C8B-B14F-4D97-AF65-F5344CB8AC3E}">
-        <p14:creationId xmlns:p14="http://schemas.microsoft.com/office/powerpoint/2010/main" val="3490692401"/>
-      </p:ext>
-    </p:extLst>
-  </p:cSld>
-  <p:clrMapOvr>
-    <a:masterClrMapping/>
-  </p:clrMapOvr>
-</p:sld>
-</file>
-
-<file path=ppt/slides/slide32.xml><?xml version="1.0" encoding="utf-8"?>
-<p:sld xmlns:a="http://schemas.openxmlformats.org/drawingml/2006/main" xmlns:r="http://schemas.openxmlformats.org/officeDocument/2006/relationships" xmlns:p="http://schemas.openxmlformats.org/presentationml/2006/main">
-  <p:cSld>
-    <p:spTree>
-      <p:nvGrpSpPr>
-        <p:cNvPr id="1" name=""/>
-        <p:cNvGrpSpPr/>
-        <p:nvPr/>
-      </p:nvGrpSpPr>
-      <p:grpSpPr>
-        <a:xfrm>
-          <a:off x="0" y="0"/>
-          <a:ext cx="0" cy="0"/>
-          <a:chOff x="0" y="0"/>
-          <a:chExt cx="0" cy="0"/>
-        </a:xfrm>
-      </p:grpSpPr>
-      <p:sp>
-        <p:nvSpPr>
-          <p:cNvPr id="2" name="Title 1">
-            <a:extLst>
-              <a:ext uri="{FF2B5EF4-FFF2-40B4-BE49-F238E27FC236}">
                 <a16:creationId xmlns:a16="http://schemas.microsoft.com/office/drawing/2014/main" id="{C9435967-4C4A-4A1B-BC48-ABF4C41794F2}"/>
               </a:ext>
             </a:extLst>
@@ -8553,7 +8856,7 @@
 </p:sld>
 </file>
 
-<file path=ppt/slides/slide33.xml><?xml version="1.0" encoding="utf-8"?>
+<file path=ppt/slides/slide32.xml><?xml version="1.0" encoding="utf-8"?>
 <p:sld xmlns:a="http://schemas.openxmlformats.org/drawingml/2006/main" xmlns:r="http://schemas.openxmlformats.org/officeDocument/2006/relationships" xmlns:p="http://schemas.openxmlformats.org/presentationml/2006/main">
   <p:cSld>
     <p:spTree>
@@ -9321,1150 +9624,71 @@
       </p:grpSpPr>
       <p:sp>
         <p:nvSpPr>
-          <p:cNvPr id="2" name="Title 1">
-            <a:extLst>
-              <a:ext uri="{FF2B5EF4-FFF2-40B4-BE49-F238E27FC236}">
-                <a16:creationId xmlns:a16="http://schemas.microsoft.com/office/drawing/2014/main" id="{5AE26ACD-13EE-4F25-BD78-B7E2CAE4C3F7}"/>
-              </a:ext>
-            </a:extLst>
-          </p:cNvPr>
-          <p:cNvSpPr>
-            <a:spLocks noGrp="1"/>
-          </p:cNvSpPr>
-          <p:nvPr>
-            <p:ph type="title"/>
-          </p:nvPr>
+          <p:cNvPr id="9" name="Rectangle 8">
+            <a:extLst>
+              <a:ext uri="{FF2B5EF4-FFF2-40B4-BE49-F238E27FC236}">
+                <a16:creationId xmlns:a16="http://schemas.microsoft.com/office/drawing/2014/main" id="{68488D61-D81C-49D9-8CC4-B9D5B895D0BF}"/>
+              </a:ext>
+            </a:extLst>
+          </p:cNvPr>
+          <p:cNvSpPr/>
+          <p:nvPr/>
         </p:nvSpPr>
         <p:spPr>
           <a:xfrm>
-            <a:off x="838200" y="-238125"/>
-            <a:ext cx="10515600" cy="1325563"/>
+            <a:off x="9625782" y="1"/>
+            <a:ext cx="1042219" cy="1396181"/>
           </a:xfrm>
+          <a:prstGeom prst="rect">
+            <a:avLst/>
+          </a:prstGeom>
+          <a:solidFill>
+            <a:schemeClr val="bg1"/>
+          </a:solidFill>
+          <a:ln>
+            <a:noFill/>
+          </a:ln>
+          <a:effectLst/>
         </p:spPr>
-        <p:txBody>
-          <a:bodyPr/>
+        <p:style>
+          <a:lnRef idx="1">
+            <a:schemeClr val="accent1"/>
+          </a:lnRef>
+          <a:fillRef idx="3">
+            <a:schemeClr val="accent1"/>
+          </a:fillRef>
+          <a:effectRef idx="2">
+            <a:schemeClr val="accent1"/>
+          </a:effectRef>
+          <a:fontRef idx="minor">
+            <a:schemeClr val="lt1"/>
+          </a:fontRef>
+        </p:style>
+        <p:txBody>
+          <a:bodyPr rtlCol="0" anchor="ctr"/>
           <a:lstStyle/>
           <a:p>
             <a:pPr algn="ctr"/>
-            <a:r>
-              <a:rPr lang="en-GB" dirty="0">
-                <a:solidFill>
-                  <a:srgbClr val="7030A0"/>
-                </a:solidFill>
-              </a:rPr>
-              <a:t>1) Cluster overview: Marvin overview</a:t>
-            </a:r>
-          </a:p>
-        </p:txBody>
-      </p:sp>
-      <p:sp>
-        <p:nvSpPr>
-          <p:cNvPr id="3" name="Content Placeholder 2">
-            <a:extLst>
-              <a:ext uri="{FF2B5EF4-FFF2-40B4-BE49-F238E27FC236}">
-                <a16:creationId xmlns:a16="http://schemas.microsoft.com/office/drawing/2014/main" id="{ABB0803D-1206-42B3-B051-FA36CC314AB1}"/>
-              </a:ext>
-            </a:extLst>
-          </p:cNvPr>
-          <p:cNvSpPr>
-            <a:spLocks noGrp="1"/>
-          </p:cNvSpPr>
-          <p:nvPr>
-            <p:ph idx="1"/>
-          </p:nvPr>
+            <a:endParaRPr lang="en-GB" dirty="0"/>
+          </a:p>
+        </p:txBody>
+      </p:sp>
+      <p:sp>
+        <p:nvSpPr>
+          <p:cNvPr id="7" name="Arrow: Right 6">
+            <a:extLst>
+              <a:ext uri="{FF2B5EF4-FFF2-40B4-BE49-F238E27FC236}">
+                <a16:creationId xmlns:a16="http://schemas.microsoft.com/office/drawing/2014/main" id="{2E7471E7-84A1-4362-BAB8-63B97C07718D}"/>
+              </a:ext>
+            </a:extLst>
+          </p:cNvPr>
+          <p:cNvSpPr/>
+          <p:nvPr/>
         </p:nvSpPr>
         <p:spPr>
           <a:xfrm>
-            <a:off x="1676400" y="944727"/>
-            <a:ext cx="8839200" cy="1325563"/>
-          </a:xfrm>
-        </p:spPr>
-        <p:txBody>
-          <a:bodyPr>
-            <a:normAutofit fontScale="77500" lnSpcReduction="20000"/>
-          </a:bodyPr>
-          <a:lstStyle/>
-          <a:p>
-            <a:r>
-              <a:rPr lang="en-GB" dirty="0"/>
-              <a:t>10 nodes. Biggest node has 500GB of RAM.</a:t>
-            </a:r>
-          </a:p>
-          <a:p>
-            <a:r>
-              <a:rPr lang="en-GB" dirty="0"/>
-              <a:t>Grant application = more CPUS and lots more RAM.</a:t>
-            </a:r>
-          </a:p>
-          <a:p>
-            <a:r>
-              <a:rPr lang="en-GB" dirty="0"/>
-              <a:t>Also a node with 4 graphics cards for deep learning and image analysis. </a:t>
-            </a:r>
-          </a:p>
-        </p:txBody>
-      </p:sp>
-      <p:graphicFrame>
-        <p:nvGraphicFramePr>
-          <p:cNvPr id="5" name="Table 4">
-            <a:extLst>
-              <a:ext uri="{FF2B5EF4-FFF2-40B4-BE49-F238E27FC236}">
-                <a16:creationId xmlns:a16="http://schemas.microsoft.com/office/drawing/2014/main" id="{230D5A6A-7066-4675-B258-56A720D65AE5}"/>
-              </a:ext>
-            </a:extLst>
-          </p:cNvPr>
-          <p:cNvGraphicFramePr>
-            <a:graphicFrameLocks noGrp="1"/>
-          </p:cNvGraphicFramePr>
-          <p:nvPr>
-            <p:extLst>
-              <p:ext uri="{D42A27DB-BD31-4B8C-83A1-F6EECF244321}">
-                <p14:modId xmlns:p14="http://schemas.microsoft.com/office/powerpoint/2010/main" val="3098270947"/>
-              </p:ext>
-            </p:extLst>
-          </p:nvPr>
-        </p:nvGraphicFramePr>
-        <p:xfrm>
-          <a:off x="6849836" y="2518228"/>
-          <a:ext cx="4800598" cy="3986658"/>
-        </p:xfrm>
-        <a:graphic>
-          <a:graphicData uri="http://schemas.openxmlformats.org/drawingml/2006/table">
-            <a:tbl>
-              <a:tblPr>
-                <a:tableStyleId>{5C22544A-7EE6-4342-B048-85BDC9FD1C3A}</a:tableStyleId>
-              </a:tblPr>
-              <a:tblGrid>
-                <a:gridCol w="1846384">
-                  <a:extLst>
-                    <a:ext uri="{9D8B030D-6E8A-4147-A177-3AD203B41FA5}">
-                      <a16:colId xmlns:a16="http://schemas.microsoft.com/office/drawing/2014/main" val="966532075"/>
-                    </a:ext>
-                  </a:extLst>
-                </a:gridCol>
-                <a:gridCol w="1477107">
-                  <a:extLst>
-                    <a:ext uri="{9D8B030D-6E8A-4147-A177-3AD203B41FA5}">
-                      <a16:colId xmlns:a16="http://schemas.microsoft.com/office/drawing/2014/main" val="659192450"/>
-                    </a:ext>
-                  </a:extLst>
-                </a:gridCol>
-                <a:gridCol w="1477107">
-                  <a:extLst>
-                    <a:ext uri="{9D8B030D-6E8A-4147-A177-3AD203B41FA5}">
-                      <a16:colId xmlns:a16="http://schemas.microsoft.com/office/drawing/2014/main" val="1678895285"/>
-                    </a:ext>
-                  </a:extLst>
-                </a:gridCol>
-              </a:tblGrid>
-              <a:tr h="306666">
-                <a:tc>
-                  <a:txBody>
-                    <a:bodyPr/>
-                    <a:lstStyle/>
-                    <a:p>
-                      <a:pPr algn="ctr" fontAlgn="b"/>
-                      <a:r>
-                        <a:rPr lang="en-GB" sz="1800" b="1" u="none" strike="noStrike" dirty="0">
-                          <a:effectLst/>
-                        </a:rPr>
-                        <a:t>HOSTNAME</a:t>
-                      </a:r>
-                      <a:endParaRPr lang="en-GB" sz="1800" b="1" i="0" u="none" strike="noStrike" dirty="0">
-                        <a:solidFill>
-                          <a:srgbClr val="000000"/>
-                        </a:solidFill>
-                        <a:effectLst/>
-                        <a:latin typeface="Calibri" panose="020F0502020204030204" pitchFamily="34" charset="0"/>
-                      </a:endParaRPr>
-                    </a:p>
-                  </a:txBody>
-                  <a:tcPr marL="9525" marR="9525" marT="9525" marB="0" anchor="b"/>
-                </a:tc>
-                <a:tc>
-                  <a:txBody>
-                    <a:bodyPr/>
-                    <a:lstStyle/>
-                    <a:p>
-                      <a:pPr algn="ctr" fontAlgn="b"/>
-                      <a:r>
-                        <a:rPr lang="en-GB" sz="1800" b="1" u="none" strike="noStrike" dirty="0">
-                          <a:effectLst/>
-                        </a:rPr>
-                        <a:t>CPUs</a:t>
-                      </a:r>
-                      <a:endParaRPr lang="en-GB" sz="1800" b="1" i="0" u="none" strike="noStrike" dirty="0">
-                        <a:solidFill>
-                          <a:srgbClr val="000000"/>
-                        </a:solidFill>
-                        <a:effectLst/>
-                        <a:latin typeface="Calibri" panose="020F0502020204030204" pitchFamily="34" charset="0"/>
-                      </a:endParaRPr>
-                    </a:p>
-                  </a:txBody>
-                  <a:tcPr marL="9525" marR="9525" marT="9525" marB="0" anchor="b"/>
-                </a:tc>
-                <a:tc>
-                  <a:txBody>
-                    <a:bodyPr/>
-                    <a:lstStyle/>
-                    <a:p>
-                      <a:pPr algn="ctr" fontAlgn="b"/>
-                      <a:r>
-                        <a:rPr lang="en-GB" sz="1800" b="1" u="none" strike="noStrike" dirty="0">
-                          <a:effectLst/>
-                        </a:rPr>
-                        <a:t>Memory</a:t>
-                      </a:r>
-                      <a:endParaRPr lang="en-GB" sz="1800" b="1" i="0" u="none" strike="noStrike" dirty="0">
-                        <a:solidFill>
-                          <a:srgbClr val="000000"/>
-                        </a:solidFill>
-                        <a:effectLst/>
-                        <a:latin typeface="Calibri" panose="020F0502020204030204" pitchFamily="34" charset="0"/>
-                      </a:endParaRPr>
-                    </a:p>
-                  </a:txBody>
-                  <a:tcPr marL="9525" marR="9525" marT="9525" marB="0" anchor="b"/>
-                </a:tc>
-                <a:extLst>
-                  <a:ext uri="{0D108BD9-81ED-4DB2-BD59-A6C34878D82A}">
-                    <a16:rowId xmlns:a16="http://schemas.microsoft.com/office/drawing/2014/main" val="3056400290"/>
-                  </a:ext>
-                </a:extLst>
-              </a:tr>
-              <a:tr h="306666">
-                <a:tc>
-                  <a:txBody>
-                    <a:bodyPr/>
-                    <a:lstStyle/>
-                    <a:p>
-                      <a:pPr algn="ctr" fontAlgn="b"/>
-                      <a:r>
-                        <a:rPr lang="en-GB" sz="1800" u="none" strike="noStrike" dirty="0" err="1">
-                          <a:effectLst/>
-                        </a:rPr>
-                        <a:t>marvin</a:t>
-                      </a:r>
-                      <a:endParaRPr lang="en-GB" sz="1800" b="0" i="0" u="none" strike="noStrike" dirty="0">
-                        <a:solidFill>
-                          <a:srgbClr val="000000"/>
-                        </a:solidFill>
-                        <a:effectLst/>
-                        <a:latin typeface="Calibri" panose="020F0502020204030204" pitchFamily="34" charset="0"/>
-                      </a:endParaRPr>
-                    </a:p>
-                  </a:txBody>
-                  <a:tcPr marL="9525" marR="9525" marT="9525" marB="0" anchor="b"/>
-                </a:tc>
-                <a:tc>
-                  <a:txBody>
-                    <a:bodyPr/>
-                    <a:lstStyle/>
-                    <a:p>
-                      <a:pPr algn="ctr" fontAlgn="b"/>
-                      <a:r>
-                        <a:rPr lang="en-GB" sz="1800" u="none" strike="noStrike">
-                          <a:effectLst/>
-                        </a:rPr>
-                        <a:t>32</a:t>
-                      </a:r>
-                      <a:endParaRPr lang="en-GB" sz="1800" b="0" i="0" u="none" strike="noStrike">
-                        <a:solidFill>
-                          <a:srgbClr val="000000"/>
-                        </a:solidFill>
-                        <a:effectLst/>
-                        <a:latin typeface="Calibri" panose="020F0502020204030204" pitchFamily="34" charset="0"/>
-                      </a:endParaRPr>
-                    </a:p>
-                  </a:txBody>
-                  <a:tcPr marL="9525" marR="9525" marT="9525" marB="0" anchor="b"/>
-                </a:tc>
-                <a:tc>
-                  <a:txBody>
-                    <a:bodyPr/>
-                    <a:lstStyle/>
-                    <a:p>
-                      <a:pPr algn="ctr" fontAlgn="b"/>
-                      <a:r>
-                        <a:rPr lang="en-GB" sz="1800" u="none" strike="noStrike">
-                          <a:effectLst/>
-                        </a:rPr>
-                        <a:t>504.8G</a:t>
-                      </a:r>
-                      <a:endParaRPr lang="en-GB" sz="1800" b="0" i="0" u="none" strike="noStrike">
-                        <a:solidFill>
-                          <a:srgbClr val="000000"/>
-                        </a:solidFill>
-                        <a:effectLst/>
-                        <a:latin typeface="Calibri" panose="020F0502020204030204" pitchFamily="34" charset="0"/>
-                      </a:endParaRPr>
-                    </a:p>
-                  </a:txBody>
-                  <a:tcPr marL="9525" marR="9525" marT="9525" marB="0" anchor="b"/>
-                </a:tc>
-                <a:extLst>
-                  <a:ext uri="{0D108BD9-81ED-4DB2-BD59-A6C34878D82A}">
-                    <a16:rowId xmlns:a16="http://schemas.microsoft.com/office/drawing/2014/main" val="1461936217"/>
-                  </a:ext>
-                </a:extLst>
-              </a:tr>
-              <a:tr h="306666">
-                <a:tc>
-                  <a:txBody>
-                    <a:bodyPr/>
-                    <a:lstStyle/>
-                    <a:p>
-                      <a:pPr algn="ctr" fontAlgn="b"/>
-                      <a:r>
-                        <a:rPr lang="en-GB" sz="1800" u="none" strike="noStrike" dirty="0">
-                          <a:effectLst/>
-                        </a:rPr>
-                        <a:t>node1</a:t>
-                      </a:r>
-                      <a:endParaRPr lang="en-GB" sz="1800" b="0" i="0" u="none" strike="noStrike" dirty="0">
-                        <a:solidFill>
-                          <a:srgbClr val="000000"/>
-                        </a:solidFill>
-                        <a:effectLst/>
-                        <a:latin typeface="Calibri" panose="020F0502020204030204" pitchFamily="34" charset="0"/>
-                      </a:endParaRPr>
-                    </a:p>
-                  </a:txBody>
-                  <a:tcPr marL="9525" marR="9525" marT="9525" marB="0" anchor="b"/>
-                </a:tc>
-                <a:tc>
-                  <a:txBody>
-                    <a:bodyPr/>
-                    <a:lstStyle/>
-                    <a:p>
-                      <a:pPr algn="ctr" fontAlgn="b"/>
-                      <a:r>
-                        <a:rPr lang="en-GB" sz="1800" u="none" strike="noStrike" dirty="0">
-                          <a:effectLst/>
-                        </a:rPr>
-                        <a:t>16</a:t>
-                      </a:r>
-                      <a:endParaRPr lang="en-GB" sz="1800" b="0" i="0" u="none" strike="noStrike" dirty="0">
-                        <a:solidFill>
-                          <a:srgbClr val="000000"/>
-                        </a:solidFill>
-                        <a:effectLst/>
-                        <a:latin typeface="Calibri" panose="020F0502020204030204" pitchFamily="34" charset="0"/>
-                      </a:endParaRPr>
-                    </a:p>
-                  </a:txBody>
-                  <a:tcPr marL="9525" marR="9525" marT="9525" marB="0" anchor="b"/>
-                </a:tc>
-                <a:tc>
-                  <a:txBody>
-                    <a:bodyPr/>
-                    <a:lstStyle/>
-                    <a:p>
-                      <a:pPr algn="ctr" fontAlgn="b"/>
-                      <a:r>
-                        <a:rPr lang="en-GB" sz="1800" u="none" strike="noStrike">
-                          <a:effectLst/>
-                        </a:rPr>
-                        <a:t>126.0G</a:t>
-                      </a:r>
-                      <a:endParaRPr lang="en-GB" sz="1800" b="0" i="0" u="none" strike="noStrike">
-                        <a:solidFill>
-                          <a:srgbClr val="000000"/>
-                        </a:solidFill>
-                        <a:effectLst/>
-                        <a:latin typeface="Calibri" panose="020F0502020204030204" pitchFamily="34" charset="0"/>
-                      </a:endParaRPr>
-                    </a:p>
-                  </a:txBody>
-                  <a:tcPr marL="9525" marR="9525" marT="9525" marB="0" anchor="b"/>
-                </a:tc>
-                <a:extLst>
-                  <a:ext uri="{0D108BD9-81ED-4DB2-BD59-A6C34878D82A}">
-                    <a16:rowId xmlns:a16="http://schemas.microsoft.com/office/drawing/2014/main" val="1125200419"/>
-                  </a:ext>
-                </a:extLst>
-              </a:tr>
-              <a:tr h="306666">
-                <a:tc>
-                  <a:txBody>
-                    <a:bodyPr/>
-                    <a:lstStyle/>
-                    <a:p>
-                      <a:pPr algn="ctr" fontAlgn="b"/>
-                      <a:r>
-                        <a:rPr lang="en-GB" sz="1800" u="none" strike="noStrike" dirty="0">
-                          <a:effectLst/>
-                        </a:rPr>
-                        <a:t>node10</a:t>
-                      </a:r>
-                      <a:endParaRPr lang="en-GB" sz="1800" b="0" i="0" u="none" strike="noStrike" dirty="0">
-                        <a:solidFill>
-                          <a:srgbClr val="000000"/>
-                        </a:solidFill>
-                        <a:effectLst/>
-                        <a:latin typeface="Calibri" panose="020F0502020204030204" pitchFamily="34" charset="0"/>
-                      </a:endParaRPr>
-                    </a:p>
-                  </a:txBody>
-                  <a:tcPr marL="9525" marR="9525" marT="9525" marB="0" anchor="b"/>
-                </a:tc>
-                <a:tc>
-                  <a:txBody>
-                    <a:bodyPr/>
-                    <a:lstStyle/>
-                    <a:p>
-                      <a:pPr algn="ctr" fontAlgn="b"/>
-                      <a:r>
-                        <a:rPr lang="en-GB" sz="1800" u="none" strike="noStrike" dirty="0">
-                          <a:effectLst/>
-                        </a:rPr>
-                        <a:t>16</a:t>
-                      </a:r>
-                      <a:endParaRPr lang="en-GB" sz="1800" b="0" i="0" u="none" strike="noStrike" dirty="0">
-                        <a:solidFill>
-                          <a:srgbClr val="000000"/>
-                        </a:solidFill>
-                        <a:effectLst/>
-                        <a:latin typeface="Calibri" panose="020F0502020204030204" pitchFamily="34" charset="0"/>
-                      </a:endParaRPr>
-                    </a:p>
-                  </a:txBody>
-                  <a:tcPr marL="9525" marR="9525" marT="9525" marB="0" anchor="b"/>
-                </a:tc>
-                <a:tc>
-                  <a:txBody>
-                    <a:bodyPr/>
-                    <a:lstStyle/>
-                    <a:p>
-                      <a:pPr algn="ctr" fontAlgn="b"/>
-                      <a:r>
-                        <a:rPr lang="en-GB" sz="1800" u="none" strike="noStrike" dirty="0">
-                          <a:effectLst/>
-                        </a:rPr>
-                        <a:t>252.3G</a:t>
-                      </a:r>
-                      <a:endParaRPr lang="en-GB" sz="1800" b="0" i="0" u="none" strike="noStrike" dirty="0">
-                        <a:solidFill>
-                          <a:srgbClr val="000000"/>
-                        </a:solidFill>
-                        <a:effectLst/>
-                        <a:latin typeface="Calibri" panose="020F0502020204030204" pitchFamily="34" charset="0"/>
-                      </a:endParaRPr>
-                    </a:p>
-                  </a:txBody>
-                  <a:tcPr marL="9525" marR="9525" marT="9525" marB="0" anchor="b"/>
-                </a:tc>
-                <a:extLst>
-                  <a:ext uri="{0D108BD9-81ED-4DB2-BD59-A6C34878D82A}">
-                    <a16:rowId xmlns:a16="http://schemas.microsoft.com/office/drawing/2014/main" val="2011636350"/>
-                  </a:ext>
-                </a:extLst>
-              </a:tr>
-              <a:tr h="306666">
-                <a:tc>
-                  <a:txBody>
-                    <a:bodyPr/>
-                    <a:lstStyle/>
-                    <a:p>
-                      <a:pPr algn="ctr" fontAlgn="b"/>
-                      <a:r>
-                        <a:rPr lang="en-GB" sz="1800" u="none" strike="noStrike" dirty="0">
-                          <a:effectLst/>
-                        </a:rPr>
-                        <a:t>node2</a:t>
-                      </a:r>
-                      <a:endParaRPr lang="en-GB" sz="1800" b="0" i="0" u="none" strike="noStrike" dirty="0">
-                        <a:solidFill>
-                          <a:srgbClr val="000000"/>
-                        </a:solidFill>
-                        <a:effectLst/>
-                        <a:latin typeface="Calibri" panose="020F0502020204030204" pitchFamily="34" charset="0"/>
-                      </a:endParaRPr>
-                    </a:p>
-                  </a:txBody>
-                  <a:tcPr marL="9525" marR="9525" marT="9525" marB="0" anchor="b"/>
-                </a:tc>
-                <a:tc>
-                  <a:txBody>
-                    <a:bodyPr/>
-                    <a:lstStyle/>
-                    <a:p>
-                      <a:pPr algn="ctr" fontAlgn="b"/>
-                      <a:r>
-                        <a:rPr lang="en-GB" sz="1800" u="none" strike="noStrike" dirty="0">
-                          <a:effectLst/>
-                        </a:rPr>
-                        <a:t>16</a:t>
-                      </a:r>
-                      <a:endParaRPr lang="en-GB" sz="1800" b="0" i="0" u="none" strike="noStrike" dirty="0">
-                        <a:solidFill>
-                          <a:srgbClr val="000000"/>
-                        </a:solidFill>
-                        <a:effectLst/>
-                        <a:latin typeface="Calibri" panose="020F0502020204030204" pitchFamily="34" charset="0"/>
-                      </a:endParaRPr>
-                    </a:p>
-                  </a:txBody>
-                  <a:tcPr marL="9525" marR="9525" marT="9525" marB="0" anchor="b"/>
-                </a:tc>
-                <a:tc>
-                  <a:txBody>
-                    <a:bodyPr/>
-                    <a:lstStyle/>
-                    <a:p>
-                      <a:pPr algn="ctr" fontAlgn="b"/>
-                      <a:r>
-                        <a:rPr lang="en-GB" sz="1800" u="none" strike="noStrike" dirty="0">
-                          <a:effectLst/>
-                        </a:rPr>
-                        <a:t>110.2G</a:t>
-                      </a:r>
-                      <a:endParaRPr lang="en-GB" sz="1800" b="0" i="0" u="none" strike="noStrike" dirty="0">
-                        <a:solidFill>
-                          <a:srgbClr val="000000"/>
-                        </a:solidFill>
-                        <a:effectLst/>
-                        <a:latin typeface="Calibri" panose="020F0502020204030204" pitchFamily="34" charset="0"/>
-                      </a:endParaRPr>
-                    </a:p>
-                  </a:txBody>
-                  <a:tcPr marL="9525" marR="9525" marT="9525" marB="0" anchor="b"/>
-                </a:tc>
-                <a:extLst>
-                  <a:ext uri="{0D108BD9-81ED-4DB2-BD59-A6C34878D82A}">
-                    <a16:rowId xmlns:a16="http://schemas.microsoft.com/office/drawing/2014/main" val="2045649009"/>
-                  </a:ext>
-                </a:extLst>
-              </a:tr>
-              <a:tr h="306666">
-                <a:tc>
-                  <a:txBody>
-                    <a:bodyPr/>
-                    <a:lstStyle/>
-                    <a:p>
-                      <a:pPr algn="ctr" fontAlgn="b"/>
-                      <a:r>
-                        <a:rPr lang="en-GB" sz="1800" u="none" strike="noStrike">
-                          <a:effectLst/>
-                        </a:rPr>
-                        <a:t>node3</a:t>
-                      </a:r>
-                      <a:endParaRPr lang="en-GB" sz="1800" b="0" i="0" u="none" strike="noStrike">
-                        <a:solidFill>
-                          <a:srgbClr val="000000"/>
-                        </a:solidFill>
-                        <a:effectLst/>
-                        <a:latin typeface="Calibri" panose="020F0502020204030204" pitchFamily="34" charset="0"/>
-                      </a:endParaRPr>
-                    </a:p>
-                  </a:txBody>
-                  <a:tcPr marL="9525" marR="9525" marT="9525" marB="0" anchor="b"/>
-                </a:tc>
-                <a:tc>
-                  <a:txBody>
-                    <a:bodyPr/>
-                    <a:lstStyle/>
-                    <a:p>
-                      <a:pPr algn="ctr" fontAlgn="b"/>
-                      <a:r>
-                        <a:rPr lang="en-GB" sz="1800" u="none" strike="noStrike" dirty="0">
-                          <a:effectLst/>
-                        </a:rPr>
-                        <a:t>16</a:t>
-                      </a:r>
-                      <a:endParaRPr lang="en-GB" sz="1800" b="0" i="0" u="none" strike="noStrike" dirty="0">
-                        <a:solidFill>
-                          <a:srgbClr val="000000"/>
-                        </a:solidFill>
-                        <a:effectLst/>
-                        <a:latin typeface="Calibri" panose="020F0502020204030204" pitchFamily="34" charset="0"/>
-                      </a:endParaRPr>
-                    </a:p>
-                  </a:txBody>
-                  <a:tcPr marL="9525" marR="9525" marT="9525" marB="0" anchor="b"/>
-                </a:tc>
-                <a:tc>
-                  <a:txBody>
-                    <a:bodyPr/>
-                    <a:lstStyle/>
-                    <a:p>
-                      <a:pPr algn="ctr" fontAlgn="b"/>
-                      <a:r>
-                        <a:rPr lang="en-GB" sz="1800" u="none" strike="noStrike">
-                          <a:effectLst/>
-                        </a:rPr>
-                        <a:t>126.0G</a:t>
-                      </a:r>
-                      <a:endParaRPr lang="en-GB" sz="1800" b="0" i="0" u="none" strike="noStrike">
-                        <a:solidFill>
-                          <a:srgbClr val="000000"/>
-                        </a:solidFill>
-                        <a:effectLst/>
-                        <a:latin typeface="Calibri" panose="020F0502020204030204" pitchFamily="34" charset="0"/>
-                      </a:endParaRPr>
-                    </a:p>
-                  </a:txBody>
-                  <a:tcPr marL="9525" marR="9525" marT="9525" marB="0" anchor="b"/>
-                </a:tc>
-                <a:extLst>
-                  <a:ext uri="{0D108BD9-81ED-4DB2-BD59-A6C34878D82A}">
-                    <a16:rowId xmlns:a16="http://schemas.microsoft.com/office/drawing/2014/main" val="1192810529"/>
-                  </a:ext>
-                </a:extLst>
-              </a:tr>
-              <a:tr h="306666">
-                <a:tc>
-                  <a:txBody>
-                    <a:bodyPr/>
-                    <a:lstStyle/>
-                    <a:p>
-                      <a:pPr algn="ctr" fontAlgn="b"/>
-                      <a:r>
-                        <a:rPr lang="en-GB" sz="1800" u="none" strike="noStrike" dirty="0">
-                          <a:effectLst/>
-                        </a:rPr>
-                        <a:t>node4</a:t>
-                      </a:r>
-                      <a:endParaRPr lang="en-GB" sz="1800" b="0" i="0" u="none" strike="noStrike" dirty="0">
-                        <a:solidFill>
-                          <a:srgbClr val="000000"/>
-                        </a:solidFill>
-                        <a:effectLst/>
-                        <a:latin typeface="Calibri" panose="020F0502020204030204" pitchFamily="34" charset="0"/>
-                      </a:endParaRPr>
-                    </a:p>
-                  </a:txBody>
-                  <a:tcPr marL="9525" marR="9525" marT="9525" marB="0" anchor="b"/>
-                </a:tc>
-                <a:tc>
-                  <a:txBody>
-                    <a:bodyPr/>
-                    <a:lstStyle/>
-                    <a:p>
-                      <a:pPr algn="ctr" fontAlgn="b"/>
-                      <a:r>
-                        <a:rPr lang="en-GB" sz="1800" u="none" strike="noStrike" dirty="0">
-                          <a:effectLst/>
-                        </a:rPr>
-                        <a:t>16</a:t>
-                      </a:r>
-                      <a:endParaRPr lang="en-GB" sz="1800" b="0" i="0" u="none" strike="noStrike" dirty="0">
-                        <a:solidFill>
-                          <a:srgbClr val="000000"/>
-                        </a:solidFill>
-                        <a:effectLst/>
-                        <a:latin typeface="Calibri" panose="020F0502020204030204" pitchFamily="34" charset="0"/>
-                      </a:endParaRPr>
-                    </a:p>
-                  </a:txBody>
-                  <a:tcPr marL="9525" marR="9525" marT="9525" marB="0" anchor="b"/>
-                </a:tc>
-                <a:tc>
-                  <a:txBody>
-                    <a:bodyPr/>
-                    <a:lstStyle/>
-                    <a:p>
-                      <a:pPr algn="ctr" fontAlgn="b"/>
-                      <a:r>
-                        <a:rPr lang="en-GB" sz="1800" u="none" strike="noStrike">
-                          <a:effectLst/>
-                        </a:rPr>
-                        <a:t>126.0G</a:t>
-                      </a:r>
-                      <a:endParaRPr lang="en-GB" sz="1800" b="0" i="0" u="none" strike="noStrike">
-                        <a:solidFill>
-                          <a:srgbClr val="000000"/>
-                        </a:solidFill>
-                        <a:effectLst/>
-                        <a:latin typeface="Calibri" panose="020F0502020204030204" pitchFamily="34" charset="0"/>
-                      </a:endParaRPr>
-                    </a:p>
-                  </a:txBody>
-                  <a:tcPr marL="9525" marR="9525" marT="9525" marB="0" anchor="b"/>
-                </a:tc>
-                <a:extLst>
-                  <a:ext uri="{0D108BD9-81ED-4DB2-BD59-A6C34878D82A}">
-                    <a16:rowId xmlns:a16="http://schemas.microsoft.com/office/drawing/2014/main" val="3868156491"/>
-                  </a:ext>
-                </a:extLst>
-              </a:tr>
-              <a:tr h="306666">
-                <a:tc>
-                  <a:txBody>
-                    <a:bodyPr/>
-                    <a:lstStyle/>
-                    <a:p>
-                      <a:pPr algn="ctr" fontAlgn="b"/>
-                      <a:r>
-                        <a:rPr lang="en-GB" sz="1800" u="none" strike="noStrike">
-                          <a:effectLst/>
-                        </a:rPr>
-                        <a:t>node5</a:t>
-                      </a:r>
-                      <a:endParaRPr lang="en-GB" sz="1800" b="0" i="0" u="none" strike="noStrike">
-                        <a:solidFill>
-                          <a:srgbClr val="000000"/>
-                        </a:solidFill>
-                        <a:effectLst/>
-                        <a:latin typeface="Calibri" panose="020F0502020204030204" pitchFamily="34" charset="0"/>
-                      </a:endParaRPr>
-                    </a:p>
-                  </a:txBody>
-                  <a:tcPr marL="9525" marR="9525" marT="9525" marB="0" anchor="b"/>
-                </a:tc>
-                <a:tc>
-                  <a:txBody>
-                    <a:bodyPr/>
-                    <a:lstStyle/>
-                    <a:p>
-                      <a:pPr algn="ctr" fontAlgn="b"/>
-                      <a:r>
-                        <a:rPr lang="en-GB" sz="1800" u="none" strike="noStrike" dirty="0">
-                          <a:effectLst/>
-                        </a:rPr>
-                        <a:t>16</a:t>
-                      </a:r>
-                      <a:endParaRPr lang="en-GB" sz="1800" b="0" i="0" u="none" strike="noStrike" dirty="0">
-                        <a:solidFill>
-                          <a:srgbClr val="000000"/>
-                        </a:solidFill>
-                        <a:effectLst/>
-                        <a:latin typeface="Calibri" panose="020F0502020204030204" pitchFamily="34" charset="0"/>
-                      </a:endParaRPr>
-                    </a:p>
-                  </a:txBody>
-                  <a:tcPr marL="9525" marR="9525" marT="9525" marB="0" anchor="b"/>
-                </a:tc>
-                <a:tc>
-                  <a:txBody>
-                    <a:bodyPr/>
-                    <a:lstStyle/>
-                    <a:p>
-                      <a:pPr algn="ctr" fontAlgn="b"/>
-                      <a:r>
-                        <a:rPr lang="en-GB" sz="1800" u="none" strike="noStrike">
-                          <a:effectLst/>
-                        </a:rPr>
-                        <a:t>126.0G</a:t>
-                      </a:r>
-                      <a:endParaRPr lang="en-GB" sz="1800" b="0" i="0" u="none" strike="noStrike">
-                        <a:solidFill>
-                          <a:srgbClr val="000000"/>
-                        </a:solidFill>
-                        <a:effectLst/>
-                        <a:latin typeface="Calibri" panose="020F0502020204030204" pitchFamily="34" charset="0"/>
-                      </a:endParaRPr>
-                    </a:p>
-                  </a:txBody>
-                  <a:tcPr marL="9525" marR="9525" marT="9525" marB="0" anchor="b"/>
-                </a:tc>
-                <a:extLst>
-                  <a:ext uri="{0D108BD9-81ED-4DB2-BD59-A6C34878D82A}">
-                    <a16:rowId xmlns:a16="http://schemas.microsoft.com/office/drawing/2014/main" val="734223590"/>
-                  </a:ext>
-                </a:extLst>
-              </a:tr>
-              <a:tr h="306666">
-                <a:tc>
-                  <a:txBody>
-                    <a:bodyPr/>
-                    <a:lstStyle/>
-                    <a:p>
-                      <a:pPr algn="ctr" fontAlgn="b"/>
-                      <a:r>
-                        <a:rPr lang="en-GB" sz="1800" u="none" strike="noStrike">
-                          <a:effectLst/>
-                        </a:rPr>
-                        <a:t>node6</a:t>
-                      </a:r>
-                      <a:endParaRPr lang="en-GB" sz="1800" b="0" i="0" u="none" strike="noStrike">
-                        <a:solidFill>
-                          <a:srgbClr val="000000"/>
-                        </a:solidFill>
-                        <a:effectLst/>
-                        <a:latin typeface="Calibri" panose="020F0502020204030204" pitchFamily="34" charset="0"/>
-                      </a:endParaRPr>
-                    </a:p>
-                  </a:txBody>
-                  <a:tcPr marL="9525" marR="9525" marT="9525" marB="0" anchor="b"/>
-                </a:tc>
-                <a:tc>
-                  <a:txBody>
-                    <a:bodyPr/>
-                    <a:lstStyle/>
-                    <a:p>
-                      <a:pPr algn="ctr" fontAlgn="b"/>
-                      <a:r>
-                        <a:rPr lang="en-GB" sz="1800" u="none" strike="noStrike" dirty="0">
-                          <a:effectLst/>
-                        </a:rPr>
-                        <a:t>16</a:t>
-                      </a:r>
-                      <a:endParaRPr lang="en-GB" sz="1800" b="0" i="0" u="none" strike="noStrike" dirty="0">
-                        <a:solidFill>
-                          <a:srgbClr val="000000"/>
-                        </a:solidFill>
-                        <a:effectLst/>
-                        <a:latin typeface="Calibri" panose="020F0502020204030204" pitchFamily="34" charset="0"/>
-                      </a:endParaRPr>
-                    </a:p>
-                  </a:txBody>
-                  <a:tcPr marL="9525" marR="9525" marT="9525" marB="0" anchor="b"/>
-                </a:tc>
-                <a:tc>
-                  <a:txBody>
-                    <a:bodyPr/>
-                    <a:lstStyle/>
-                    <a:p>
-                      <a:pPr algn="ctr" fontAlgn="b"/>
-                      <a:r>
-                        <a:rPr lang="en-GB" sz="1800" u="none" strike="noStrike">
-                          <a:effectLst/>
-                        </a:rPr>
-                        <a:t>126.0G</a:t>
-                      </a:r>
-                      <a:endParaRPr lang="en-GB" sz="1800" b="0" i="0" u="none" strike="noStrike">
-                        <a:solidFill>
-                          <a:srgbClr val="000000"/>
-                        </a:solidFill>
-                        <a:effectLst/>
-                        <a:latin typeface="Calibri" panose="020F0502020204030204" pitchFamily="34" charset="0"/>
-                      </a:endParaRPr>
-                    </a:p>
-                  </a:txBody>
-                  <a:tcPr marL="9525" marR="9525" marT="9525" marB="0" anchor="b"/>
-                </a:tc>
-                <a:extLst>
-                  <a:ext uri="{0D108BD9-81ED-4DB2-BD59-A6C34878D82A}">
-                    <a16:rowId xmlns:a16="http://schemas.microsoft.com/office/drawing/2014/main" val="1615342932"/>
-                  </a:ext>
-                </a:extLst>
-              </a:tr>
-              <a:tr h="306666">
-                <a:tc>
-                  <a:txBody>
-                    <a:bodyPr/>
-                    <a:lstStyle/>
-                    <a:p>
-                      <a:pPr algn="ctr" fontAlgn="b"/>
-                      <a:r>
-                        <a:rPr lang="en-GB" sz="1800" u="none" strike="noStrike">
-                          <a:effectLst/>
-                        </a:rPr>
-                        <a:t>node7</a:t>
-                      </a:r>
-                      <a:endParaRPr lang="en-GB" sz="1800" b="0" i="0" u="none" strike="noStrike">
-                        <a:solidFill>
-                          <a:srgbClr val="000000"/>
-                        </a:solidFill>
-                        <a:effectLst/>
-                        <a:latin typeface="Calibri" panose="020F0502020204030204" pitchFamily="34" charset="0"/>
-                      </a:endParaRPr>
-                    </a:p>
-                  </a:txBody>
-                  <a:tcPr marL="9525" marR="9525" marT="9525" marB="0" anchor="b"/>
-                </a:tc>
-                <a:tc>
-                  <a:txBody>
-                    <a:bodyPr/>
-                    <a:lstStyle/>
-                    <a:p>
-                      <a:pPr algn="ctr" fontAlgn="b"/>
-                      <a:r>
-                        <a:rPr lang="en-GB" sz="1800" u="none" strike="noStrike">
-                          <a:effectLst/>
-                        </a:rPr>
-                        <a:t>16</a:t>
-                      </a:r>
-                      <a:endParaRPr lang="en-GB" sz="1800" b="0" i="0" u="none" strike="noStrike">
-                        <a:solidFill>
-                          <a:srgbClr val="000000"/>
-                        </a:solidFill>
-                        <a:effectLst/>
-                        <a:latin typeface="Calibri" panose="020F0502020204030204" pitchFamily="34" charset="0"/>
-                      </a:endParaRPr>
-                    </a:p>
-                  </a:txBody>
-                  <a:tcPr marL="9525" marR="9525" marT="9525" marB="0" anchor="b"/>
-                </a:tc>
-                <a:tc>
-                  <a:txBody>
-                    <a:bodyPr/>
-                    <a:lstStyle/>
-                    <a:p>
-                      <a:pPr algn="ctr" fontAlgn="b"/>
-                      <a:r>
-                        <a:rPr lang="en-GB" sz="1800" u="none" strike="noStrike" dirty="0">
-                          <a:effectLst/>
-                        </a:rPr>
-                        <a:t>126.0G</a:t>
-                      </a:r>
-                      <a:endParaRPr lang="en-GB" sz="1800" b="0" i="0" u="none" strike="noStrike" dirty="0">
-                        <a:solidFill>
-                          <a:srgbClr val="000000"/>
-                        </a:solidFill>
-                        <a:effectLst/>
-                        <a:latin typeface="Calibri" panose="020F0502020204030204" pitchFamily="34" charset="0"/>
-                      </a:endParaRPr>
-                    </a:p>
-                  </a:txBody>
-                  <a:tcPr marL="9525" marR="9525" marT="9525" marB="0" anchor="b"/>
-                </a:tc>
-                <a:extLst>
-                  <a:ext uri="{0D108BD9-81ED-4DB2-BD59-A6C34878D82A}">
-                    <a16:rowId xmlns:a16="http://schemas.microsoft.com/office/drawing/2014/main" val="1092905121"/>
-                  </a:ext>
-                </a:extLst>
-              </a:tr>
-              <a:tr h="306666">
-                <a:tc>
-                  <a:txBody>
-                    <a:bodyPr/>
-                    <a:lstStyle/>
-                    <a:p>
-                      <a:pPr algn="ctr" fontAlgn="b"/>
-                      <a:r>
-                        <a:rPr lang="en-GB" sz="1800" u="none" strike="noStrike">
-                          <a:effectLst/>
-                        </a:rPr>
-                        <a:t>node8</a:t>
-                      </a:r>
-                      <a:endParaRPr lang="en-GB" sz="1800" b="0" i="0" u="none" strike="noStrike">
-                        <a:solidFill>
-                          <a:srgbClr val="000000"/>
-                        </a:solidFill>
-                        <a:effectLst/>
-                        <a:latin typeface="Calibri" panose="020F0502020204030204" pitchFamily="34" charset="0"/>
-                      </a:endParaRPr>
-                    </a:p>
-                  </a:txBody>
-                  <a:tcPr marL="9525" marR="9525" marT="9525" marB="0" anchor="b"/>
-                </a:tc>
-                <a:tc>
-                  <a:txBody>
-                    <a:bodyPr/>
-                    <a:lstStyle/>
-                    <a:p>
-                      <a:pPr algn="ctr" fontAlgn="b"/>
-                      <a:r>
-                        <a:rPr lang="en-GB" sz="1800" u="none" strike="noStrike">
-                          <a:effectLst/>
-                        </a:rPr>
-                        <a:t>16</a:t>
-                      </a:r>
-                      <a:endParaRPr lang="en-GB" sz="1800" b="0" i="0" u="none" strike="noStrike">
-                        <a:solidFill>
-                          <a:srgbClr val="000000"/>
-                        </a:solidFill>
-                        <a:effectLst/>
-                        <a:latin typeface="Calibri" panose="020F0502020204030204" pitchFamily="34" charset="0"/>
-                      </a:endParaRPr>
-                    </a:p>
-                  </a:txBody>
-                  <a:tcPr marL="9525" marR="9525" marT="9525" marB="0" anchor="b"/>
-                </a:tc>
-                <a:tc>
-                  <a:txBody>
-                    <a:bodyPr/>
-                    <a:lstStyle/>
-                    <a:p>
-                      <a:pPr algn="ctr" fontAlgn="b"/>
-                      <a:r>
-                        <a:rPr lang="en-GB" sz="1800" u="none" strike="noStrike" dirty="0">
-                          <a:effectLst/>
-                        </a:rPr>
-                        <a:t>126.0G</a:t>
-                      </a:r>
-                      <a:endParaRPr lang="en-GB" sz="1800" b="0" i="0" u="none" strike="noStrike" dirty="0">
-                        <a:solidFill>
-                          <a:srgbClr val="000000"/>
-                        </a:solidFill>
-                        <a:effectLst/>
-                        <a:latin typeface="Calibri" panose="020F0502020204030204" pitchFamily="34" charset="0"/>
-                      </a:endParaRPr>
-                    </a:p>
-                  </a:txBody>
-                  <a:tcPr marL="9525" marR="9525" marT="9525" marB="0" anchor="b"/>
-                </a:tc>
-                <a:extLst>
-                  <a:ext uri="{0D108BD9-81ED-4DB2-BD59-A6C34878D82A}">
-                    <a16:rowId xmlns:a16="http://schemas.microsoft.com/office/drawing/2014/main" val="1107263267"/>
-                  </a:ext>
-                </a:extLst>
-              </a:tr>
-              <a:tr h="306666">
-                <a:tc>
-                  <a:txBody>
-                    <a:bodyPr/>
-                    <a:lstStyle/>
-                    <a:p>
-                      <a:pPr algn="ctr" fontAlgn="b"/>
-                      <a:r>
-                        <a:rPr lang="en-GB" sz="1800" u="none" strike="noStrike">
-                          <a:effectLst/>
-                        </a:rPr>
-                        <a:t>node9</a:t>
-                      </a:r>
-                      <a:endParaRPr lang="en-GB" sz="1800" b="0" i="0" u="none" strike="noStrike">
-                        <a:solidFill>
-                          <a:srgbClr val="000000"/>
-                        </a:solidFill>
-                        <a:effectLst/>
-                        <a:latin typeface="Calibri" panose="020F0502020204030204" pitchFamily="34" charset="0"/>
-                      </a:endParaRPr>
-                    </a:p>
-                  </a:txBody>
-                  <a:tcPr marL="9525" marR="9525" marT="9525" marB="0" anchor="b"/>
-                </a:tc>
-                <a:tc>
-                  <a:txBody>
-                    <a:bodyPr/>
-                    <a:lstStyle/>
-                    <a:p>
-                      <a:pPr algn="ctr" fontAlgn="b"/>
-                      <a:r>
-                        <a:rPr lang="en-GB" sz="1800" u="none" strike="noStrike">
-                          <a:effectLst/>
-                        </a:rPr>
-                        <a:t>16</a:t>
-                      </a:r>
-                      <a:endParaRPr lang="en-GB" sz="1800" b="0" i="0" u="none" strike="noStrike">
-                        <a:solidFill>
-                          <a:srgbClr val="000000"/>
-                        </a:solidFill>
-                        <a:effectLst/>
-                        <a:latin typeface="Calibri" panose="020F0502020204030204" pitchFamily="34" charset="0"/>
-                      </a:endParaRPr>
-                    </a:p>
-                  </a:txBody>
-                  <a:tcPr marL="9525" marR="9525" marT="9525" marB="0" anchor="b"/>
-                </a:tc>
-                <a:tc>
-                  <a:txBody>
-                    <a:bodyPr/>
-                    <a:lstStyle/>
-                    <a:p>
-                      <a:pPr algn="ctr" fontAlgn="b"/>
-                      <a:r>
-                        <a:rPr lang="en-GB" sz="1800" u="none" strike="noStrike" dirty="0">
-                          <a:effectLst/>
-                        </a:rPr>
-                        <a:t>504.7G</a:t>
-                      </a:r>
-                      <a:endParaRPr lang="en-GB" sz="1800" b="0" i="0" u="none" strike="noStrike" dirty="0">
-                        <a:solidFill>
-                          <a:srgbClr val="000000"/>
-                        </a:solidFill>
-                        <a:effectLst/>
-                        <a:latin typeface="Calibri" panose="020F0502020204030204" pitchFamily="34" charset="0"/>
-                      </a:endParaRPr>
-                    </a:p>
-                  </a:txBody>
-                  <a:tcPr marL="9525" marR="9525" marT="9525" marB="0" anchor="b"/>
-                </a:tc>
-                <a:extLst>
-                  <a:ext uri="{0D108BD9-81ED-4DB2-BD59-A6C34878D82A}">
-                    <a16:rowId xmlns:a16="http://schemas.microsoft.com/office/drawing/2014/main" val="906001221"/>
-                  </a:ext>
-                </a:extLst>
-              </a:tr>
-              <a:tr h="306666">
-                <a:tc>
-                  <a:txBody>
-                    <a:bodyPr/>
-                    <a:lstStyle/>
-                    <a:p>
-                      <a:pPr algn="ctr" fontAlgn="b"/>
-                      <a:r>
-                        <a:rPr lang="en-GB" sz="1800" b="1" u="none" strike="noStrike" dirty="0">
-                          <a:effectLst/>
-                        </a:rPr>
-                        <a:t>TOTAL</a:t>
-                      </a:r>
-                      <a:endParaRPr lang="en-GB" sz="1800" b="1" i="0" u="none" strike="noStrike" dirty="0">
-                        <a:solidFill>
-                          <a:srgbClr val="000000"/>
-                        </a:solidFill>
-                        <a:effectLst/>
-                        <a:latin typeface="Calibri" panose="020F0502020204030204" pitchFamily="34" charset="0"/>
-                      </a:endParaRPr>
-                    </a:p>
-                  </a:txBody>
-                  <a:tcPr marL="9525" marR="9525" marT="9525" marB="0" anchor="b"/>
-                </a:tc>
-                <a:tc>
-                  <a:txBody>
-                    <a:bodyPr/>
-                    <a:lstStyle/>
-                    <a:p>
-                      <a:pPr algn="ctr" fontAlgn="b"/>
-                      <a:r>
-                        <a:rPr lang="en-GB" sz="1800" b="1" u="none" strike="noStrike" dirty="0">
-                          <a:effectLst/>
-                        </a:rPr>
-                        <a:t>192</a:t>
-                      </a:r>
-                      <a:endParaRPr lang="en-GB" sz="1800" b="1" i="0" u="none" strike="noStrike" dirty="0">
-                        <a:solidFill>
-                          <a:srgbClr val="000000"/>
-                        </a:solidFill>
-                        <a:effectLst/>
-                        <a:latin typeface="Calibri" panose="020F0502020204030204" pitchFamily="34" charset="0"/>
-                      </a:endParaRPr>
-                    </a:p>
-                  </a:txBody>
-                  <a:tcPr marL="9525" marR="9525" marT="9525" marB="0" anchor="b"/>
-                </a:tc>
-                <a:tc>
-                  <a:txBody>
-                    <a:bodyPr/>
-                    <a:lstStyle/>
-                    <a:p>
-                      <a:pPr algn="ctr" fontAlgn="b"/>
-                      <a:r>
-                        <a:rPr lang="en-GB" sz="1800" b="1" u="none" strike="noStrike" dirty="0">
-                          <a:effectLst/>
-                        </a:rPr>
-                        <a:t>2254G</a:t>
-                      </a:r>
-                      <a:endParaRPr lang="en-GB" sz="1800" b="1" i="0" u="none" strike="noStrike" dirty="0">
-                        <a:solidFill>
-                          <a:srgbClr val="000000"/>
-                        </a:solidFill>
-                        <a:effectLst/>
-                        <a:latin typeface="Calibri" panose="020F0502020204030204" pitchFamily="34" charset="0"/>
-                      </a:endParaRPr>
-                    </a:p>
-                  </a:txBody>
-                  <a:tcPr marL="9525" marR="9525" marT="9525" marB="0" anchor="b"/>
-                </a:tc>
-                <a:extLst>
-                  <a:ext uri="{0D108BD9-81ED-4DB2-BD59-A6C34878D82A}">
-                    <a16:rowId xmlns:a16="http://schemas.microsoft.com/office/drawing/2014/main" val="3001075992"/>
-                  </a:ext>
-                </a:extLst>
-              </a:tr>
-            </a:tbl>
-          </a:graphicData>
-        </a:graphic>
-      </p:graphicFrame>
-      <p:sp>
-        <p:nvSpPr>
-          <p:cNvPr id="7" name="Arrow: Right 6">
-            <a:extLst>
-              <a:ext uri="{FF2B5EF4-FFF2-40B4-BE49-F238E27FC236}">
-                <a16:creationId xmlns:a16="http://schemas.microsoft.com/office/drawing/2014/main" id="{2E7471E7-84A1-4362-BAB8-63B97C07718D}"/>
-              </a:ext>
-            </a:extLst>
-          </p:cNvPr>
-          <p:cNvSpPr/>
-          <p:nvPr/>
-        </p:nvSpPr>
-        <p:spPr>
-          <a:xfrm>
-            <a:off x="2343150" y="3228975"/>
-            <a:ext cx="1047750" cy="514350"/>
+            <a:off x="3088017" y="5614796"/>
+            <a:ext cx="785813" cy="263482"/>
           </a:xfrm>
           <a:prstGeom prst="rightArrow">
             <a:avLst/>
@@ -10491,7 +9715,7 @@
           <a:lstStyle/>
           <a:p>
             <a:pPr algn="ctr"/>
-            <a:endParaRPr lang="en-GB"/>
+            <a:endParaRPr lang="en-GB" sz="1350"/>
           </a:p>
         </p:txBody>
       </p:sp>
@@ -10509,8 +9733,8 @@
         </p:nvSpPr>
         <p:spPr>
           <a:xfrm>
-            <a:off x="5639635" y="3228975"/>
-            <a:ext cx="1047750" cy="514350"/>
+            <a:off x="5873522" y="5614796"/>
+            <a:ext cx="785813" cy="263482"/>
           </a:xfrm>
           <a:prstGeom prst="rightArrow">
             <a:avLst/>
@@ -10537,7 +9761,7 @@
           <a:lstStyle/>
           <a:p>
             <a:pPr algn="ctr"/>
-            <a:endParaRPr lang="en-GB"/>
+            <a:endParaRPr lang="en-GB" sz="1350"/>
           </a:p>
         </p:txBody>
       </p:sp>
@@ -10569,8 +9793,8 @@
         </p:blipFill>
         <p:spPr>
           <a:xfrm>
-            <a:off x="389655" y="2385267"/>
-            <a:ext cx="1658256" cy="4011516"/>
+            <a:off x="1907776" y="5159704"/>
+            <a:ext cx="702032" cy="1698297"/>
           </a:xfrm>
           <a:prstGeom prst="rect">
             <a:avLst/>
@@ -10605,24 +9829,2151 @@
         </p:blipFill>
         <p:spPr>
           <a:xfrm>
-            <a:off x="3520198" y="2322903"/>
-            <a:ext cx="1956986" cy="4377307"/>
+            <a:off x="4484473" y="5439633"/>
+            <a:ext cx="565877" cy="1265731"/>
           </a:xfrm>
           <a:prstGeom prst="rect">
             <a:avLst/>
           </a:prstGeom>
         </p:spPr>
       </p:pic>
+      <p:graphicFrame>
+        <p:nvGraphicFramePr>
+          <p:cNvPr id="4" name="Table 3">
+            <a:extLst>
+              <a:ext uri="{FF2B5EF4-FFF2-40B4-BE49-F238E27FC236}">
+                <a16:creationId xmlns:a16="http://schemas.microsoft.com/office/drawing/2014/main" id="{D18F6B8B-2C65-42F1-9BB4-6B09AC69EB3B}"/>
+              </a:ext>
+            </a:extLst>
+          </p:cNvPr>
+          <p:cNvGraphicFramePr>
+            <a:graphicFrameLocks noGrp="1"/>
+          </p:cNvGraphicFramePr>
+          <p:nvPr>
+            <p:extLst/>
+          </p:nvPr>
+        </p:nvGraphicFramePr>
+        <p:xfrm>
+          <a:off x="7057449" y="1223254"/>
+          <a:ext cx="3500885" cy="5470413"/>
+        </p:xfrm>
+        <a:graphic>
+          <a:graphicData uri="http://schemas.openxmlformats.org/drawingml/2006/table">
+            <a:tbl>
+              <a:tblPr>
+                <a:tableStyleId>{5C22544A-7EE6-4342-B048-85BDC9FD1C3A}</a:tableStyleId>
+              </a:tblPr>
+              <a:tblGrid>
+                <a:gridCol w="1227619">
+                  <a:extLst>
+                    <a:ext uri="{9D8B030D-6E8A-4147-A177-3AD203B41FA5}">
+                      <a16:colId xmlns:a16="http://schemas.microsoft.com/office/drawing/2014/main" val="339509404"/>
+                    </a:ext>
+                  </a:extLst>
+                </a:gridCol>
+                <a:gridCol w="751560">
+                  <a:extLst>
+                    <a:ext uri="{9D8B030D-6E8A-4147-A177-3AD203B41FA5}">
+                      <a16:colId xmlns:a16="http://schemas.microsoft.com/office/drawing/2014/main" val="2195407999"/>
+                    </a:ext>
+                  </a:extLst>
+                </a:gridCol>
+                <a:gridCol w="1521706">
+                  <a:extLst>
+                    <a:ext uri="{9D8B030D-6E8A-4147-A177-3AD203B41FA5}">
+                      <a16:colId xmlns:a16="http://schemas.microsoft.com/office/drawing/2014/main" val="3905495168"/>
+                    </a:ext>
+                  </a:extLst>
+                </a:gridCol>
+              </a:tblGrid>
+              <a:tr h="235504">
+                <a:tc>
+                  <a:txBody>
+                    <a:bodyPr/>
+                    <a:lstStyle/>
+                    <a:p>
+                      <a:pPr algn="ctr" rtl="0" fontAlgn="b"/>
+                      <a:r>
+                        <a:rPr lang="en-GB" sz="1400" b="1" u="none" strike="noStrike" dirty="0">
+                          <a:effectLst/>
+                        </a:rPr>
+                        <a:t>HOSTNAME</a:t>
+                      </a:r>
+                      <a:endParaRPr lang="en-GB" sz="1400" b="1" i="0" u="none" strike="noStrike" dirty="0">
+                        <a:solidFill>
+                          <a:srgbClr val="000000"/>
+                        </a:solidFill>
+                        <a:effectLst/>
+                        <a:latin typeface="Calibri" panose="020F0502020204030204" pitchFamily="34" charset="0"/>
+                      </a:endParaRPr>
+                    </a:p>
+                  </a:txBody>
+                  <a:tcPr marL="0" marR="0" marT="0" marB="0" anchor="b"/>
+                </a:tc>
+                <a:tc>
+                  <a:txBody>
+                    <a:bodyPr/>
+                    <a:lstStyle/>
+                    <a:p>
+                      <a:pPr algn="ctr" rtl="0" fontAlgn="b"/>
+                      <a:r>
+                        <a:rPr lang="en-GB" sz="1400" b="1" u="none" strike="noStrike" dirty="0">
+                          <a:effectLst/>
+                        </a:rPr>
+                        <a:t>Threads</a:t>
+                      </a:r>
+                      <a:endParaRPr lang="en-GB" sz="1400" b="1" i="0" u="none" strike="noStrike" dirty="0">
+                        <a:solidFill>
+                          <a:srgbClr val="000000"/>
+                        </a:solidFill>
+                        <a:effectLst/>
+                        <a:latin typeface="Calibri" panose="020F0502020204030204" pitchFamily="34" charset="0"/>
+                      </a:endParaRPr>
+                    </a:p>
+                  </a:txBody>
+                  <a:tcPr marL="0" marR="0" marT="0" marB="0" anchor="b"/>
+                </a:tc>
+                <a:tc>
+                  <a:txBody>
+                    <a:bodyPr/>
+                    <a:lstStyle/>
+                    <a:p>
+                      <a:pPr algn="ctr" rtl="0" fontAlgn="b"/>
+                      <a:r>
+                        <a:rPr lang="en-GB" sz="1400" b="1" u="none" strike="noStrike" dirty="0">
+                          <a:effectLst/>
+                        </a:rPr>
+                        <a:t>Memory</a:t>
+                      </a:r>
+                      <a:endParaRPr lang="en-GB" sz="1400" b="1" i="0" u="none" strike="noStrike" dirty="0">
+                        <a:solidFill>
+                          <a:srgbClr val="000000"/>
+                        </a:solidFill>
+                        <a:effectLst/>
+                        <a:latin typeface="Calibri" panose="020F0502020204030204" pitchFamily="34" charset="0"/>
+                      </a:endParaRPr>
+                    </a:p>
+                  </a:txBody>
+                  <a:tcPr marL="0" marR="0" marT="0" marB="0" anchor="b"/>
+                </a:tc>
+                <a:extLst>
+                  <a:ext uri="{0D108BD9-81ED-4DB2-BD59-A6C34878D82A}">
+                    <a16:rowId xmlns:a16="http://schemas.microsoft.com/office/drawing/2014/main" val="3071250526"/>
+                  </a:ext>
+                </a:extLst>
+              </a:tr>
+              <a:tr h="240899">
+                <a:tc>
+                  <a:txBody>
+                    <a:bodyPr/>
+                    <a:lstStyle/>
+                    <a:p>
+                      <a:pPr algn="ctr" rtl="0" fontAlgn="b"/>
+                      <a:r>
+                        <a:rPr lang="en-GB" sz="1400" u="none" strike="noStrike" dirty="0" err="1">
+                          <a:effectLst/>
+                        </a:rPr>
+                        <a:t>marvin</a:t>
+                      </a:r>
+                      <a:endParaRPr lang="en-GB" sz="1400" b="0" i="0" u="none" strike="noStrike" dirty="0">
+                        <a:solidFill>
+                          <a:srgbClr val="000000"/>
+                        </a:solidFill>
+                        <a:effectLst/>
+                        <a:latin typeface="Calibri" panose="020F0502020204030204" pitchFamily="34" charset="0"/>
+                      </a:endParaRPr>
+                    </a:p>
+                  </a:txBody>
+                  <a:tcPr marL="0" marR="0" marT="0" marB="0" anchor="b"/>
+                </a:tc>
+                <a:tc>
+                  <a:txBody>
+                    <a:bodyPr/>
+                    <a:lstStyle/>
+                    <a:p>
+                      <a:pPr algn="ctr" rtl="0" fontAlgn="b"/>
+                      <a:r>
+                        <a:rPr lang="en-GB" sz="1400" u="none" strike="noStrike" dirty="0">
+                          <a:effectLst/>
+                        </a:rPr>
+                        <a:t>32</a:t>
+                      </a:r>
+                      <a:endParaRPr lang="en-GB" sz="1400" b="0" i="0" u="none" strike="noStrike" dirty="0">
+                        <a:solidFill>
+                          <a:srgbClr val="000000"/>
+                        </a:solidFill>
+                        <a:effectLst/>
+                        <a:latin typeface="Calibri" panose="020F0502020204030204" pitchFamily="34" charset="0"/>
+                      </a:endParaRPr>
+                    </a:p>
+                  </a:txBody>
+                  <a:tcPr marL="0" marR="0" marT="0" marB="0" anchor="b"/>
+                </a:tc>
+                <a:tc>
+                  <a:txBody>
+                    <a:bodyPr/>
+                    <a:lstStyle/>
+                    <a:p>
+                      <a:pPr algn="ctr" rtl="0" fontAlgn="b"/>
+                      <a:r>
+                        <a:rPr lang="en-GB" sz="1400" u="none" strike="noStrike">
+                          <a:effectLst/>
+                        </a:rPr>
+                        <a:t>504.8G</a:t>
+                      </a:r>
+                      <a:endParaRPr lang="en-GB" sz="1400" b="0" i="0" u="none" strike="noStrike">
+                        <a:solidFill>
+                          <a:srgbClr val="000000"/>
+                        </a:solidFill>
+                        <a:effectLst/>
+                        <a:latin typeface="Calibri" panose="020F0502020204030204" pitchFamily="34" charset="0"/>
+                      </a:endParaRPr>
+                    </a:p>
+                  </a:txBody>
+                  <a:tcPr marL="0" marR="0" marT="0" marB="0" anchor="b"/>
+                </a:tc>
+                <a:extLst>
+                  <a:ext uri="{0D108BD9-81ED-4DB2-BD59-A6C34878D82A}">
+                    <a16:rowId xmlns:a16="http://schemas.microsoft.com/office/drawing/2014/main" val="3244403696"/>
+                  </a:ext>
+                </a:extLst>
+              </a:tr>
+              <a:tr h="240899">
+                <a:tc>
+                  <a:txBody>
+                    <a:bodyPr/>
+                    <a:lstStyle/>
+                    <a:p>
+                      <a:pPr algn="ctr" rtl="0" fontAlgn="b"/>
+                      <a:r>
+                        <a:rPr lang="en-GB" sz="1400" u="none" strike="noStrike" dirty="0" err="1">
+                          <a:effectLst/>
+                        </a:rPr>
+                        <a:t>Phylo</a:t>
+                      </a:r>
+                      <a:endParaRPr lang="en-GB" sz="1400" b="0" i="0" u="none" strike="noStrike" dirty="0">
+                        <a:solidFill>
+                          <a:srgbClr val="000000"/>
+                        </a:solidFill>
+                        <a:effectLst/>
+                        <a:latin typeface="Calibri" panose="020F0502020204030204" pitchFamily="34" charset="0"/>
+                      </a:endParaRPr>
+                    </a:p>
+                  </a:txBody>
+                  <a:tcPr marL="0" marR="0" marT="0" marB="0" anchor="b"/>
+                </a:tc>
+                <a:tc>
+                  <a:txBody>
+                    <a:bodyPr/>
+                    <a:lstStyle/>
+                    <a:p>
+                      <a:pPr algn="ctr" rtl="0" fontAlgn="b"/>
+                      <a:r>
+                        <a:rPr lang="en-GB" sz="1400" u="none" strike="noStrike" dirty="0">
+                          <a:effectLst/>
+                        </a:rPr>
+                        <a:t>80</a:t>
+                      </a:r>
+                      <a:endParaRPr lang="en-GB" sz="1400" b="0" i="0" u="none" strike="noStrike" dirty="0">
+                        <a:solidFill>
+                          <a:srgbClr val="000000"/>
+                        </a:solidFill>
+                        <a:effectLst/>
+                        <a:latin typeface="Calibri" panose="020F0502020204030204" pitchFamily="34" charset="0"/>
+                      </a:endParaRPr>
+                    </a:p>
+                  </a:txBody>
+                  <a:tcPr marL="0" marR="0" marT="0" marB="0" anchor="b"/>
+                </a:tc>
+                <a:tc>
+                  <a:txBody>
+                    <a:bodyPr/>
+                    <a:lstStyle/>
+                    <a:p>
+                      <a:pPr algn="ctr" rtl="0" fontAlgn="b"/>
+                      <a:r>
+                        <a:rPr lang="en-GB" sz="1400" u="none" strike="noStrike">
+                          <a:effectLst/>
+                        </a:rPr>
+                        <a:t>500G</a:t>
+                      </a:r>
+                      <a:endParaRPr lang="en-GB" sz="1400" b="0" i="0" u="none" strike="noStrike">
+                        <a:solidFill>
+                          <a:srgbClr val="000000"/>
+                        </a:solidFill>
+                        <a:effectLst/>
+                        <a:latin typeface="Calibri" panose="020F0502020204030204" pitchFamily="34" charset="0"/>
+                      </a:endParaRPr>
+                    </a:p>
+                  </a:txBody>
+                  <a:tcPr marL="0" marR="0" marT="0" marB="0" anchor="b"/>
+                </a:tc>
+                <a:extLst>
+                  <a:ext uri="{0D108BD9-81ED-4DB2-BD59-A6C34878D82A}">
+                    <a16:rowId xmlns:a16="http://schemas.microsoft.com/office/drawing/2014/main" val="2502080657"/>
+                  </a:ext>
+                </a:extLst>
+              </a:tr>
+              <a:tr h="240899">
+                <a:tc>
+                  <a:txBody>
+                    <a:bodyPr/>
+                    <a:lstStyle/>
+                    <a:p>
+                      <a:pPr algn="ctr" rtl="0" fontAlgn="b"/>
+                      <a:r>
+                        <a:rPr lang="en-GB" sz="1400" u="none" strike="noStrike" dirty="0">
+                          <a:solidFill>
+                            <a:srgbClr val="00B050"/>
+                          </a:solidFill>
+                          <a:effectLst/>
+                        </a:rPr>
+                        <a:t>Slayer</a:t>
+                      </a:r>
+                      <a:endParaRPr lang="en-GB" sz="1400" b="0" i="0" u="none" strike="noStrike" dirty="0">
+                        <a:solidFill>
+                          <a:srgbClr val="00B050"/>
+                        </a:solidFill>
+                        <a:effectLst/>
+                        <a:latin typeface="Calibri" panose="020F0502020204030204" pitchFamily="34" charset="0"/>
+                      </a:endParaRPr>
+                    </a:p>
+                  </a:txBody>
+                  <a:tcPr marL="0" marR="0" marT="0" marB="0" anchor="b"/>
+                </a:tc>
+                <a:tc>
+                  <a:txBody>
+                    <a:bodyPr/>
+                    <a:lstStyle/>
+                    <a:p>
+                      <a:pPr algn="ctr" rtl="0" fontAlgn="b"/>
+                      <a:r>
+                        <a:rPr lang="en-GB" sz="1400" b="0" i="0" u="none" strike="noStrike" dirty="0">
+                          <a:solidFill>
+                            <a:srgbClr val="00B050"/>
+                          </a:solidFill>
+                          <a:effectLst/>
+                          <a:latin typeface="Calibri" panose="020F0502020204030204" pitchFamily="34" charset="0"/>
+                        </a:rPr>
+                        <a:t>48</a:t>
+                      </a:r>
+                    </a:p>
+                  </a:txBody>
+                  <a:tcPr marL="0" marR="0" marT="0" marB="0" anchor="b"/>
+                </a:tc>
+                <a:tc>
+                  <a:txBody>
+                    <a:bodyPr/>
+                    <a:lstStyle/>
+                    <a:p>
+                      <a:pPr algn="ctr" rtl="0" fontAlgn="b"/>
+                      <a:r>
+                        <a:rPr lang="en-GB" sz="1400" u="none" strike="noStrike" dirty="0">
+                          <a:solidFill>
+                            <a:srgbClr val="00B050"/>
+                          </a:solidFill>
+                          <a:effectLst/>
+                        </a:rPr>
+                        <a:t>256G</a:t>
+                      </a:r>
+                      <a:endParaRPr lang="en-GB" sz="1400" b="0" i="0" u="none" strike="noStrike" dirty="0">
+                        <a:solidFill>
+                          <a:srgbClr val="00B050"/>
+                        </a:solidFill>
+                        <a:effectLst/>
+                        <a:latin typeface="Calibri" panose="020F0502020204030204" pitchFamily="34" charset="0"/>
+                      </a:endParaRPr>
+                    </a:p>
+                  </a:txBody>
+                  <a:tcPr marL="0" marR="0" marT="0" marB="0" anchor="b"/>
+                </a:tc>
+                <a:extLst>
+                  <a:ext uri="{0D108BD9-81ED-4DB2-BD59-A6C34878D82A}">
+                    <a16:rowId xmlns:a16="http://schemas.microsoft.com/office/drawing/2014/main" val="2162154382"/>
+                  </a:ext>
+                </a:extLst>
+              </a:tr>
+              <a:tr h="240899">
+                <a:tc>
+                  <a:txBody>
+                    <a:bodyPr/>
+                    <a:lstStyle/>
+                    <a:p>
+                      <a:pPr algn="ctr" rtl="0" fontAlgn="b"/>
+                      <a:r>
+                        <a:rPr lang="en-GB" sz="1400" u="none" strike="noStrike">
+                          <a:solidFill>
+                            <a:srgbClr val="00B050"/>
+                          </a:solidFill>
+                          <a:effectLst/>
+                        </a:rPr>
+                        <a:t>Beast</a:t>
+                      </a:r>
+                      <a:endParaRPr lang="en-GB" sz="1400" b="0" i="0" u="none" strike="noStrike">
+                        <a:solidFill>
+                          <a:srgbClr val="00B050"/>
+                        </a:solidFill>
+                        <a:effectLst/>
+                        <a:latin typeface="Calibri" panose="020F0502020204030204" pitchFamily="34" charset="0"/>
+                      </a:endParaRPr>
+                    </a:p>
+                  </a:txBody>
+                  <a:tcPr marL="0" marR="0" marT="0" marB="0" anchor="b"/>
+                </a:tc>
+                <a:tc>
+                  <a:txBody>
+                    <a:bodyPr/>
+                    <a:lstStyle/>
+                    <a:p>
+                      <a:pPr algn="ctr" rtl="0" fontAlgn="b"/>
+                      <a:r>
+                        <a:rPr lang="en-GB" sz="1400" b="0" i="0" u="none" strike="noStrike" dirty="0">
+                          <a:solidFill>
+                            <a:srgbClr val="00B050"/>
+                          </a:solidFill>
+                          <a:effectLst/>
+                          <a:latin typeface="Calibri" panose="020F0502020204030204" pitchFamily="34" charset="0"/>
+                        </a:rPr>
+                        <a:t>48</a:t>
+                      </a:r>
+                    </a:p>
+                  </a:txBody>
+                  <a:tcPr marL="0" marR="0" marT="0" marB="0" anchor="b"/>
+                </a:tc>
+                <a:tc>
+                  <a:txBody>
+                    <a:bodyPr/>
+                    <a:lstStyle/>
+                    <a:p>
+                      <a:pPr algn="ctr" rtl="0" fontAlgn="b"/>
+                      <a:r>
+                        <a:rPr lang="en-GB" sz="1400" u="none" strike="noStrike" dirty="0">
+                          <a:solidFill>
+                            <a:srgbClr val="00B050"/>
+                          </a:solidFill>
+                          <a:effectLst/>
+                        </a:rPr>
+                        <a:t>256G</a:t>
+                      </a:r>
+                      <a:endParaRPr lang="en-GB" sz="1400" b="0" i="0" u="none" strike="noStrike" dirty="0">
+                        <a:solidFill>
+                          <a:srgbClr val="00B050"/>
+                        </a:solidFill>
+                        <a:effectLst/>
+                        <a:latin typeface="Calibri" panose="020F0502020204030204" pitchFamily="34" charset="0"/>
+                      </a:endParaRPr>
+                    </a:p>
+                  </a:txBody>
+                  <a:tcPr marL="0" marR="0" marT="0" marB="0" anchor="b"/>
+                </a:tc>
+                <a:extLst>
+                  <a:ext uri="{0D108BD9-81ED-4DB2-BD59-A6C34878D82A}">
+                    <a16:rowId xmlns:a16="http://schemas.microsoft.com/office/drawing/2014/main" val="2415619570"/>
+                  </a:ext>
+                </a:extLst>
+              </a:tr>
+              <a:tr h="240899">
+                <a:tc>
+                  <a:txBody>
+                    <a:bodyPr/>
+                    <a:lstStyle/>
+                    <a:p>
+                      <a:pPr algn="ctr" rtl="0" fontAlgn="b"/>
+                      <a:r>
+                        <a:rPr lang="en-GB" sz="1400" u="none" strike="noStrike">
+                          <a:effectLst/>
+                        </a:rPr>
+                        <a:t>node1</a:t>
+                      </a:r>
+                      <a:endParaRPr lang="en-GB" sz="1400" b="0" i="0" u="none" strike="noStrike">
+                        <a:solidFill>
+                          <a:srgbClr val="000000"/>
+                        </a:solidFill>
+                        <a:effectLst/>
+                        <a:latin typeface="Calibri" panose="020F0502020204030204" pitchFamily="34" charset="0"/>
+                      </a:endParaRPr>
+                    </a:p>
+                  </a:txBody>
+                  <a:tcPr marL="0" marR="0" marT="0" marB="0" anchor="b"/>
+                </a:tc>
+                <a:tc>
+                  <a:txBody>
+                    <a:bodyPr/>
+                    <a:lstStyle/>
+                    <a:p>
+                      <a:pPr algn="ctr" rtl="0" fontAlgn="b"/>
+                      <a:r>
+                        <a:rPr lang="en-GB" sz="1400" u="none" strike="noStrike" dirty="0">
+                          <a:effectLst/>
+                        </a:rPr>
+                        <a:t>16</a:t>
+                      </a:r>
+                      <a:endParaRPr lang="en-GB" sz="1400" b="0" i="0" u="none" strike="noStrike" dirty="0">
+                        <a:solidFill>
+                          <a:srgbClr val="000000"/>
+                        </a:solidFill>
+                        <a:effectLst/>
+                        <a:latin typeface="Calibri" panose="020F0502020204030204" pitchFamily="34" charset="0"/>
+                      </a:endParaRPr>
+                    </a:p>
+                  </a:txBody>
+                  <a:tcPr marL="0" marR="0" marT="0" marB="0" anchor="b"/>
+                </a:tc>
+                <a:tc>
+                  <a:txBody>
+                    <a:bodyPr/>
+                    <a:lstStyle/>
+                    <a:p>
+                      <a:pPr algn="ctr" rtl="0" fontAlgn="b"/>
+                      <a:r>
+                        <a:rPr lang="en-GB" sz="1400" u="none" strike="noStrike" dirty="0">
+                          <a:effectLst/>
+                        </a:rPr>
+                        <a:t>126.0G</a:t>
+                      </a:r>
+                      <a:endParaRPr lang="en-GB" sz="1400" b="0" i="0" u="none" strike="noStrike" dirty="0">
+                        <a:solidFill>
+                          <a:srgbClr val="000000"/>
+                        </a:solidFill>
+                        <a:effectLst/>
+                        <a:latin typeface="Calibri" panose="020F0502020204030204" pitchFamily="34" charset="0"/>
+                      </a:endParaRPr>
+                    </a:p>
+                  </a:txBody>
+                  <a:tcPr marL="0" marR="0" marT="0" marB="0" anchor="b"/>
+                </a:tc>
+                <a:extLst>
+                  <a:ext uri="{0D108BD9-81ED-4DB2-BD59-A6C34878D82A}">
+                    <a16:rowId xmlns:a16="http://schemas.microsoft.com/office/drawing/2014/main" val="2582352257"/>
+                  </a:ext>
+                </a:extLst>
+              </a:tr>
+              <a:tr h="472531">
+                <a:tc>
+                  <a:txBody>
+                    <a:bodyPr/>
+                    <a:lstStyle/>
+                    <a:p>
+                      <a:pPr algn="ctr" rtl="0" fontAlgn="b"/>
+                      <a:r>
+                        <a:rPr lang="en-GB" sz="1400" u="none" strike="noStrike">
+                          <a:effectLst/>
+                        </a:rPr>
+                        <a:t>node10</a:t>
+                      </a:r>
+                      <a:endParaRPr lang="en-GB" sz="1400" b="0" i="0" u="none" strike="noStrike">
+                        <a:solidFill>
+                          <a:srgbClr val="000000"/>
+                        </a:solidFill>
+                        <a:effectLst/>
+                        <a:latin typeface="Calibri" panose="020F0502020204030204" pitchFamily="34" charset="0"/>
+                      </a:endParaRPr>
+                    </a:p>
+                  </a:txBody>
+                  <a:tcPr marL="0" marR="0" marT="0" marB="0" anchor="b"/>
+                </a:tc>
+                <a:tc>
+                  <a:txBody>
+                    <a:bodyPr/>
+                    <a:lstStyle/>
+                    <a:p>
+                      <a:pPr algn="ctr" rtl="0" fontAlgn="b"/>
+                      <a:r>
+                        <a:rPr lang="en-GB" sz="1400" u="none" strike="noStrike" dirty="0">
+                          <a:effectLst/>
+                        </a:rPr>
+                        <a:t>16</a:t>
+                      </a:r>
+                      <a:endParaRPr lang="en-GB" sz="1400" b="0" i="0" u="none" strike="noStrike" dirty="0">
+                        <a:solidFill>
+                          <a:srgbClr val="000000"/>
+                        </a:solidFill>
+                        <a:effectLst/>
+                        <a:latin typeface="Calibri" panose="020F0502020204030204" pitchFamily="34" charset="0"/>
+                      </a:endParaRPr>
+                    </a:p>
+                  </a:txBody>
+                  <a:tcPr marL="0" marR="0" marT="0" marB="0" anchor="b"/>
+                </a:tc>
+                <a:tc>
+                  <a:txBody>
+                    <a:bodyPr/>
+                    <a:lstStyle/>
+                    <a:p>
+                      <a:pPr algn="ctr" rtl="0" fontAlgn="b"/>
+                      <a:r>
+                        <a:rPr lang="en-GB" sz="1400" u="none" strike="noStrike" dirty="0">
+                          <a:effectLst/>
+                        </a:rPr>
+                        <a:t>252.3G</a:t>
+                      </a:r>
+                      <a:endParaRPr lang="en-GB" sz="1400" b="0" i="0" u="none" strike="noStrike" dirty="0">
+                        <a:solidFill>
+                          <a:srgbClr val="000000"/>
+                        </a:solidFill>
+                        <a:effectLst/>
+                        <a:latin typeface="Calibri" panose="020F0502020204030204" pitchFamily="34" charset="0"/>
+                      </a:endParaRPr>
+                    </a:p>
+                  </a:txBody>
+                  <a:tcPr marL="0" marR="0" marT="0" marB="0" anchor="b"/>
+                </a:tc>
+                <a:extLst>
+                  <a:ext uri="{0D108BD9-81ED-4DB2-BD59-A6C34878D82A}">
+                    <a16:rowId xmlns:a16="http://schemas.microsoft.com/office/drawing/2014/main" val="1859176347"/>
+                  </a:ext>
+                </a:extLst>
+              </a:tr>
+              <a:tr h="472531">
+                <a:tc>
+                  <a:txBody>
+                    <a:bodyPr/>
+                    <a:lstStyle/>
+                    <a:p>
+                      <a:pPr algn="ctr" rtl="0" fontAlgn="b"/>
+                      <a:r>
+                        <a:rPr lang="en-GB" sz="1400" u="none" strike="noStrike">
+                          <a:effectLst/>
+                        </a:rPr>
+                        <a:t>node2</a:t>
+                      </a:r>
+                      <a:endParaRPr lang="en-GB" sz="1400" b="0" i="0" u="none" strike="noStrike">
+                        <a:solidFill>
+                          <a:srgbClr val="000000"/>
+                        </a:solidFill>
+                        <a:effectLst/>
+                        <a:latin typeface="Calibri" panose="020F0502020204030204" pitchFamily="34" charset="0"/>
+                      </a:endParaRPr>
+                    </a:p>
+                  </a:txBody>
+                  <a:tcPr marL="0" marR="0" marT="0" marB="0" anchor="b"/>
+                </a:tc>
+                <a:tc>
+                  <a:txBody>
+                    <a:bodyPr/>
+                    <a:lstStyle/>
+                    <a:p>
+                      <a:pPr algn="ctr" rtl="0" fontAlgn="b"/>
+                      <a:r>
+                        <a:rPr lang="en-GB" sz="1400" u="none" strike="noStrike" dirty="0">
+                          <a:effectLst/>
+                        </a:rPr>
+                        <a:t>16</a:t>
+                      </a:r>
+                      <a:endParaRPr lang="en-GB" sz="1400" b="0" i="0" u="none" strike="noStrike" dirty="0">
+                        <a:solidFill>
+                          <a:srgbClr val="000000"/>
+                        </a:solidFill>
+                        <a:effectLst/>
+                        <a:latin typeface="Calibri" panose="020F0502020204030204" pitchFamily="34" charset="0"/>
+                      </a:endParaRPr>
+                    </a:p>
+                  </a:txBody>
+                  <a:tcPr marL="0" marR="0" marT="0" marB="0" anchor="b"/>
+                </a:tc>
+                <a:tc>
+                  <a:txBody>
+                    <a:bodyPr/>
+                    <a:lstStyle/>
+                    <a:p>
+                      <a:pPr algn="ctr" rtl="0" fontAlgn="b"/>
+                      <a:r>
+                        <a:rPr lang="en-GB" sz="1400" u="none" strike="noStrike" dirty="0">
+                          <a:effectLst/>
+                        </a:rPr>
+                        <a:t>110.2G</a:t>
+                      </a:r>
+                      <a:endParaRPr lang="en-GB" sz="1400" b="0" i="0" u="none" strike="noStrike" dirty="0">
+                        <a:solidFill>
+                          <a:srgbClr val="000000"/>
+                        </a:solidFill>
+                        <a:effectLst/>
+                        <a:latin typeface="Calibri" panose="020F0502020204030204" pitchFamily="34" charset="0"/>
+                      </a:endParaRPr>
+                    </a:p>
+                  </a:txBody>
+                  <a:tcPr marL="0" marR="0" marT="0" marB="0" anchor="b"/>
+                </a:tc>
+                <a:extLst>
+                  <a:ext uri="{0D108BD9-81ED-4DB2-BD59-A6C34878D82A}">
+                    <a16:rowId xmlns:a16="http://schemas.microsoft.com/office/drawing/2014/main" val="79281933"/>
+                  </a:ext>
+                </a:extLst>
+              </a:tr>
+              <a:tr h="240899">
+                <a:tc>
+                  <a:txBody>
+                    <a:bodyPr/>
+                    <a:lstStyle/>
+                    <a:p>
+                      <a:pPr algn="ctr" rtl="0" fontAlgn="b"/>
+                      <a:r>
+                        <a:rPr lang="en-GB" sz="1400" u="none" strike="noStrike">
+                          <a:effectLst/>
+                        </a:rPr>
+                        <a:t>node3</a:t>
+                      </a:r>
+                      <a:endParaRPr lang="en-GB" sz="1400" b="0" i="0" u="none" strike="noStrike">
+                        <a:solidFill>
+                          <a:srgbClr val="000000"/>
+                        </a:solidFill>
+                        <a:effectLst/>
+                        <a:latin typeface="Calibri" panose="020F0502020204030204" pitchFamily="34" charset="0"/>
+                      </a:endParaRPr>
+                    </a:p>
+                  </a:txBody>
+                  <a:tcPr marL="0" marR="0" marT="0" marB="0" anchor="b"/>
+                </a:tc>
+                <a:tc>
+                  <a:txBody>
+                    <a:bodyPr/>
+                    <a:lstStyle/>
+                    <a:p>
+                      <a:pPr algn="ctr" rtl="0" fontAlgn="b"/>
+                      <a:r>
+                        <a:rPr lang="en-GB" sz="1400" u="none" strike="noStrike" dirty="0">
+                          <a:effectLst/>
+                        </a:rPr>
+                        <a:t>16</a:t>
+                      </a:r>
+                      <a:endParaRPr lang="en-GB" sz="1400" b="0" i="0" u="none" strike="noStrike" dirty="0">
+                        <a:solidFill>
+                          <a:srgbClr val="000000"/>
+                        </a:solidFill>
+                        <a:effectLst/>
+                        <a:latin typeface="Calibri" panose="020F0502020204030204" pitchFamily="34" charset="0"/>
+                      </a:endParaRPr>
+                    </a:p>
+                  </a:txBody>
+                  <a:tcPr marL="0" marR="0" marT="0" marB="0" anchor="b"/>
+                </a:tc>
+                <a:tc>
+                  <a:txBody>
+                    <a:bodyPr/>
+                    <a:lstStyle/>
+                    <a:p>
+                      <a:pPr algn="ctr" rtl="0" fontAlgn="b"/>
+                      <a:r>
+                        <a:rPr lang="en-GB" sz="1400" u="none" strike="noStrike" dirty="0">
+                          <a:effectLst/>
+                        </a:rPr>
+                        <a:t>500G *</a:t>
+                      </a:r>
+                      <a:endParaRPr lang="en-GB" sz="1400" b="0" i="0" u="none" strike="noStrike" dirty="0">
+                        <a:solidFill>
+                          <a:srgbClr val="000000"/>
+                        </a:solidFill>
+                        <a:effectLst/>
+                        <a:latin typeface="Calibri" panose="020F0502020204030204" pitchFamily="34" charset="0"/>
+                      </a:endParaRPr>
+                    </a:p>
+                  </a:txBody>
+                  <a:tcPr marL="0" marR="0" marT="0" marB="0" anchor="b"/>
+                </a:tc>
+                <a:extLst>
+                  <a:ext uri="{0D108BD9-81ED-4DB2-BD59-A6C34878D82A}">
+                    <a16:rowId xmlns:a16="http://schemas.microsoft.com/office/drawing/2014/main" val="1652917636"/>
+                  </a:ext>
+                </a:extLst>
+              </a:tr>
+              <a:tr h="240899">
+                <a:tc>
+                  <a:txBody>
+                    <a:bodyPr/>
+                    <a:lstStyle/>
+                    <a:p>
+                      <a:pPr algn="ctr" rtl="0" fontAlgn="b"/>
+                      <a:r>
+                        <a:rPr lang="en-GB" sz="1400" u="none" strike="noStrike">
+                          <a:effectLst/>
+                        </a:rPr>
+                        <a:t>node4</a:t>
+                      </a:r>
+                      <a:endParaRPr lang="en-GB" sz="1400" b="0" i="0" u="none" strike="noStrike">
+                        <a:solidFill>
+                          <a:srgbClr val="000000"/>
+                        </a:solidFill>
+                        <a:effectLst/>
+                        <a:latin typeface="Calibri" panose="020F0502020204030204" pitchFamily="34" charset="0"/>
+                      </a:endParaRPr>
+                    </a:p>
+                  </a:txBody>
+                  <a:tcPr marL="0" marR="0" marT="0" marB="0" anchor="b"/>
+                </a:tc>
+                <a:tc>
+                  <a:txBody>
+                    <a:bodyPr/>
+                    <a:lstStyle/>
+                    <a:p>
+                      <a:pPr algn="ctr" rtl="0" fontAlgn="b"/>
+                      <a:r>
+                        <a:rPr lang="en-GB" sz="1400" u="none" strike="noStrike" dirty="0">
+                          <a:effectLst/>
+                        </a:rPr>
+                        <a:t>16</a:t>
+                      </a:r>
+                      <a:endParaRPr lang="en-GB" sz="1400" b="0" i="0" u="none" strike="noStrike" dirty="0">
+                        <a:solidFill>
+                          <a:srgbClr val="000000"/>
+                        </a:solidFill>
+                        <a:effectLst/>
+                        <a:latin typeface="Calibri" panose="020F0502020204030204" pitchFamily="34" charset="0"/>
+                      </a:endParaRPr>
+                    </a:p>
+                  </a:txBody>
+                  <a:tcPr marL="0" marR="0" marT="0" marB="0" anchor="b"/>
+                </a:tc>
+                <a:tc>
+                  <a:txBody>
+                    <a:bodyPr/>
+                    <a:lstStyle/>
+                    <a:p>
+                      <a:pPr algn="ctr" rtl="0" fontAlgn="b"/>
+                      <a:r>
+                        <a:rPr lang="en-GB" sz="1400" u="none" strike="noStrike" dirty="0">
+                          <a:effectLst/>
+                        </a:rPr>
+                        <a:t>2560G</a:t>
+                      </a:r>
+                      <a:endParaRPr lang="en-GB" sz="1400" b="0" i="0" u="none" strike="noStrike" dirty="0">
+                        <a:solidFill>
+                          <a:srgbClr val="000000"/>
+                        </a:solidFill>
+                        <a:effectLst/>
+                        <a:latin typeface="Calibri" panose="020F0502020204030204" pitchFamily="34" charset="0"/>
+                      </a:endParaRPr>
+                    </a:p>
+                  </a:txBody>
+                  <a:tcPr marL="0" marR="0" marT="0" marB="0" anchor="b"/>
+                </a:tc>
+                <a:extLst>
+                  <a:ext uri="{0D108BD9-81ED-4DB2-BD59-A6C34878D82A}">
+                    <a16:rowId xmlns:a16="http://schemas.microsoft.com/office/drawing/2014/main" val="2589105455"/>
+                  </a:ext>
+                </a:extLst>
+              </a:tr>
+              <a:tr h="472531">
+                <a:tc>
+                  <a:txBody>
+                    <a:bodyPr/>
+                    <a:lstStyle/>
+                    <a:p>
+                      <a:pPr algn="ctr" rtl="0" fontAlgn="b"/>
+                      <a:r>
+                        <a:rPr lang="en-GB" sz="1400" u="none" strike="noStrike">
+                          <a:effectLst/>
+                        </a:rPr>
+                        <a:t>node5</a:t>
+                      </a:r>
+                      <a:endParaRPr lang="en-GB" sz="1400" b="0" i="0" u="none" strike="noStrike">
+                        <a:solidFill>
+                          <a:srgbClr val="000000"/>
+                        </a:solidFill>
+                        <a:effectLst/>
+                        <a:latin typeface="Calibri" panose="020F0502020204030204" pitchFamily="34" charset="0"/>
+                      </a:endParaRPr>
+                    </a:p>
+                  </a:txBody>
+                  <a:tcPr marL="0" marR="0" marT="0" marB="0" anchor="b"/>
+                </a:tc>
+                <a:tc>
+                  <a:txBody>
+                    <a:bodyPr/>
+                    <a:lstStyle/>
+                    <a:p>
+                      <a:pPr algn="ctr" rtl="0" fontAlgn="b"/>
+                      <a:r>
+                        <a:rPr lang="en-GB" sz="1400" u="none" strike="noStrike" dirty="0">
+                          <a:effectLst/>
+                        </a:rPr>
+                        <a:t>16</a:t>
+                      </a:r>
+                      <a:endParaRPr lang="en-GB" sz="1400" b="0" i="0" u="none" strike="noStrike" dirty="0">
+                        <a:solidFill>
+                          <a:srgbClr val="000000"/>
+                        </a:solidFill>
+                        <a:effectLst/>
+                        <a:latin typeface="Calibri" panose="020F0502020204030204" pitchFamily="34" charset="0"/>
+                      </a:endParaRPr>
+                    </a:p>
+                  </a:txBody>
+                  <a:tcPr marL="0" marR="0" marT="0" marB="0" anchor="b"/>
+                </a:tc>
+                <a:tc>
+                  <a:txBody>
+                    <a:bodyPr/>
+                    <a:lstStyle/>
+                    <a:p>
+                      <a:pPr algn="ctr" rtl="0" fontAlgn="b"/>
+                      <a:r>
+                        <a:rPr lang="en-GB" sz="1400" u="none" strike="noStrike" dirty="0">
+                          <a:effectLst/>
+                        </a:rPr>
+                        <a:t>126.0G</a:t>
+                      </a:r>
+                      <a:endParaRPr lang="en-GB" sz="1400" b="0" i="0" u="none" strike="noStrike" dirty="0">
+                        <a:solidFill>
+                          <a:srgbClr val="000000"/>
+                        </a:solidFill>
+                        <a:effectLst/>
+                        <a:latin typeface="Calibri" panose="020F0502020204030204" pitchFamily="34" charset="0"/>
+                      </a:endParaRPr>
+                    </a:p>
+                  </a:txBody>
+                  <a:tcPr marL="0" marR="0" marT="0" marB="0" anchor="b"/>
+                </a:tc>
+                <a:extLst>
+                  <a:ext uri="{0D108BD9-81ED-4DB2-BD59-A6C34878D82A}">
+                    <a16:rowId xmlns:a16="http://schemas.microsoft.com/office/drawing/2014/main" val="537241273"/>
+                  </a:ext>
+                </a:extLst>
+              </a:tr>
+              <a:tr h="472531">
+                <a:tc>
+                  <a:txBody>
+                    <a:bodyPr/>
+                    <a:lstStyle/>
+                    <a:p>
+                      <a:pPr algn="ctr" rtl="0" fontAlgn="b"/>
+                      <a:r>
+                        <a:rPr lang="en-GB" sz="1400" u="none" strike="noStrike">
+                          <a:effectLst/>
+                        </a:rPr>
+                        <a:t>node6</a:t>
+                      </a:r>
+                      <a:endParaRPr lang="en-GB" sz="1400" b="0" i="0" u="none" strike="noStrike">
+                        <a:solidFill>
+                          <a:srgbClr val="000000"/>
+                        </a:solidFill>
+                        <a:effectLst/>
+                        <a:latin typeface="Calibri" panose="020F0502020204030204" pitchFamily="34" charset="0"/>
+                      </a:endParaRPr>
+                    </a:p>
+                  </a:txBody>
+                  <a:tcPr marL="0" marR="0" marT="0" marB="0" anchor="b"/>
+                </a:tc>
+                <a:tc>
+                  <a:txBody>
+                    <a:bodyPr/>
+                    <a:lstStyle/>
+                    <a:p>
+                      <a:pPr algn="ctr" rtl="0" fontAlgn="b"/>
+                      <a:r>
+                        <a:rPr lang="en-GB" sz="1400" u="none" strike="noStrike" dirty="0">
+                          <a:effectLst/>
+                        </a:rPr>
+                        <a:t>16</a:t>
+                      </a:r>
+                      <a:endParaRPr lang="en-GB" sz="1400" b="0" i="0" u="none" strike="noStrike" dirty="0">
+                        <a:solidFill>
+                          <a:srgbClr val="000000"/>
+                        </a:solidFill>
+                        <a:effectLst/>
+                        <a:latin typeface="Calibri" panose="020F0502020204030204" pitchFamily="34" charset="0"/>
+                      </a:endParaRPr>
+                    </a:p>
+                  </a:txBody>
+                  <a:tcPr marL="0" marR="0" marT="0" marB="0" anchor="b"/>
+                </a:tc>
+                <a:tc>
+                  <a:txBody>
+                    <a:bodyPr/>
+                    <a:lstStyle/>
+                    <a:p>
+                      <a:pPr algn="ctr" rtl="0" fontAlgn="b"/>
+                      <a:r>
+                        <a:rPr lang="en-GB" sz="1400" u="none" strike="noStrike" dirty="0">
+                          <a:effectLst/>
+                        </a:rPr>
+                        <a:t>126.0G</a:t>
+                      </a:r>
+                      <a:endParaRPr lang="en-GB" sz="1400" b="0" i="0" u="none" strike="noStrike" dirty="0">
+                        <a:solidFill>
+                          <a:srgbClr val="000000"/>
+                        </a:solidFill>
+                        <a:effectLst/>
+                        <a:latin typeface="Calibri" panose="020F0502020204030204" pitchFamily="34" charset="0"/>
+                      </a:endParaRPr>
+                    </a:p>
+                  </a:txBody>
+                  <a:tcPr marL="0" marR="0" marT="0" marB="0" anchor="b"/>
+                </a:tc>
+                <a:extLst>
+                  <a:ext uri="{0D108BD9-81ED-4DB2-BD59-A6C34878D82A}">
+                    <a16:rowId xmlns:a16="http://schemas.microsoft.com/office/drawing/2014/main" val="1282792492"/>
+                  </a:ext>
+                </a:extLst>
+              </a:tr>
+              <a:tr h="472531">
+                <a:tc>
+                  <a:txBody>
+                    <a:bodyPr/>
+                    <a:lstStyle/>
+                    <a:p>
+                      <a:pPr algn="ctr" rtl="0" fontAlgn="b"/>
+                      <a:r>
+                        <a:rPr lang="en-GB" sz="1400" u="none" strike="noStrike">
+                          <a:effectLst/>
+                        </a:rPr>
+                        <a:t>node7</a:t>
+                      </a:r>
+                      <a:endParaRPr lang="en-GB" sz="1400" b="0" i="0" u="none" strike="noStrike">
+                        <a:solidFill>
+                          <a:srgbClr val="000000"/>
+                        </a:solidFill>
+                        <a:effectLst/>
+                        <a:latin typeface="Calibri" panose="020F0502020204030204" pitchFamily="34" charset="0"/>
+                      </a:endParaRPr>
+                    </a:p>
+                  </a:txBody>
+                  <a:tcPr marL="0" marR="0" marT="0" marB="0" anchor="b"/>
+                </a:tc>
+                <a:tc>
+                  <a:txBody>
+                    <a:bodyPr/>
+                    <a:lstStyle/>
+                    <a:p>
+                      <a:pPr algn="ctr" rtl="0" fontAlgn="b"/>
+                      <a:r>
+                        <a:rPr lang="en-GB" sz="1400" u="none" strike="noStrike" dirty="0">
+                          <a:effectLst/>
+                        </a:rPr>
+                        <a:t>16</a:t>
+                      </a:r>
+                      <a:endParaRPr lang="en-GB" sz="1400" b="0" i="0" u="none" strike="noStrike" dirty="0">
+                        <a:solidFill>
+                          <a:srgbClr val="000000"/>
+                        </a:solidFill>
+                        <a:effectLst/>
+                        <a:latin typeface="Calibri" panose="020F0502020204030204" pitchFamily="34" charset="0"/>
+                      </a:endParaRPr>
+                    </a:p>
+                  </a:txBody>
+                  <a:tcPr marL="0" marR="0" marT="0" marB="0" anchor="b"/>
+                </a:tc>
+                <a:tc>
+                  <a:txBody>
+                    <a:bodyPr/>
+                    <a:lstStyle/>
+                    <a:p>
+                      <a:pPr algn="ctr" rtl="0" fontAlgn="b"/>
+                      <a:r>
+                        <a:rPr lang="en-GB" sz="1400" u="none" strike="noStrike" dirty="0">
+                          <a:effectLst/>
+                        </a:rPr>
+                        <a:t>126.0G</a:t>
+                      </a:r>
+                      <a:endParaRPr lang="en-GB" sz="1400" b="0" i="0" u="none" strike="noStrike" dirty="0">
+                        <a:solidFill>
+                          <a:srgbClr val="000000"/>
+                        </a:solidFill>
+                        <a:effectLst/>
+                        <a:latin typeface="Calibri" panose="020F0502020204030204" pitchFamily="34" charset="0"/>
+                      </a:endParaRPr>
+                    </a:p>
+                  </a:txBody>
+                  <a:tcPr marL="0" marR="0" marT="0" marB="0" anchor="b"/>
+                </a:tc>
+                <a:extLst>
+                  <a:ext uri="{0D108BD9-81ED-4DB2-BD59-A6C34878D82A}">
+                    <a16:rowId xmlns:a16="http://schemas.microsoft.com/office/drawing/2014/main" val="3303530376"/>
+                  </a:ext>
+                </a:extLst>
+              </a:tr>
+              <a:tr h="472531">
+                <a:tc>
+                  <a:txBody>
+                    <a:bodyPr/>
+                    <a:lstStyle/>
+                    <a:p>
+                      <a:pPr algn="ctr" rtl="0" fontAlgn="b"/>
+                      <a:r>
+                        <a:rPr lang="en-GB" sz="1400" u="none" strike="noStrike">
+                          <a:effectLst/>
+                        </a:rPr>
+                        <a:t>node8</a:t>
+                      </a:r>
+                      <a:endParaRPr lang="en-GB" sz="1400" b="0" i="0" u="none" strike="noStrike">
+                        <a:solidFill>
+                          <a:srgbClr val="000000"/>
+                        </a:solidFill>
+                        <a:effectLst/>
+                        <a:latin typeface="Calibri" panose="020F0502020204030204" pitchFamily="34" charset="0"/>
+                      </a:endParaRPr>
+                    </a:p>
+                  </a:txBody>
+                  <a:tcPr marL="0" marR="0" marT="0" marB="0" anchor="b"/>
+                </a:tc>
+                <a:tc>
+                  <a:txBody>
+                    <a:bodyPr/>
+                    <a:lstStyle/>
+                    <a:p>
+                      <a:pPr algn="ctr" rtl="0" fontAlgn="b"/>
+                      <a:r>
+                        <a:rPr lang="en-GB" sz="1400" u="none" strike="noStrike" dirty="0">
+                          <a:effectLst/>
+                        </a:rPr>
+                        <a:t>16</a:t>
+                      </a:r>
+                      <a:endParaRPr lang="en-GB" sz="1400" b="0" i="0" u="none" strike="noStrike" dirty="0">
+                        <a:solidFill>
+                          <a:srgbClr val="000000"/>
+                        </a:solidFill>
+                        <a:effectLst/>
+                        <a:latin typeface="Calibri" panose="020F0502020204030204" pitchFamily="34" charset="0"/>
+                      </a:endParaRPr>
+                    </a:p>
+                  </a:txBody>
+                  <a:tcPr marL="0" marR="0" marT="0" marB="0" anchor="b"/>
+                </a:tc>
+                <a:tc>
+                  <a:txBody>
+                    <a:bodyPr/>
+                    <a:lstStyle/>
+                    <a:p>
+                      <a:pPr algn="ctr" rtl="0" fontAlgn="b"/>
+                      <a:r>
+                        <a:rPr lang="en-GB" sz="1400" u="none" strike="noStrike" dirty="0">
+                          <a:effectLst/>
+                        </a:rPr>
+                        <a:t>126.0G</a:t>
+                      </a:r>
+                      <a:endParaRPr lang="en-GB" sz="1400" b="0" i="0" u="none" strike="noStrike" dirty="0">
+                        <a:solidFill>
+                          <a:srgbClr val="000000"/>
+                        </a:solidFill>
+                        <a:effectLst/>
+                        <a:latin typeface="Calibri" panose="020F0502020204030204" pitchFamily="34" charset="0"/>
+                      </a:endParaRPr>
+                    </a:p>
+                  </a:txBody>
+                  <a:tcPr marL="0" marR="0" marT="0" marB="0" anchor="b"/>
+                </a:tc>
+                <a:extLst>
+                  <a:ext uri="{0D108BD9-81ED-4DB2-BD59-A6C34878D82A}">
+                    <a16:rowId xmlns:a16="http://schemas.microsoft.com/office/drawing/2014/main" val="2375669220"/>
+                  </a:ext>
+                </a:extLst>
+              </a:tr>
+              <a:tr h="472531">
+                <a:tc>
+                  <a:txBody>
+                    <a:bodyPr/>
+                    <a:lstStyle/>
+                    <a:p>
+                      <a:pPr algn="ctr" rtl="0" fontAlgn="b"/>
+                      <a:r>
+                        <a:rPr lang="en-GB" sz="1400" u="none" strike="noStrike">
+                          <a:effectLst/>
+                        </a:rPr>
+                        <a:t>node9</a:t>
+                      </a:r>
+                      <a:endParaRPr lang="en-GB" sz="1400" b="0" i="0" u="none" strike="noStrike">
+                        <a:solidFill>
+                          <a:srgbClr val="000000"/>
+                        </a:solidFill>
+                        <a:effectLst/>
+                        <a:latin typeface="Calibri" panose="020F0502020204030204" pitchFamily="34" charset="0"/>
+                      </a:endParaRPr>
+                    </a:p>
+                  </a:txBody>
+                  <a:tcPr marL="0" marR="0" marT="0" marB="0" anchor="b"/>
+                </a:tc>
+                <a:tc>
+                  <a:txBody>
+                    <a:bodyPr/>
+                    <a:lstStyle/>
+                    <a:p>
+                      <a:pPr algn="ctr" rtl="0" fontAlgn="b"/>
+                      <a:r>
+                        <a:rPr lang="en-GB" sz="1400" u="none" strike="noStrike" dirty="0">
+                          <a:effectLst/>
+                        </a:rPr>
+                        <a:t>16</a:t>
+                      </a:r>
+                      <a:endParaRPr lang="en-GB" sz="1400" b="0" i="0" u="none" strike="noStrike" dirty="0">
+                        <a:solidFill>
+                          <a:srgbClr val="000000"/>
+                        </a:solidFill>
+                        <a:effectLst/>
+                        <a:latin typeface="Calibri" panose="020F0502020204030204" pitchFamily="34" charset="0"/>
+                      </a:endParaRPr>
+                    </a:p>
+                  </a:txBody>
+                  <a:tcPr marL="0" marR="0" marT="0" marB="0" anchor="b"/>
+                </a:tc>
+                <a:tc>
+                  <a:txBody>
+                    <a:bodyPr/>
+                    <a:lstStyle/>
+                    <a:p>
+                      <a:pPr algn="ctr" rtl="0" fontAlgn="b"/>
+                      <a:r>
+                        <a:rPr lang="en-GB" sz="1400" u="none" strike="noStrike" dirty="0">
+                          <a:effectLst/>
+                        </a:rPr>
+                        <a:t>504.7G</a:t>
+                      </a:r>
+                      <a:endParaRPr lang="en-GB" sz="1400" b="0" i="0" u="none" strike="noStrike" dirty="0">
+                        <a:solidFill>
+                          <a:srgbClr val="000000"/>
+                        </a:solidFill>
+                        <a:effectLst/>
+                        <a:latin typeface="Calibri" panose="020F0502020204030204" pitchFamily="34" charset="0"/>
+                      </a:endParaRPr>
+                    </a:p>
+                  </a:txBody>
+                  <a:tcPr marL="0" marR="0" marT="0" marB="0" anchor="b"/>
+                </a:tc>
+                <a:extLst>
+                  <a:ext uri="{0D108BD9-81ED-4DB2-BD59-A6C34878D82A}">
+                    <a16:rowId xmlns:a16="http://schemas.microsoft.com/office/drawing/2014/main" val="984992783"/>
+                  </a:ext>
+                </a:extLst>
+              </a:tr>
+              <a:tr h="240899">
+                <a:tc>
+                  <a:txBody>
+                    <a:bodyPr/>
+                    <a:lstStyle/>
+                    <a:p>
+                      <a:pPr algn="ctr" rtl="0" fontAlgn="b"/>
+                      <a:r>
+                        <a:rPr lang="en-GB" sz="1400" b="1" u="none" strike="noStrike" dirty="0">
+                          <a:effectLst/>
+                        </a:rPr>
+                        <a:t>TOTAL</a:t>
+                      </a:r>
+                      <a:endParaRPr lang="en-GB" sz="1400" b="1" i="0" u="none" strike="noStrike" dirty="0">
+                        <a:solidFill>
+                          <a:srgbClr val="000000"/>
+                        </a:solidFill>
+                        <a:effectLst/>
+                        <a:latin typeface="Calibri" panose="020F0502020204030204" pitchFamily="34" charset="0"/>
+                      </a:endParaRPr>
+                    </a:p>
+                  </a:txBody>
+                  <a:tcPr marL="0" marR="0" marT="0" marB="0" anchor="b"/>
+                </a:tc>
+                <a:tc>
+                  <a:txBody>
+                    <a:bodyPr/>
+                    <a:lstStyle/>
+                    <a:p>
+                      <a:pPr algn="ctr" rtl="0" fontAlgn="b"/>
+                      <a:r>
+                        <a:rPr lang="en-GB" sz="1400" b="1" i="0" u="none" strike="noStrike" dirty="0">
+                          <a:solidFill>
+                            <a:srgbClr val="000000"/>
+                          </a:solidFill>
+                          <a:effectLst/>
+                          <a:latin typeface="Calibri" panose="020F0502020204030204" pitchFamily="34" charset="0"/>
+                        </a:rPr>
+                        <a:t>368</a:t>
+                      </a:r>
+                    </a:p>
+                  </a:txBody>
+                  <a:tcPr marL="0" marR="0" marT="0" marB="0" anchor="b"/>
+                </a:tc>
+                <a:tc>
+                  <a:txBody>
+                    <a:bodyPr/>
+                    <a:lstStyle/>
+                    <a:p>
+                      <a:pPr algn="ctr" rtl="0" fontAlgn="b"/>
+                      <a:r>
+                        <a:rPr lang="en-GB" sz="1400" b="1" u="none" strike="noStrike" dirty="0">
+                          <a:effectLst/>
+                        </a:rPr>
+                        <a:t>3.370TB</a:t>
+                      </a:r>
+                      <a:endParaRPr lang="en-GB" sz="1400" b="1" i="0" u="none" strike="noStrike" dirty="0">
+                        <a:solidFill>
+                          <a:srgbClr val="000000"/>
+                        </a:solidFill>
+                        <a:effectLst/>
+                        <a:latin typeface="Calibri" panose="020F0502020204030204" pitchFamily="34" charset="0"/>
+                      </a:endParaRPr>
+                    </a:p>
+                  </a:txBody>
+                  <a:tcPr marL="0" marR="0" marT="0" marB="0" anchor="b"/>
+                </a:tc>
+                <a:extLst>
+                  <a:ext uri="{0D108BD9-81ED-4DB2-BD59-A6C34878D82A}">
+                    <a16:rowId xmlns:a16="http://schemas.microsoft.com/office/drawing/2014/main" val="1203559928"/>
+                  </a:ext>
+                </a:extLst>
+              </a:tr>
+            </a:tbl>
+          </a:graphicData>
+        </a:graphic>
+      </p:graphicFrame>
+      <p:sp>
+        <p:nvSpPr>
+          <p:cNvPr id="13" name="Title 3">
+            <a:extLst>
+              <a:ext uri="{FF2B5EF4-FFF2-40B4-BE49-F238E27FC236}">
+                <a16:creationId xmlns:a16="http://schemas.microsoft.com/office/drawing/2014/main" id="{45A7FE2E-F806-49D3-B3E1-2EB23D6550ED}"/>
+              </a:ext>
+            </a:extLst>
+          </p:cNvPr>
+          <p:cNvSpPr txBox="1">
+            <a:spLocks/>
+          </p:cNvSpPr>
+          <p:nvPr/>
+        </p:nvSpPr>
+        <p:spPr>
+          <a:xfrm>
+            <a:off x="2700641" y="288462"/>
+            <a:ext cx="7857692" cy="707886"/>
+          </a:xfrm>
+          <a:prstGeom prst="rect">
+            <a:avLst/>
+          </a:prstGeom>
+        </p:spPr>
+        <p:txBody>
+          <a:bodyPr vert="horz" lIns="91440" tIns="45720" rIns="91440" bIns="45720" rtlCol="0" anchor="t" anchorCtr="0">
+            <a:spAutoFit/>
+          </a:bodyPr>
+          <a:lstStyle>
+            <a:lvl1pPr algn="l" defTabSz="457200" rtl="0" eaLnBrk="1" latinLnBrk="0" hangingPunct="1">
+              <a:spcBef>
+                <a:spcPct val="0"/>
+              </a:spcBef>
+              <a:buNone/>
+              <a:defRPr sz="3600" b="1" kern="1200">
+                <a:solidFill>
+                  <a:srgbClr val="872175"/>
+                </a:solidFill>
+                <a:latin typeface="+mj-lt"/>
+                <a:ea typeface="+mj-ea"/>
+                <a:cs typeface="+mj-cs"/>
+              </a:defRPr>
+            </a:lvl1pPr>
+          </a:lstStyle>
+          <a:p>
+            <a:r>
+              <a:rPr lang="en-GB" sz="4000" dirty="0"/>
+              <a:t>Cluster overview: Marvin</a:t>
+            </a:r>
+          </a:p>
+        </p:txBody>
+      </p:sp>
+      <p:sp>
+        <p:nvSpPr>
+          <p:cNvPr id="11" name="Rectangle 10">
+            <a:extLst>
+              <a:ext uri="{FF2B5EF4-FFF2-40B4-BE49-F238E27FC236}">
+                <a16:creationId xmlns:a16="http://schemas.microsoft.com/office/drawing/2014/main" id="{E29F1414-1D8E-4D21-B9DC-18ACFD159D58}"/>
+              </a:ext>
+            </a:extLst>
+          </p:cNvPr>
+          <p:cNvSpPr/>
+          <p:nvPr/>
+        </p:nvSpPr>
+        <p:spPr>
+          <a:xfrm>
+            <a:off x="1524001" y="155865"/>
+            <a:ext cx="1042219" cy="1007660"/>
+          </a:xfrm>
+          <a:prstGeom prst="rect">
+            <a:avLst/>
+          </a:prstGeom>
+          <a:solidFill>
+            <a:schemeClr val="bg1"/>
+          </a:solidFill>
+          <a:ln>
+            <a:noFill/>
+          </a:ln>
+          <a:effectLst/>
+        </p:spPr>
+        <p:style>
+          <a:lnRef idx="1">
+            <a:schemeClr val="accent1"/>
+          </a:lnRef>
+          <a:fillRef idx="3">
+            <a:schemeClr val="accent1"/>
+          </a:fillRef>
+          <a:effectRef idx="2">
+            <a:schemeClr val="accent1"/>
+          </a:effectRef>
+          <a:fontRef idx="minor">
+            <a:schemeClr val="lt1"/>
+          </a:fontRef>
+        </p:style>
+        <p:txBody>
+          <a:bodyPr rtlCol="0" anchor="ctr"/>
+          <a:lstStyle/>
+          <a:p>
+            <a:pPr algn="ctr"/>
+            <a:endParaRPr lang="en-GB" dirty="0"/>
+          </a:p>
+        </p:txBody>
+      </p:sp>
+      <p:sp>
+        <p:nvSpPr>
+          <p:cNvPr id="14" name="Content Placeholder 2">
+            <a:extLst>
+              <a:ext uri="{FF2B5EF4-FFF2-40B4-BE49-F238E27FC236}">
+                <a16:creationId xmlns:a16="http://schemas.microsoft.com/office/drawing/2014/main" id="{2C1A67DD-D2C6-4DD6-8E96-6BB757AD7796}"/>
+              </a:ext>
+            </a:extLst>
+          </p:cNvPr>
+          <p:cNvSpPr txBox="1">
+            <a:spLocks/>
+          </p:cNvSpPr>
+          <p:nvPr/>
+        </p:nvSpPr>
+        <p:spPr>
+          <a:xfrm>
+            <a:off x="895350" y="1163525"/>
+            <a:ext cx="5985727" cy="4794218"/>
+          </a:xfrm>
+          <a:prstGeom prst="rect">
+            <a:avLst/>
+          </a:prstGeom>
+          <a:noFill/>
+        </p:spPr>
+        <p:txBody>
+          <a:bodyPr vert="horz" lIns="91440" tIns="45720" rIns="91440" bIns="45720" rtlCol="0">
+            <a:normAutofit/>
+          </a:bodyPr>
+          <a:lstStyle>
+            <a:lvl1pPr marL="342900" indent="-342900" algn="l" defTabSz="457200" rtl="0" eaLnBrk="1" latinLnBrk="0" hangingPunct="1">
+              <a:spcBef>
+                <a:spcPct val="20000"/>
+              </a:spcBef>
+              <a:buClr>
+                <a:srgbClr val="872175"/>
+              </a:buClr>
+              <a:buFont typeface="Arial"/>
+              <a:buChar char="•"/>
+              <a:defRPr sz="3200" kern="1200">
+                <a:solidFill>
+                  <a:schemeClr val="tx1"/>
+                </a:solidFill>
+                <a:latin typeface="+mn-lt"/>
+                <a:ea typeface="+mn-ea"/>
+                <a:cs typeface="+mn-cs"/>
+              </a:defRPr>
+            </a:lvl1pPr>
+            <a:lvl2pPr marL="742950" indent="-285750" algn="l" defTabSz="457200" rtl="0" eaLnBrk="1" latinLnBrk="0" hangingPunct="1">
+              <a:spcBef>
+                <a:spcPct val="20000"/>
+              </a:spcBef>
+              <a:buClr>
+                <a:srgbClr val="872175"/>
+              </a:buClr>
+              <a:buFont typeface="Arial"/>
+              <a:buChar char="–"/>
+              <a:defRPr sz="2400" kern="1200">
+                <a:solidFill>
+                  <a:schemeClr val="tx1"/>
+                </a:solidFill>
+                <a:latin typeface="+mn-lt"/>
+                <a:ea typeface="+mn-ea"/>
+                <a:cs typeface="+mn-cs"/>
+              </a:defRPr>
+            </a:lvl2pPr>
+            <a:lvl3pPr marL="1143000" indent="-228600" algn="l" defTabSz="457200" rtl="0" eaLnBrk="1" latinLnBrk="0" hangingPunct="1">
+              <a:spcBef>
+                <a:spcPct val="20000"/>
+              </a:spcBef>
+              <a:buClr>
+                <a:srgbClr val="872175"/>
+              </a:buClr>
+              <a:buFont typeface="Arial"/>
+              <a:buChar char="•"/>
+              <a:defRPr sz="2400" kern="1200">
+                <a:solidFill>
+                  <a:schemeClr val="tx1"/>
+                </a:solidFill>
+                <a:latin typeface="+mn-lt"/>
+                <a:ea typeface="+mn-ea"/>
+                <a:cs typeface="+mn-cs"/>
+              </a:defRPr>
+            </a:lvl3pPr>
+            <a:lvl4pPr marL="1600200" indent="-228600" algn="l" defTabSz="457200" rtl="0" eaLnBrk="1" latinLnBrk="0" hangingPunct="1">
+              <a:spcBef>
+                <a:spcPct val="20000"/>
+              </a:spcBef>
+              <a:buClr>
+                <a:srgbClr val="872175"/>
+              </a:buClr>
+              <a:buFont typeface="Arial"/>
+              <a:buChar char="–"/>
+              <a:defRPr sz="2000" kern="1200">
+                <a:solidFill>
+                  <a:schemeClr val="tx1"/>
+                </a:solidFill>
+                <a:latin typeface="+mn-lt"/>
+                <a:ea typeface="+mn-ea"/>
+                <a:cs typeface="+mn-cs"/>
+              </a:defRPr>
+            </a:lvl4pPr>
+            <a:lvl5pPr marL="2057400" indent="-228600" algn="l" defTabSz="457200" rtl="0" eaLnBrk="1" latinLnBrk="0" hangingPunct="1">
+              <a:spcBef>
+                <a:spcPct val="20000"/>
+              </a:spcBef>
+              <a:buClr>
+                <a:srgbClr val="872175"/>
+              </a:buClr>
+              <a:buFont typeface="Arial"/>
+              <a:buChar char="»"/>
+              <a:defRPr sz="2000" kern="1200">
+                <a:solidFill>
+                  <a:schemeClr val="tx1"/>
+                </a:solidFill>
+                <a:latin typeface="+mn-lt"/>
+                <a:ea typeface="+mn-ea"/>
+                <a:cs typeface="+mn-cs"/>
+              </a:defRPr>
+            </a:lvl5pPr>
+            <a:lvl6pPr marL="2514600" indent="-228600" algn="l" defTabSz="457200" rtl="0" eaLnBrk="1" latinLnBrk="0" hangingPunct="1">
+              <a:spcBef>
+                <a:spcPct val="20000"/>
+              </a:spcBef>
+              <a:buFont typeface="Arial"/>
+              <a:buChar char="•"/>
+              <a:defRPr sz="2000" kern="1200">
+                <a:solidFill>
+                  <a:schemeClr val="tx1"/>
+                </a:solidFill>
+                <a:latin typeface="+mn-lt"/>
+                <a:ea typeface="+mn-ea"/>
+                <a:cs typeface="+mn-cs"/>
+              </a:defRPr>
+            </a:lvl6pPr>
+            <a:lvl7pPr marL="2971800" indent="-228600" algn="l" defTabSz="457200" rtl="0" eaLnBrk="1" latinLnBrk="0" hangingPunct="1">
+              <a:spcBef>
+                <a:spcPct val="20000"/>
+              </a:spcBef>
+              <a:buFont typeface="Arial"/>
+              <a:buChar char="•"/>
+              <a:defRPr sz="2000" kern="1200">
+                <a:solidFill>
+                  <a:schemeClr val="tx1"/>
+                </a:solidFill>
+                <a:latin typeface="+mn-lt"/>
+                <a:ea typeface="+mn-ea"/>
+                <a:cs typeface="+mn-cs"/>
+              </a:defRPr>
+            </a:lvl7pPr>
+            <a:lvl8pPr marL="3429000" indent="-228600" algn="l" defTabSz="457200" rtl="0" eaLnBrk="1" latinLnBrk="0" hangingPunct="1">
+              <a:spcBef>
+                <a:spcPct val="20000"/>
+              </a:spcBef>
+              <a:buFont typeface="Arial"/>
+              <a:buChar char="•"/>
+              <a:defRPr sz="2000" kern="1200">
+                <a:solidFill>
+                  <a:schemeClr val="tx1"/>
+                </a:solidFill>
+                <a:latin typeface="+mn-lt"/>
+                <a:ea typeface="+mn-ea"/>
+                <a:cs typeface="+mn-cs"/>
+              </a:defRPr>
+            </a:lvl8pPr>
+            <a:lvl9pPr marL="3886200" indent="-228600" algn="l" defTabSz="457200" rtl="0" eaLnBrk="1" latinLnBrk="0" hangingPunct="1">
+              <a:spcBef>
+                <a:spcPct val="20000"/>
+              </a:spcBef>
+              <a:buFont typeface="Arial"/>
+              <a:buChar char="•"/>
+              <a:defRPr sz="2000" kern="1200">
+                <a:solidFill>
+                  <a:schemeClr val="tx1"/>
+                </a:solidFill>
+                <a:latin typeface="+mn-lt"/>
+                <a:ea typeface="+mn-ea"/>
+                <a:cs typeface="+mn-cs"/>
+              </a:defRPr>
+            </a:lvl9pPr>
+          </a:lstStyle>
+          <a:p>
+            <a:r>
+              <a:rPr lang="en-GB" sz="2800" dirty="0"/>
+              <a:t>13 nodes: 368 threads 3.3 TB RAM</a:t>
+            </a:r>
+          </a:p>
+          <a:p>
+            <a:r>
+              <a:rPr lang="en-GB" sz="2800" dirty="0"/>
+              <a:t>4 nodes have 500GB of RAM.</a:t>
+            </a:r>
+          </a:p>
+          <a:p>
+            <a:r>
+              <a:rPr lang="en-GB" sz="2800" dirty="0"/>
+              <a:t>96 TB storage, backed up nightly.</a:t>
+            </a:r>
+          </a:p>
+          <a:p>
+            <a:r>
+              <a:rPr lang="en-GB" sz="2800" dirty="0"/>
+              <a:t>250 software packages available </a:t>
+            </a:r>
+          </a:p>
+          <a:p>
+            <a:pPr marL="0" indent="0">
+              <a:buNone/>
+            </a:pPr>
+            <a:r>
+              <a:rPr lang="en-GB" sz="2800" dirty="0"/>
+              <a:t>	through </a:t>
+            </a:r>
+            <a:r>
+              <a:rPr lang="en-GB" sz="2800" i="1" dirty="0" err="1"/>
+              <a:t>moduleload</a:t>
+            </a:r>
+            <a:endParaRPr lang="en-GB" sz="2800" i="1" dirty="0"/>
+          </a:p>
+          <a:p>
+            <a:r>
+              <a:rPr lang="en-GB" sz="2800" dirty="0"/>
+              <a:t>Conda: &gt;10,000 packages!!</a:t>
+            </a:r>
+          </a:p>
+          <a:p>
+            <a:r>
+              <a:rPr lang="en-GB" sz="2800" dirty="0"/>
+              <a:t>Singularity for Docker images. </a:t>
+            </a:r>
+          </a:p>
+          <a:p>
+            <a:pPr marL="285750" indent="-285750">
+              <a:buFont typeface="Arial" panose="020B0604020202020204" pitchFamily="34" charset="0"/>
+              <a:buChar char="•"/>
+            </a:pPr>
+            <a:endParaRPr lang="en-GB" sz="2400" dirty="0"/>
+          </a:p>
+        </p:txBody>
+      </p:sp>
+      <p:cxnSp>
+        <p:nvCxnSpPr>
+          <p:cNvPr id="5" name="Straight Connector 4">
+            <a:extLst>
+              <a:ext uri="{FF2B5EF4-FFF2-40B4-BE49-F238E27FC236}">
+                <a16:creationId xmlns:a16="http://schemas.microsoft.com/office/drawing/2014/main" id="{3466EB83-B56F-490E-9304-D9B9C6883CC3}"/>
+              </a:ext>
+            </a:extLst>
+          </p:cNvPr>
+          <p:cNvCxnSpPr/>
+          <p:nvPr/>
+        </p:nvCxnSpPr>
+        <p:spPr>
+          <a:xfrm>
+            <a:off x="7311737" y="3013364"/>
+            <a:ext cx="2815937" cy="0"/>
+          </a:xfrm>
+          <a:prstGeom prst="line">
+            <a:avLst/>
+          </a:prstGeom>
+        </p:spPr>
+        <p:style>
+          <a:lnRef idx="1">
+            <a:schemeClr val="accent2"/>
+          </a:lnRef>
+          <a:fillRef idx="0">
+            <a:schemeClr val="accent2"/>
+          </a:fillRef>
+          <a:effectRef idx="0">
+            <a:schemeClr val="accent2"/>
+          </a:effectRef>
+          <a:fontRef idx="minor">
+            <a:schemeClr val="tx1"/>
+          </a:fontRef>
+        </p:style>
+      </p:cxnSp>
+      <p:sp>
+        <p:nvSpPr>
+          <p:cNvPr id="15" name="Rectangle 14">
+            <a:extLst>
+              <a:ext uri="{FF2B5EF4-FFF2-40B4-BE49-F238E27FC236}">
+                <a16:creationId xmlns:a16="http://schemas.microsoft.com/office/drawing/2014/main" id="{621F3481-50DC-42F4-99D7-851DFF565F6D}"/>
+              </a:ext>
+            </a:extLst>
+          </p:cNvPr>
+          <p:cNvSpPr/>
+          <p:nvPr/>
+        </p:nvSpPr>
+        <p:spPr>
+          <a:xfrm>
+            <a:off x="10968806" y="1"/>
+            <a:ext cx="1042219" cy="1396181"/>
+          </a:xfrm>
+          <a:prstGeom prst="rect">
+            <a:avLst/>
+          </a:prstGeom>
+          <a:solidFill>
+            <a:schemeClr val="bg1"/>
+          </a:solidFill>
+          <a:ln>
+            <a:noFill/>
+          </a:ln>
+          <a:effectLst/>
+        </p:spPr>
+        <p:style>
+          <a:lnRef idx="1">
+            <a:schemeClr val="accent1"/>
+          </a:lnRef>
+          <a:fillRef idx="3">
+            <a:schemeClr val="accent1"/>
+          </a:fillRef>
+          <a:effectRef idx="2">
+            <a:schemeClr val="accent1"/>
+          </a:effectRef>
+          <a:fontRef idx="minor">
+            <a:schemeClr val="lt1"/>
+          </a:fontRef>
+        </p:style>
+        <p:txBody>
+          <a:bodyPr rtlCol="0" anchor="ctr"/>
+          <a:lstStyle/>
+          <a:p>
+            <a:pPr algn="ctr"/>
+            <a:endParaRPr lang="en-GB" dirty="0"/>
+          </a:p>
+        </p:txBody>
+      </p:sp>
+      <p:sp>
+        <p:nvSpPr>
+          <p:cNvPr id="16" name="Rectangle 15">
+            <a:extLst>
+              <a:ext uri="{FF2B5EF4-FFF2-40B4-BE49-F238E27FC236}">
+                <a16:creationId xmlns:a16="http://schemas.microsoft.com/office/drawing/2014/main" id="{FDF2F3D7-DC0D-4C33-9089-54715A38A2C4}"/>
+              </a:ext>
+            </a:extLst>
+          </p:cNvPr>
+          <p:cNvSpPr/>
+          <p:nvPr/>
+        </p:nvSpPr>
+        <p:spPr>
+          <a:xfrm>
+            <a:off x="220569" y="167860"/>
+            <a:ext cx="1042219" cy="1396181"/>
+          </a:xfrm>
+          <a:prstGeom prst="rect">
+            <a:avLst/>
+          </a:prstGeom>
+          <a:solidFill>
+            <a:schemeClr val="bg1"/>
+          </a:solidFill>
+          <a:ln>
+            <a:noFill/>
+          </a:ln>
+          <a:effectLst/>
+        </p:spPr>
+        <p:style>
+          <a:lnRef idx="1">
+            <a:schemeClr val="accent1"/>
+          </a:lnRef>
+          <a:fillRef idx="3">
+            <a:schemeClr val="accent1"/>
+          </a:fillRef>
+          <a:effectRef idx="2">
+            <a:schemeClr val="accent1"/>
+          </a:effectRef>
+          <a:fontRef idx="minor">
+            <a:schemeClr val="lt1"/>
+          </a:fontRef>
+        </p:style>
+        <p:txBody>
+          <a:bodyPr rtlCol="0" anchor="ctr"/>
+          <a:lstStyle/>
+          <a:p>
+            <a:pPr algn="ctr"/>
+            <a:endParaRPr lang="en-GB" dirty="0"/>
+          </a:p>
+        </p:txBody>
+      </p:sp>
     </p:spTree>
     <p:extLst>
       <p:ext uri="{BB962C8B-B14F-4D97-AF65-F5344CB8AC3E}">
-        <p14:creationId xmlns:p14="http://schemas.microsoft.com/office/powerpoint/2010/main" val="1255345919"/>
+        <p14:creationId xmlns:p14="http://schemas.microsoft.com/office/powerpoint/2010/main" val="407600786"/>
       </p:ext>
     </p:extLst>
   </p:cSld>
   <p:clrMapOvr>
     <a:masterClrMapping/>
   </p:clrMapOvr>
+  <p:timing>
+    <p:tnLst>
+      <p:par>
+        <p:cTn id="1" dur="indefinite" restart="never" nodeType="tmRoot">
+          <p:childTnLst>
+            <p:seq concurrent="1" nextAc="seek">
+              <p:cTn id="2" dur="indefinite" nodeType="mainSeq">
+                <p:childTnLst>
+                  <p:par>
+                    <p:cTn id="3" fill="hold">
+                      <p:stCondLst>
+                        <p:cond delay="indefinite"/>
+                      </p:stCondLst>
+                      <p:childTnLst>
+                        <p:par>
+                          <p:cTn id="4" fill="hold">
+                            <p:stCondLst>
+                              <p:cond delay="0"/>
+                            </p:stCondLst>
+                            <p:childTnLst>
+                              <p:par>
+                                <p:cTn id="5" presetID="1" presetClass="entr" presetSubtype="0" fill="hold" grpId="0" nodeType="clickEffect">
+                                  <p:stCondLst>
+                                    <p:cond delay="0"/>
+                                  </p:stCondLst>
+                                  <p:childTnLst>
+                                    <p:set>
+                                      <p:cBhvr>
+                                        <p:cTn id="6" dur="1" fill="hold">
+                                          <p:stCondLst>
+                                            <p:cond delay="0"/>
+                                          </p:stCondLst>
+                                        </p:cTn>
+                                        <p:tgtEl>
+                                          <p:spTgt spid="14">
+                                            <p:txEl>
+                                              <p:pRg st="0" end="0"/>
+                                            </p:txEl>
+                                          </p:spTgt>
+                                        </p:tgtEl>
+                                        <p:attrNameLst>
+                                          <p:attrName>style.visibility</p:attrName>
+                                        </p:attrNameLst>
+                                      </p:cBhvr>
+                                      <p:to>
+                                        <p:strVal val="visible"/>
+                                      </p:to>
+                                    </p:set>
+                                  </p:childTnLst>
+                                </p:cTn>
+                              </p:par>
+                            </p:childTnLst>
+                          </p:cTn>
+                        </p:par>
+                      </p:childTnLst>
+                    </p:cTn>
+                  </p:par>
+                  <p:par>
+                    <p:cTn id="7" fill="hold">
+                      <p:stCondLst>
+                        <p:cond delay="indefinite"/>
+                      </p:stCondLst>
+                      <p:childTnLst>
+                        <p:par>
+                          <p:cTn id="8" fill="hold">
+                            <p:stCondLst>
+                              <p:cond delay="0"/>
+                            </p:stCondLst>
+                            <p:childTnLst>
+                              <p:par>
+                                <p:cTn id="9" presetID="1" presetClass="entr" presetSubtype="0" fill="hold" grpId="0" nodeType="clickEffect">
+                                  <p:stCondLst>
+                                    <p:cond delay="0"/>
+                                  </p:stCondLst>
+                                  <p:childTnLst>
+                                    <p:set>
+                                      <p:cBhvr>
+                                        <p:cTn id="10" dur="1" fill="hold">
+                                          <p:stCondLst>
+                                            <p:cond delay="0"/>
+                                          </p:stCondLst>
+                                        </p:cTn>
+                                        <p:tgtEl>
+                                          <p:spTgt spid="14">
+                                            <p:txEl>
+                                              <p:pRg st="1" end="1"/>
+                                            </p:txEl>
+                                          </p:spTgt>
+                                        </p:tgtEl>
+                                        <p:attrNameLst>
+                                          <p:attrName>style.visibility</p:attrName>
+                                        </p:attrNameLst>
+                                      </p:cBhvr>
+                                      <p:to>
+                                        <p:strVal val="visible"/>
+                                      </p:to>
+                                    </p:set>
+                                  </p:childTnLst>
+                                </p:cTn>
+                              </p:par>
+                            </p:childTnLst>
+                          </p:cTn>
+                        </p:par>
+                      </p:childTnLst>
+                    </p:cTn>
+                  </p:par>
+                  <p:par>
+                    <p:cTn id="11" fill="hold">
+                      <p:stCondLst>
+                        <p:cond delay="indefinite"/>
+                      </p:stCondLst>
+                      <p:childTnLst>
+                        <p:par>
+                          <p:cTn id="12" fill="hold">
+                            <p:stCondLst>
+                              <p:cond delay="0"/>
+                            </p:stCondLst>
+                            <p:childTnLst>
+                              <p:par>
+                                <p:cTn id="13" presetID="1" presetClass="entr" presetSubtype="0" fill="hold" grpId="0" nodeType="clickEffect">
+                                  <p:stCondLst>
+                                    <p:cond delay="0"/>
+                                  </p:stCondLst>
+                                  <p:childTnLst>
+                                    <p:set>
+                                      <p:cBhvr>
+                                        <p:cTn id="14" dur="1" fill="hold">
+                                          <p:stCondLst>
+                                            <p:cond delay="0"/>
+                                          </p:stCondLst>
+                                        </p:cTn>
+                                        <p:tgtEl>
+                                          <p:spTgt spid="14">
+                                            <p:txEl>
+                                              <p:pRg st="2" end="2"/>
+                                            </p:txEl>
+                                          </p:spTgt>
+                                        </p:tgtEl>
+                                        <p:attrNameLst>
+                                          <p:attrName>style.visibility</p:attrName>
+                                        </p:attrNameLst>
+                                      </p:cBhvr>
+                                      <p:to>
+                                        <p:strVal val="visible"/>
+                                      </p:to>
+                                    </p:set>
+                                  </p:childTnLst>
+                                </p:cTn>
+                              </p:par>
+                            </p:childTnLst>
+                          </p:cTn>
+                        </p:par>
+                      </p:childTnLst>
+                    </p:cTn>
+                  </p:par>
+                  <p:par>
+                    <p:cTn id="15" fill="hold">
+                      <p:stCondLst>
+                        <p:cond delay="indefinite"/>
+                      </p:stCondLst>
+                      <p:childTnLst>
+                        <p:par>
+                          <p:cTn id="16" fill="hold">
+                            <p:stCondLst>
+                              <p:cond delay="0"/>
+                            </p:stCondLst>
+                            <p:childTnLst>
+                              <p:par>
+                                <p:cTn id="17" presetID="1" presetClass="entr" presetSubtype="0" fill="hold" grpId="0" nodeType="clickEffect">
+                                  <p:stCondLst>
+                                    <p:cond delay="0"/>
+                                  </p:stCondLst>
+                                  <p:childTnLst>
+                                    <p:set>
+                                      <p:cBhvr>
+                                        <p:cTn id="18" dur="1" fill="hold">
+                                          <p:stCondLst>
+                                            <p:cond delay="0"/>
+                                          </p:stCondLst>
+                                        </p:cTn>
+                                        <p:tgtEl>
+                                          <p:spTgt spid="14">
+                                            <p:txEl>
+                                              <p:pRg st="3" end="3"/>
+                                            </p:txEl>
+                                          </p:spTgt>
+                                        </p:tgtEl>
+                                        <p:attrNameLst>
+                                          <p:attrName>style.visibility</p:attrName>
+                                        </p:attrNameLst>
+                                      </p:cBhvr>
+                                      <p:to>
+                                        <p:strVal val="visible"/>
+                                      </p:to>
+                                    </p:set>
+                                  </p:childTnLst>
+                                </p:cTn>
+                              </p:par>
+                            </p:childTnLst>
+                          </p:cTn>
+                        </p:par>
+                      </p:childTnLst>
+                    </p:cTn>
+                  </p:par>
+                  <p:par>
+                    <p:cTn id="19" fill="hold">
+                      <p:stCondLst>
+                        <p:cond delay="indefinite"/>
+                      </p:stCondLst>
+                      <p:childTnLst>
+                        <p:par>
+                          <p:cTn id="20" fill="hold">
+                            <p:stCondLst>
+                              <p:cond delay="0"/>
+                            </p:stCondLst>
+                            <p:childTnLst>
+                              <p:par>
+                                <p:cTn id="21" presetID="1" presetClass="entr" presetSubtype="0" fill="hold" grpId="0" nodeType="clickEffect">
+                                  <p:stCondLst>
+                                    <p:cond delay="0"/>
+                                  </p:stCondLst>
+                                  <p:childTnLst>
+                                    <p:set>
+                                      <p:cBhvr>
+                                        <p:cTn id="22" dur="1" fill="hold">
+                                          <p:stCondLst>
+                                            <p:cond delay="0"/>
+                                          </p:stCondLst>
+                                        </p:cTn>
+                                        <p:tgtEl>
+                                          <p:spTgt spid="14">
+                                            <p:txEl>
+                                              <p:pRg st="4" end="4"/>
+                                            </p:txEl>
+                                          </p:spTgt>
+                                        </p:tgtEl>
+                                        <p:attrNameLst>
+                                          <p:attrName>style.visibility</p:attrName>
+                                        </p:attrNameLst>
+                                      </p:cBhvr>
+                                      <p:to>
+                                        <p:strVal val="visible"/>
+                                      </p:to>
+                                    </p:set>
+                                  </p:childTnLst>
+                                </p:cTn>
+                              </p:par>
+                            </p:childTnLst>
+                          </p:cTn>
+                        </p:par>
+                      </p:childTnLst>
+                    </p:cTn>
+                  </p:par>
+                  <p:par>
+                    <p:cTn id="23" fill="hold">
+                      <p:stCondLst>
+                        <p:cond delay="indefinite"/>
+                      </p:stCondLst>
+                      <p:childTnLst>
+                        <p:par>
+                          <p:cTn id="24" fill="hold">
+                            <p:stCondLst>
+                              <p:cond delay="0"/>
+                            </p:stCondLst>
+                            <p:childTnLst>
+                              <p:par>
+                                <p:cTn id="25" presetID="1" presetClass="entr" presetSubtype="0" fill="hold" grpId="0" nodeType="clickEffect">
+                                  <p:stCondLst>
+                                    <p:cond delay="0"/>
+                                  </p:stCondLst>
+                                  <p:childTnLst>
+                                    <p:set>
+                                      <p:cBhvr>
+                                        <p:cTn id="26" dur="1" fill="hold">
+                                          <p:stCondLst>
+                                            <p:cond delay="0"/>
+                                          </p:stCondLst>
+                                        </p:cTn>
+                                        <p:tgtEl>
+                                          <p:spTgt spid="14">
+                                            <p:txEl>
+                                              <p:pRg st="5" end="5"/>
+                                            </p:txEl>
+                                          </p:spTgt>
+                                        </p:tgtEl>
+                                        <p:attrNameLst>
+                                          <p:attrName>style.visibility</p:attrName>
+                                        </p:attrNameLst>
+                                      </p:cBhvr>
+                                      <p:to>
+                                        <p:strVal val="visible"/>
+                                      </p:to>
+                                    </p:set>
+                                  </p:childTnLst>
+                                </p:cTn>
+                              </p:par>
+                            </p:childTnLst>
+                          </p:cTn>
+                        </p:par>
+                      </p:childTnLst>
+                    </p:cTn>
+                  </p:par>
+                  <p:par>
+                    <p:cTn id="27" fill="hold">
+                      <p:stCondLst>
+                        <p:cond delay="indefinite"/>
+                      </p:stCondLst>
+                      <p:childTnLst>
+                        <p:par>
+                          <p:cTn id="28" fill="hold">
+                            <p:stCondLst>
+                              <p:cond delay="0"/>
+                            </p:stCondLst>
+                            <p:childTnLst>
+                              <p:par>
+                                <p:cTn id="29" presetID="1" presetClass="entr" presetSubtype="0" fill="hold" grpId="0" nodeType="clickEffect">
+                                  <p:stCondLst>
+                                    <p:cond delay="0"/>
+                                  </p:stCondLst>
+                                  <p:childTnLst>
+                                    <p:set>
+                                      <p:cBhvr>
+                                        <p:cTn id="30" dur="1" fill="hold">
+                                          <p:stCondLst>
+                                            <p:cond delay="0"/>
+                                          </p:stCondLst>
+                                        </p:cTn>
+                                        <p:tgtEl>
+                                          <p:spTgt spid="14">
+                                            <p:txEl>
+                                              <p:pRg st="6" end="6"/>
+                                            </p:txEl>
+                                          </p:spTgt>
+                                        </p:tgtEl>
+                                        <p:attrNameLst>
+                                          <p:attrName>style.visibility</p:attrName>
+                                        </p:attrNameLst>
+                                      </p:cBhvr>
+                                      <p:to>
+                                        <p:strVal val="visible"/>
+                                      </p:to>
+                                    </p:set>
+                                  </p:childTnLst>
+                                </p:cTn>
+                              </p:par>
+                            </p:childTnLst>
+                          </p:cTn>
+                        </p:par>
+                      </p:childTnLst>
+                    </p:cTn>
+                  </p:par>
+                </p:childTnLst>
+              </p:cTn>
+              <p:prevCondLst>
+                <p:cond evt="onPrev" delay="0">
+                  <p:tgtEl>
+                    <p:sldTgt/>
+                  </p:tgtEl>
+                </p:cond>
+              </p:prevCondLst>
+              <p:nextCondLst>
+                <p:cond evt="onNext" delay="0">
+                  <p:tgtEl>
+                    <p:sldTgt/>
+                  </p:tgtEl>
+                </p:cond>
+              </p:nextCondLst>
+            </p:seq>
+          </p:childTnLst>
+        </p:cTn>
+      </p:par>
+    </p:tnLst>
+    <p:bldLst>
+      <p:bldP spid="14" grpId="0" build="p"/>
+    </p:bldLst>
+  </p:timing>
 </p:sld>
 </file>
 
@@ -10648,7 +11999,7 @@
           <p:cNvPr id="2" name="Title 1">
             <a:extLst>
               <a:ext uri="{FF2B5EF4-FFF2-40B4-BE49-F238E27FC236}">
-                <a16:creationId xmlns:a16="http://schemas.microsoft.com/office/drawing/2014/main" id="{559DEFB9-3C29-4638-8171-90411DFAAD48}"/>
+                <a16:creationId xmlns:a16="http://schemas.microsoft.com/office/drawing/2014/main" id="{8FAA73A9-5457-4E86-B536-7E7EF31C6CE3}"/>
               </a:ext>
             </a:extLst>
           </p:cNvPr>
@@ -10659,66 +12010,66 @@
             <p:ph type="title"/>
           </p:nvPr>
         </p:nvSpPr>
-        <p:spPr>
-          <a:xfrm>
-            <a:off x="0" y="-319315"/>
-            <a:ext cx="12192000" cy="1325563"/>
-          </a:xfrm>
-        </p:spPr>
+        <p:spPr/>
         <p:txBody>
           <a:bodyPr/>
           <a:lstStyle/>
           <a:p>
-            <a:pPr algn="ctr"/>
             <a:r>
               <a:rPr lang="en-GB" dirty="0">
                 <a:solidFill>
                   <a:srgbClr val="7030A0"/>
                 </a:solidFill>
               </a:rPr>
-              <a:t>1) Cluster overview: Expansion proposal</a:t>
-            </a:r>
-          </a:p>
-        </p:txBody>
-      </p:sp>
-      <p:pic>
-        <p:nvPicPr>
-          <p:cNvPr id="4" name="Picture 3">
-            <a:extLst>
-              <a:ext uri="{FF2B5EF4-FFF2-40B4-BE49-F238E27FC236}">
-                <a16:creationId xmlns:a16="http://schemas.microsoft.com/office/drawing/2014/main" id="{017F48D0-C0C9-46CC-876A-397E712E72BF}"/>
-              </a:ext>
-            </a:extLst>
-          </p:cNvPr>
-          <p:cNvPicPr/>
-          <p:nvPr/>
-        </p:nvPicPr>
-        <p:blipFill>
-          <a:blip r:embed="rId2">
-            <a:extLst>
-              <a:ext uri="{28A0092B-C50C-407E-A947-70E740481C1C}">
-                <a14:useLocalDpi xmlns:a14="http://schemas.microsoft.com/office/drawing/2010/main" val="0"/>
-              </a:ext>
-            </a:extLst>
-          </a:blip>
-          <a:stretch>
-            <a:fillRect/>
-          </a:stretch>
-        </p:blipFill>
-        <p:spPr>
-          <a:xfrm>
-            <a:off x="2460171" y="747485"/>
-            <a:ext cx="7271658" cy="6110515"/>
-          </a:xfrm>
-          <a:prstGeom prst="rect">
-            <a:avLst/>
-          </a:prstGeom>
-        </p:spPr>
-      </p:pic>
+              <a:t>2) Getting connected</a:t>
+            </a:r>
+          </a:p>
+        </p:txBody>
+      </p:sp>
+      <p:sp>
+        <p:nvSpPr>
+          <p:cNvPr id="3" name="Content Placeholder 2">
+            <a:extLst>
+              <a:ext uri="{FF2B5EF4-FFF2-40B4-BE49-F238E27FC236}">
+                <a16:creationId xmlns:a16="http://schemas.microsoft.com/office/drawing/2014/main" id="{00C97936-BC65-49AB-BB23-39CC02ADAD84}"/>
+              </a:ext>
+            </a:extLst>
+          </p:cNvPr>
+          <p:cNvSpPr>
+            <a:spLocks noGrp="1"/>
+          </p:cNvSpPr>
+          <p:nvPr>
+            <p:ph idx="1"/>
+          </p:nvPr>
+        </p:nvSpPr>
+        <p:spPr/>
+        <p:txBody>
+          <a:bodyPr/>
+          <a:lstStyle/>
+          <a:p>
+            <a:r>
+              <a:rPr lang="en-GB" dirty="0"/>
+              <a:t>Open this power point (you wont be able to yet!). Learn how to connect to Marvin (</a:t>
+            </a:r>
+            <a:r>
+              <a:rPr lang="en-GB" dirty="0">
+                <a:solidFill>
+                  <a:srgbClr val="FF0000"/>
+                </a:solidFill>
+              </a:rPr>
+              <a:t>2_Getting_connected.pptx</a:t>
+            </a:r>
+            <a:r>
+              <a:rPr lang="en-GB" dirty="0"/>
+              <a:t>)</a:t>
+            </a:r>
+          </a:p>
+        </p:txBody>
+      </p:sp>
     </p:spTree>
     <p:extLst>
       <p:ext uri="{BB962C8B-B14F-4D97-AF65-F5344CB8AC3E}">
-        <p14:creationId xmlns:p14="http://schemas.microsoft.com/office/powerpoint/2010/main" val="419350380"/>
+        <p14:creationId xmlns:p14="http://schemas.microsoft.com/office/powerpoint/2010/main" val="728570689"/>
       </p:ext>
     </p:extLst>
   </p:cSld>
@@ -10750,7 +12101,7 @@
           <p:cNvPr id="2" name="Title 1">
             <a:extLst>
               <a:ext uri="{FF2B5EF4-FFF2-40B4-BE49-F238E27FC236}">
-                <a16:creationId xmlns:a16="http://schemas.microsoft.com/office/drawing/2014/main" id="{8FAA73A9-5457-4E86-B536-7E7EF31C6CE3}"/>
+                <a16:creationId xmlns:a16="http://schemas.microsoft.com/office/drawing/2014/main" id="{B38A0F29-CBF5-4F6F-8067-DDC8E390B91E}"/>
               </a:ext>
             </a:extLst>
           </p:cNvPr>
@@ -10772,7 +12123,7 @@
                   <a:srgbClr val="7030A0"/>
                 </a:solidFill>
               </a:rPr>
-              <a:t>2) Getting connected</a:t>
+              <a:t>3) Basic UNIX: open the PowerPoint</a:t>
             </a:r>
           </a:p>
         </p:txBody>
@@ -10782,7 +12133,7 @@
           <p:cNvPr id="3" name="Content Placeholder 2">
             <a:extLst>
               <a:ext uri="{FF2B5EF4-FFF2-40B4-BE49-F238E27FC236}">
-                <a16:creationId xmlns:a16="http://schemas.microsoft.com/office/drawing/2014/main" id="{00C97936-BC65-49AB-BB23-39CC02ADAD84}"/>
+                <a16:creationId xmlns:a16="http://schemas.microsoft.com/office/drawing/2014/main" id="{B7D7F1BD-ACA4-4C4D-B152-CF18FDF314D2}"/>
               </a:ext>
             </a:extLst>
           </p:cNvPr>
@@ -10800,7 +12151,7 @@
           <a:p>
             <a:r>
               <a:rPr lang="en-GB" dirty="0"/>
-              <a:t>Open this power point. The learn how to connect to Marvin (</a:t>
+              <a:t>Short practical, basic UNIX commands (</a:t>
             </a:r>
             <a:r>
               <a:rPr lang="en-GB" dirty="0">
@@ -10808,11 +12159,17 @@
                   <a:srgbClr val="FF0000"/>
                 </a:solidFill>
               </a:rPr>
-              <a:t>2_Getting_connected.pptx</a:t>
+              <a:t>3_basic_UNIX.pptx</a:t>
             </a:r>
             <a:r>
               <a:rPr lang="en-GB" dirty="0"/>
               <a:t>)</a:t>
+            </a:r>
+          </a:p>
+          <a:p>
+            <a:r>
+              <a:rPr lang="en-GB" dirty="0"/>
+              <a:t>Joe Ward has written an extended tutorial for you all, which you will download shortly called:  unixCourse_latest.zip. This is for you to do in your own time, or here if you are fast.</a:t>
             </a:r>
           </a:p>
         </p:txBody>
@@ -10820,7 +12177,7 @@
     </p:spTree>
     <p:extLst>
       <p:ext uri="{BB962C8B-B14F-4D97-AF65-F5344CB8AC3E}">
-        <p14:creationId xmlns:p14="http://schemas.microsoft.com/office/powerpoint/2010/main" val="728570689"/>
+        <p14:creationId xmlns:p14="http://schemas.microsoft.com/office/powerpoint/2010/main" val="1605566831"/>
       </p:ext>
     </p:extLst>
   </p:cSld>
